--- a/powerpoint/ppt.pptx
+++ b/powerpoint/ppt.pptx
@@ -5,74 +5,76 @@
     <p:sldMasterId id="2147483659" r:id="rId1"/>
   </p:sldMasterIdLst>
   <p:notesMasterIdLst>
-    <p:notesMasterId r:id="rId43"/>
+    <p:notesMasterId r:id="rId45"/>
   </p:notesMasterIdLst>
   <p:sldIdLst>
     <p:sldId id="256" r:id="rId2"/>
     <p:sldId id="257" r:id="rId3"/>
     <p:sldId id="258" r:id="rId4"/>
     <p:sldId id="259" r:id="rId5"/>
-    <p:sldId id="260" r:id="rId6"/>
-    <p:sldId id="261" r:id="rId7"/>
-    <p:sldId id="262" r:id="rId8"/>
-    <p:sldId id="263" r:id="rId9"/>
-    <p:sldId id="264" r:id="rId10"/>
-    <p:sldId id="272" r:id="rId11"/>
-    <p:sldId id="273" r:id="rId12"/>
-    <p:sldId id="274" r:id="rId13"/>
-    <p:sldId id="275" r:id="rId14"/>
-    <p:sldId id="276" r:id="rId15"/>
-    <p:sldId id="277" r:id="rId16"/>
-    <p:sldId id="278" r:id="rId17"/>
-    <p:sldId id="279" r:id="rId18"/>
-    <p:sldId id="280" r:id="rId19"/>
-    <p:sldId id="281" r:id="rId20"/>
-    <p:sldId id="282" r:id="rId21"/>
-    <p:sldId id="283" r:id="rId22"/>
-    <p:sldId id="284" r:id="rId23"/>
-    <p:sldId id="285" r:id="rId24"/>
-    <p:sldId id="286" r:id="rId25"/>
-    <p:sldId id="287" r:id="rId26"/>
-    <p:sldId id="288" r:id="rId27"/>
-    <p:sldId id="289" r:id="rId28"/>
-    <p:sldId id="290" r:id="rId29"/>
-    <p:sldId id="291" r:id="rId30"/>
-    <p:sldId id="292" r:id="rId31"/>
-    <p:sldId id="293" r:id="rId32"/>
-    <p:sldId id="294" r:id="rId33"/>
-    <p:sldId id="295" r:id="rId34"/>
-    <p:sldId id="296" r:id="rId35"/>
-    <p:sldId id="297" r:id="rId36"/>
-    <p:sldId id="298" r:id="rId37"/>
-    <p:sldId id="299" r:id="rId38"/>
-    <p:sldId id="300" r:id="rId39"/>
-    <p:sldId id="301" r:id="rId40"/>
-    <p:sldId id="302" r:id="rId41"/>
-    <p:sldId id="303" r:id="rId42"/>
+    <p:sldId id="304" r:id="rId6"/>
+    <p:sldId id="305" r:id="rId7"/>
+    <p:sldId id="260" r:id="rId8"/>
+    <p:sldId id="261" r:id="rId9"/>
+    <p:sldId id="262" r:id="rId10"/>
+    <p:sldId id="263" r:id="rId11"/>
+    <p:sldId id="264" r:id="rId12"/>
+    <p:sldId id="272" r:id="rId13"/>
+    <p:sldId id="273" r:id="rId14"/>
+    <p:sldId id="274" r:id="rId15"/>
+    <p:sldId id="275" r:id="rId16"/>
+    <p:sldId id="276" r:id="rId17"/>
+    <p:sldId id="277" r:id="rId18"/>
+    <p:sldId id="278" r:id="rId19"/>
+    <p:sldId id="279" r:id="rId20"/>
+    <p:sldId id="280" r:id="rId21"/>
+    <p:sldId id="281" r:id="rId22"/>
+    <p:sldId id="282" r:id="rId23"/>
+    <p:sldId id="283" r:id="rId24"/>
+    <p:sldId id="284" r:id="rId25"/>
+    <p:sldId id="285" r:id="rId26"/>
+    <p:sldId id="286" r:id="rId27"/>
+    <p:sldId id="287" r:id="rId28"/>
+    <p:sldId id="288" r:id="rId29"/>
+    <p:sldId id="289" r:id="rId30"/>
+    <p:sldId id="290" r:id="rId31"/>
+    <p:sldId id="291" r:id="rId32"/>
+    <p:sldId id="292" r:id="rId33"/>
+    <p:sldId id="293" r:id="rId34"/>
+    <p:sldId id="294" r:id="rId35"/>
+    <p:sldId id="295" r:id="rId36"/>
+    <p:sldId id="296" r:id="rId37"/>
+    <p:sldId id="297" r:id="rId38"/>
+    <p:sldId id="298" r:id="rId39"/>
+    <p:sldId id="299" r:id="rId40"/>
+    <p:sldId id="300" r:id="rId41"/>
+    <p:sldId id="301" r:id="rId42"/>
+    <p:sldId id="302" r:id="rId43"/>
+    <p:sldId id="303" r:id="rId44"/>
   </p:sldIdLst>
   <p:sldSz cx="12188825" cy="6858000"/>
   <p:notesSz cx="6858000" cy="9144000"/>
   <p:embeddedFontLst>
     <p:embeddedFont>
+      <p:font typeface="Verdana" panose="020B0604030504040204" pitchFamily="34" charset="0"/>
+      <p:regular r:id="rId46"/>
+      <p:bold r:id="rId47"/>
+      <p:italic r:id="rId48"/>
+      <p:boldItalic r:id="rId49"/>
+    </p:embeddedFont>
+    <p:embeddedFont>
       <p:font typeface="Source Sans Pro" panose="020B0604020202020204" charset="0"/>
-      <p:regular r:id="rId44"/>
-      <p:bold r:id="rId45"/>
-      <p:italic r:id="rId46"/>
-      <p:boldItalic r:id="rId47"/>
+      <p:regular r:id="rId50"/>
+      <p:bold r:id="rId51"/>
+      <p:italic r:id="rId52"/>
+      <p:boldItalic r:id="rId53"/>
     </p:embeddedFont>
     <p:embeddedFont>
       <p:font typeface="Roboto" panose="020B0604020202020204" charset="0"/>
-      <p:regular r:id="rId48"/>
-      <p:bold r:id="rId49"/>
-      <p:italic r:id="rId50"/>
-      <p:boldItalic r:id="rId51"/>
-    </p:embeddedFont>
-    <p:embeddedFont>
-      <p:font typeface="Verdana" panose="020B0604030504040204" pitchFamily="34" charset="0"/>
-      <p:regular r:id="rId52"/>
-      <p:bold r:id="rId53"/>
-      <p:italic r:id="rId54"/>
-      <p:boldItalic r:id="rId55"/>
+      <p:regular r:id="rId54"/>
+      <p:bold r:id="rId55"/>
+      <p:italic r:id="rId56"/>
+      <p:boldItalic r:id="rId57"/>
     </p:embeddedFont>
   </p:embeddedFontLst>
   <p:defaultTextStyle>
@@ -1293,6 +1295,208 @@
   <p:cSld>
     <p:spTree>
       <p:nvGrpSpPr>
+        <p:cNvPr id="1" name="Shape 137"/>
+        <p:cNvGrpSpPr/>
+        <p:nvPr/>
+      </p:nvGrpSpPr>
+      <p:grpSpPr>
+        <a:xfrm>
+          <a:off x="0" y="0"/>
+          <a:ext cx="0" cy="0"/>
+          <a:chOff x="0" y="0"/>
+          <a:chExt cx="0" cy="0"/>
+        </a:xfrm>
+      </p:grpSpPr>
+      <p:sp>
+        <p:nvSpPr>
+          <p:cNvPr id="138" name="Shape 138"/>
+          <p:cNvSpPr txBox="1">
+            <a:spLocks noGrp="1"/>
+          </p:cNvSpPr>
+          <p:nvPr>
+            <p:ph type="body" idx="1"/>
+          </p:nvPr>
+        </p:nvSpPr>
+        <p:spPr>
+          <a:xfrm>
+            <a:off x="685800" y="4343400"/>
+            <a:ext cx="5486400" cy="4114800"/>
+          </a:xfrm>
+          <a:prstGeom prst="rect">
+            <a:avLst/>
+          </a:prstGeom>
+        </p:spPr>
+        <p:txBody>
+          <a:bodyPr lIns="91425" tIns="91425" rIns="91425" bIns="91425" anchor="t" anchorCtr="0">
+            <a:noAutofit/>
+          </a:bodyPr>
+          <a:lstStyle/>
+          <a:p>
+            <a:pPr lvl="0" rtl="0">
+              <a:spcBef>
+                <a:spcPts val="0"/>
+              </a:spcBef>
+              <a:buNone/>
+            </a:pPr>
+            <a:endParaRPr/>
+          </a:p>
+        </p:txBody>
+      </p:sp>
+      <p:sp>
+        <p:nvSpPr>
+          <p:cNvPr id="139" name="Shape 139"/>
+          <p:cNvSpPr>
+            <a:spLocks noGrp="1" noRot="1" noChangeAspect="1"/>
+          </p:cNvSpPr>
+          <p:nvPr>
+            <p:ph type="sldImg" idx="2"/>
+          </p:nvPr>
+        </p:nvSpPr>
+        <p:spPr>
+          <a:xfrm>
+            <a:off x="382588" y="685800"/>
+            <a:ext cx="6092825" cy="3429000"/>
+          </a:xfrm>
+          <a:custGeom>
+            <a:avLst/>
+            <a:gdLst/>
+            <a:ahLst/>
+            <a:cxnLst/>
+            <a:rect l="0" t="0" r="0" b="0"/>
+            <a:pathLst>
+              <a:path w="120000" h="120000" extrusionOk="0">
+                <a:moveTo>
+                  <a:pt x="0" y="0"/>
+                </a:moveTo>
+                <a:lnTo>
+                  <a:pt x="120000" y="0"/>
+                </a:lnTo>
+                <a:lnTo>
+                  <a:pt x="120000" y="120000"/>
+                </a:lnTo>
+                <a:lnTo>
+                  <a:pt x="0" y="120000"/>
+                </a:lnTo>
+                <a:close/>
+              </a:path>
+            </a:pathLst>
+          </a:custGeom>
+        </p:spPr>
+      </p:sp>
+    </p:spTree>
+  </p:cSld>
+  <p:clrMapOvr>
+    <a:masterClrMapping/>
+  </p:clrMapOvr>
+</p:notes>
+</file>
+
+<file path=ppt/notesSlides/notesSlide11.xml><?xml version="1.0" encoding="utf-8"?>
+<p:notes xmlns:a="http://schemas.openxmlformats.org/drawingml/2006/main" xmlns:r="http://schemas.openxmlformats.org/officeDocument/2006/relationships" xmlns:p="http://schemas.openxmlformats.org/presentationml/2006/main" showMasterSp="0" showMasterPhAnim="0">
+  <p:cSld>
+    <p:spTree>
+      <p:nvGrpSpPr>
+        <p:cNvPr id="1" name="Shape 146"/>
+        <p:cNvGrpSpPr/>
+        <p:nvPr/>
+      </p:nvGrpSpPr>
+      <p:grpSpPr>
+        <a:xfrm>
+          <a:off x="0" y="0"/>
+          <a:ext cx="0" cy="0"/>
+          <a:chOff x="0" y="0"/>
+          <a:chExt cx="0" cy="0"/>
+        </a:xfrm>
+      </p:grpSpPr>
+      <p:sp>
+        <p:nvSpPr>
+          <p:cNvPr id="147" name="Shape 147"/>
+          <p:cNvSpPr txBox="1">
+            <a:spLocks noGrp="1"/>
+          </p:cNvSpPr>
+          <p:nvPr>
+            <p:ph type="body" idx="1"/>
+          </p:nvPr>
+        </p:nvSpPr>
+        <p:spPr>
+          <a:xfrm>
+            <a:off x="685800" y="4343400"/>
+            <a:ext cx="5486400" cy="4114800"/>
+          </a:xfrm>
+          <a:prstGeom prst="rect">
+            <a:avLst/>
+          </a:prstGeom>
+        </p:spPr>
+        <p:txBody>
+          <a:bodyPr lIns="91425" tIns="91425" rIns="91425" bIns="91425" anchor="t" anchorCtr="0">
+            <a:noAutofit/>
+          </a:bodyPr>
+          <a:lstStyle/>
+          <a:p>
+            <a:pPr lvl="0" rtl="0">
+              <a:spcBef>
+                <a:spcPts val="0"/>
+              </a:spcBef>
+              <a:buNone/>
+            </a:pPr>
+            <a:endParaRPr/>
+          </a:p>
+        </p:txBody>
+      </p:sp>
+      <p:sp>
+        <p:nvSpPr>
+          <p:cNvPr id="148" name="Shape 148"/>
+          <p:cNvSpPr>
+            <a:spLocks noGrp="1" noRot="1" noChangeAspect="1"/>
+          </p:cNvSpPr>
+          <p:nvPr>
+            <p:ph type="sldImg" idx="2"/>
+          </p:nvPr>
+        </p:nvSpPr>
+        <p:spPr>
+          <a:xfrm>
+            <a:off x="382588" y="685800"/>
+            <a:ext cx="6092825" cy="3429000"/>
+          </a:xfrm>
+          <a:custGeom>
+            <a:avLst/>
+            <a:gdLst/>
+            <a:ahLst/>
+            <a:cxnLst/>
+            <a:rect l="0" t="0" r="0" b="0"/>
+            <a:pathLst>
+              <a:path w="120000" h="120000" extrusionOk="0">
+                <a:moveTo>
+                  <a:pt x="0" y="0"/>
+                </a:moveTo>
+                <a:lnTo>
+                  <a:pt x="120000" y="0"/>
+                </a:lnTo>
+                <a:lnTo>
+                  <a:pt x="120000" y="120000"/>
+                </a:lnTo>
+                <a:lnTo>
+                  <a:pt x="0" y="120000"/>
+                </a:lnTo>
+                <a:close/>
+              </a:path>
+            </a:pathLst>
+          </a:custGeom>
+        </p:spPr>
+      </p:sp>
+    </p:spTree>
+  </p:cSld>
+  <p:clrMapOvr>
+    <a:masterClrMapping/>
+  </p:clrMapOvr>
+</p:notes>
+</file>
+
+<file path=ppt/notesSlides/notesSlide12.xml><?xml version="1.0" encoding="utf-8"?>
+<p:notes xmlns:a="http://schemas.openxmlformats.org/drawingml/2006/main" xmlns:r="http://schemas.openxmlformats.org/officeDocument/2006/relationships" xmlns:p="http://schemas.openxmlformats.org/presentationml/2006/main" showMasterSp="0" showMasterPhAnim="0">
+  <p:cSld>
+    <p:spTree>
+      <p:nvGrpSpPr>
         <p:cNvPr id="1" name="Shape 207"/>
         <p:cNvGrpSpPr/>
         <p:nvPr/>
@@ -1419,7 +1623,7 @@
             </a:pPr>
             <a:fld id="{00000000-1234-1234-1234-123412341234}" type="slidenum">
               <a:rPr lang="en-US"/>
-              <a:t>10</a:t>
+              <a:t>12</a:t>
             </a:fld>
             <a:endParaRPr lang="en-US"/>
           </a:p>
@@ -1433,7 +1637,7 @@
 </p:notes>
 </file>
 
-<file path=ppt/notesSlides/notesSlide11.xml><?xml version="1.0" encoding="utf-8"?>
+<file path=ppt/notesSlides/notesSlide13.xml><?xml version="1.0" encoding="utf-8"?>
 <p:notes xmlns:a="http://schemas.openxmlformats.org/drawingml/2006/main" xmlns:r="http://schemas.openxmlformats.org/officeDocument/2006/relationships" xmlns:p="http://schemas.openxmlformats.org/presentationml/2006/main" showMasterSp="0" showMasterPhAnim="0">
   <p:cSld>
     <p:spTree>
@@ -1559,7 +1763,7 @@
             </a:pPr>
             <a:fld id="{00000000-1234-1234-1234-123412341234}" type="slidenum">
               <a:rPr lang="en-US"/>
-              <a:t>11</a:t>
+              <a:t>13</a:t>
             </a:fld>
             <a:endParaRPr lang="en-US"/>
           </a:p>
@@ -1573,7 +1777,7 @@
 </p:notes>
 </file>
 
-<file path=ppt/notesSlides/notesSlide12.xml><?xml version="1.0" encoding="utf-8"?>
+<file path=ppt/notesSlides/notesSlide14.xml><?xml version="1.0" encoding="utf-8"?>
 <p:notes xmlns:a="http://schemas.openxmlformats.org/drawingml/2006/main" xmlns:r="http://schemas.openxmlformats.org/officeDocument/2006/relationships" xmlns:p="http://schemas.openxmlformats.org/presentationml/2006/main" showMasterSp="0" showMasterPhAnim="0">
   <p:cSld>
     <p:spTree>
@@ -1699,7 +1903,7 @@
             </a:pPr>
             <a:fld id="{00000000-1234-1234-1234-123412341234}" type="slidenum">
               <a:rPr lang="en-US"/>
-              <a:t>12</a:t>
+              <a:t>14</a:t>
             </a:fld>
             <a:endParaRPr lang="en-US"/>
           </a:p>
@@ -1713,7 +1917,7 @@
 </p:notes>
 </file>
 
-<file path=ppt/notesSlides/notesSlide13.xml><?xml version="1.0" encoding="utf-8"?>
+<file path=ppt/notesSlides/notesSlide15.xml><?xml version="1.0" encoding="utf-8"?>
 <p:notes xmlns:a="http://schemas.openxmlformats.org/drawingml/2006/main" xmlns:r="http://schemas.openxmlformats.org/officeDocument/2006/relationships" xmlns:p="http://schemas.openxmlformats.org/presentationml/2006/main" showMasterSp="0" showMasterPhAnim="0">
   <p:cSld>
     <p:spTree>
@@ -1839,7 +2043,7 @@
             </a:pPr>
             <a:fld id="{00000000-1234-1234-1234-123412341234}" type="slidenum">
               <a:rPr lang="en-US"/>
-              <a:t>13</a:t>
+              <a:t>15</a:t>
             </a:fld>
             <a:endParaRPr lang="en-US"/>
           </a:p>
@@ -1853,7 +2057,7 @@
 </p:notes>
 </file>
 
-<file path=ppt/notesSlides/notesSlide14.xml><?xml version="1.0" encoding="utf-8"?>
+<file path=ppt/notesSlides/notesSlide16.xml><?xml version="1.0" encoding="utf-8"?>
 <p:notes xmlns:a="http://schemas.openxmlformats.org/drawingml/2006/main" xmlns:r="http://schemas.openxmlformats.org/officeDocument/2006/relationships" xmlns:p="http://schemas.openxmlformats.org/presentationml/2006/main" showMasterSp="0" showMasterPhAnim="0">
   <p:cSld>
     <p:spTree>
@@ -1979,7 +2183,7 @@
             </a:pPr>
             <a:fld id="{00000000-1234-1234-1234-123412341234}" type="slidenum">
               <a:rPr lang="en-US"/>
-              <a:t>14</a:t>
+              <a:t>16</a:t>
             </a:fld>
             <a:endParaRPr lang="en-US"/>
           </a:p>
@@ -1993,7 +2197,7 @@
 </p:notes>
 </file>
 
-<file path=ppt/notesSlides/notesSlide15.xml><?xml version="1.0" encoding="utf-8"?>
+<file path=ppt/notesSlides/notesSlide17.xml><?xml version="1.0" encoding="utf-8"?>
 <p:notes xmlns:a="http://schemas.openxmlformats.org/drawingml/2006/main" xmlns:r="http://schemas.openxmlformats.org/officeDocument/2006/relationships" xmlns:p="http://schemas.openxmlformats.org/presentationml/2006/main" showMasterSp="0" showMasterPhAnim="0">
   <p:cSld>
     <p:spTree>
@@ -2119,7 +2323,7 @@
             </a:pPr>
             <a:fld id="{00000000-1234-1234-1234-123412341234}" type="slidenum">
               <a:rPr lang="en-US"/>
-              <a:t>15</a:t>
+              <a:t>17</a:t>
             </a:fld>
             <a:endParaRPr lang="en-US"/>
           </a:p>
@@ -2133,7 +2337,7 @@
 </p:notes>
 </file>
 
-<file path=ppt/notesSlides/notesSlide16.xml><?xml version="1.0" encoding="utf-8"?>
+<file path=ppt/notesSlides/notesSlide18.xml><?xml version="1.0" encoding="utf-8"?>
 <p:notes xmlns:a="http://schemas.openxmlformats.org/drawingml/2006/main" xmlns:r="http://schemas.openxmlformats.org/officeDocument/2006/relationships" xmlns:p="http://schemas.openxmlformats.org/presentationml/2006/main" showMasterSp="0" showMasterPhAnim="0">
   <p:cSld>
     <p:spTree>
@@ -2234,7 +2438,7 @@
 </p:notes>
 </file>
 
-<file path=ppt/notesSlides/notesSlide17.xml><?xml version="1.0" encoding="utf-8"?>
+<file path=ppt/notesSlides/notesSlide19.xml><?xml version="1.0" encoding="utf-8"?>
 <p:notes xmlns:a="http://schemas.openxmlformats.org/drawingml/2006/main" xmlns:r="http://schemas.openxmlformats.org/officeDocument/2006/relationships" xmlns:p="http://schemas.openxmlformats.org/presentationml/2006/main" showMasterSp="0" showMasterPhAnim="0">
   <p:cSld>
     <p:spTree>
@@ -2289,208 +2493,6 @@
       <p:sp>
         <p:nvSpPr>
           <p:cNvPr id="270" name="Shape 270"/>
-          <p:cNvSpPr>
-            <a:spLocks noGrp="1" noRot="1" noChangeAspect="1"/>
-          </p:cNvSpPr>
-          <p:nvPr>
-            <p:ph type="sldImg" idx="2"/>
-          </p:nvPr>
-        </p:nvSpPr>
-        <p:spPr>
-          <a:xfrm>
-            <a:off x="382588" y="685800"/>
-            <a:ext cx="6092825" cy="3429000"/>
-          </a:xfrm>
-          <a:custGeom>
-            <a:avLst/>
-            <a:gdLst/>
-            <a:ahLst/>
-            <a:cxnLst/>
-            <a:rect l="0" t="0" r="0" b="0"/>
-            <a:pathLst>
-              <a:path w="120000" h="120000" extrusionOk="0">
-                <a:moveTo>
-                  <a:pt x="0" y="0"/>
-                </a:moveTo>
-                <a:lnTo>
-                  <a:pt x="120000" y="0"/>
-                </a:lnTo>
-                <a:lnTo>
-                  <a:pt x="120000" y="120000"/>
-                </a:lnTo>
-                <a:lnTo>
-                  <a:pt x="0" y="120000"/>
-                </a:lnTo>
-                <a:close/>
-              </a:path>
-            </a:pathLst>
-          </a:custGeom>
-        </p:spPr>
-      </p:sp>
-    </p:spTree>
-  </p:cSld>
-  <p:clrMapOvr>
-    <a:masterClrMapping/>
-  </p:clrMapOvr>
-</p:notes>
-</file>
-
-<file path=ppt/notesSlides/notesSlide18.xml><?xml version="1.0" encoding="utf-8"?>
-<p:notes xmlns:a="http://schemas.openxmlformats.org/drawingml/2006/main" xmlns:r="http://schemas.openxmlformats.org/officeDocument/2006/relationships" xmlns:p="http://schemas.openxmlformats.org/presentationml/2006/main" showMasterSp="0" showMasterPhAnim="0">
-  <p:cSld>
-    <p:spTree>
-      <p:nvGrpSpPr>
-        <p:cNvPr id="1" name="Shape 275"/>
-        <p:cNvGrpSpPr/>
-        <p:nvPr/>
-      </p:nvGrpSpPr>
-      <p:grpSpPr>
-        <a:xfrm>
-          <a:off x="0" y="0"/>
-          <a:ext cx="0" cy="0"/>
-          <a:chOff x="0" y="0"/>
-          <a:chExt cx="0" cy="0"/>
-        </a:xfrm>
-      </p:grpSpPr>
-      <p:sp>
-        <p:nvSpPr>
-          <p:cNvPr id="276" name="Shape 276"/>
-          <p:cNvSpPr txBox="1">
-            <a:spLocks noGrp="1"/>
-          </p:cNvSpPr>
-          <p:nvPr>
-            <p:ph type="body" idx="1"/>
-          </p:nvPr>
-        </p:nvSpPr>
-        <p:spPr>
-          <a:xfrm>
-            <a:off x="685800" y="4343400"/>
-            <a:ext cx="5486399" cy="4114800"/>
-          </a:xfrm>
-          <a:prstGeom prst="rect">
-            <a:avLst/>
-          </a:prstGeom>
-        </p:spPr>
-        <p:txBody>
-          <a:bodyPr lIns="91425" tIns="91425" rIns="91425" bIns="91425" anchor="t" anchorCtr="0">
-            <a:noAutofit/>
-          </a:bodyPr>
-          <a:lstStyle/>
-          <a:p>
-            <a:pPr lvl="0">
-              <a:spcBef>
-                <a:spcPts val="0"/>
-              </a:spcBef>
-              <a:buNone/>
-            </a:pPr>
-            <a:endParaRPr/>
-          </a:p>
-        </p:txBody>
-      </p:sp>
-      <p:sp>
-        <p:nvSpPr>
-          <p:cNvPr id="277" name="Shape 277"/>
-          <p:cNvSpPr>
-            <a:spLocks noGrp="1" noRot="1" noChangeAspect="1"/>
-          </p:cNvSpPr>
-          <p:nvPr>
-            <p:ph type="sldImg" idx="2"/>
-          </p:nvPr>
-        </p:nvSpPr>
-        <p:spPr>
-          <a:xfrm>
-            <a:off x="382588" y="685800"/>
-            <a:ext cx="6092825" cy="3429000"/>
-          </a:xfrm>
-          <a:custGeom>
-            <a:avLst/>
-            <a:gdLst/>
-            <a:ahLst/>
-            <a:cxnLst/>
-            <a:rect l="0" t="0" r="0" b="0"/>
-            <a:pathLst>
-              <a:path w="120000" h="120000" extrusionOk="0">
-                <a:moveTo>
-                  <a:pt x="0" y="0"/>
-                </a:moveTo>
-                <a:lnTo>
-                  <a:pt x="120000" y="0"/>
-                </a:lnTo>
-                <a:lnTo>
-                  <a:pt x="120000" y="120000"/>
-                </a:lnTo>
-                <a:lnTo>
-                  <a:pt x="0" y="120000"/>
-                </a:lnTo>
-                <a:close/>
-              </a:path>
-            </a:pathLst>
-          </a:custGeom>
-        </p:spPr>
-      </p:sp>
-    </p:spTree>
-  </p:cSld>
-  <p:clrMapOvr>
-    <a:masterClrMapping/>
-  </p:clrMapOvr>
-</p:notes>
-</file>
-
-<file path=ppt/notesSlides/notesSlide19.xml><?xml version="1.0" encoding="utf-8"?>
-<p:notes xmlns:a="http://schemas.openxmlformats.org/drawingml/2006/main" xmlns:r="http://schemas.openxmlformats.org/officeDocument/2006/relationships" xmlns:p="http://schemas.openxmlformats.org/presentationml/2006/main" showMasterSp="0" showMasterPhAnim="0">
-  <p:cSld>
-    <p:spTree>
-      <p:nvGrpSpPr>
-        <p:cNvPr id="1" name="Shape 284"/>
-        <p:cNvGrpSpPr/>
-        <p:nvPr/>
-      </p:nvGrpSpPr>
-      <p:grpSpPr>
-        <a:xfrm>
-          <a:off x="0" y="0"/>
-          <a:ext cx="0" cy="0"/>
-          <a:chOff x="0" y="0"/>
-          <a:chExt cx="0" cy="0"/>
-        </a:xfrm>
-      </p:grpSpPr>
-      <p:sp>
-        <p:nvSpPr>
-          <p:cNvPr id="285" name="Shape 285"/>
-          <p:cNvSpPr txBox="1">
-            <a:spLocks noGrp="1"/>
-          </p:cNvSpPr>
-          <p:nvPr>
-            <p:ph type="body" idx="1"/>
-          </p:nvPr>
-        </p:nvSpPr>
-        <p:spPr>
-          <a:xfrm>
-            <a:off x="685800" y="4343400"/>
-            <a:ext cx="5486400" cy="4114800"/>
-          </a:xfrm>
-          <a:prstGeom prst="rect">
-            <a:avLst/>
-          </a:prstGeom>
-        </p:spPr>
-        <p:txBody>
-          <a:bodyPr lIns="91425" tIns="91425" rIns="91425" bIns="91425" anchor="t" anchorCtr="0">
-            <a:noAutofit/>
-          </a:bodyPr>
-          <a:lstStyle/>
-          <a:p>
-            <a:pPr lvl="0" rtl="0">
-              <a:spcBef>
-                <a:spcPts val="0"/>
-              </a:spcBef>
-              <a:buNone/>
-            </a:pPr>
-            <a:endParaRPr/>
-          </a:p>
-        </p:txBody>
-      </p:sp>
-      <p:sp>
-        <p:nvSpPr>
-          <p:cNvPr id="286" name="Shape 286"/>
           <p:cNvSpPr>
             <a:spLocks noGrp="1" noRot="1" noChangeAspect="1"/>
           </p:cNvSpPr>
@@ -2643,6 +2645,208 @@
   <p:cSld>
     <p:spTree>
       <p:nvGrpSpPr>
+        <p:cNvPr id="1" name="Shape 275"/>
+        <p:cNvGrpSpPr/>
+        <p:nvPr/>
+      </p:nvGrpSpPr>
+      <p:grpSpPr>
+        <a:xfrm>
+          <a:off x="0" y="0"/>
+          <a:ext cx="0" cy="0"/>
+          <a:chOff x="0" y="0"/>
+          <a:chExt cx="0" cy="0"/>
+        </a:xfrm>
+      </p:grpSpPr>
+      <p:sp>
+        <p:nvSpPr>
+          <p:cNvPr id="276" name="Shape 276"/>
+          <p:cNvSpPr txBox="1">
+            <a:spLocks noGrp="1"/>
+          </p:cNvSpPr>
+          <p:nvPr>
+            <p:ph type="body" idx="1"/>
+          </p:nvPr>
+        </p:nvSpPr>
+        <p:spPr>
+          <a:xfrm>
+            <a:off x="685800" y="4343400"/>
+            <a:ext cx="5486399" cy="4114800"/>
+          </a:xfrm>
+          <a:prstGeom prst="rect">
+            <a:avLst/>
+          </a:prstGeom>
+        </p:spPr>
+        <p:txBody>
+          <a:bodyPr lIns="91425" tIns="91425" rIns="91425" bIns="91425" anchor="t" anchorCtr="0">
+            <a:noAutofit/>
+          </a:bodyPr>
+          <a:lstStyle/>
+          <a:p>
+            <a:pPr lvl="0">
+              <a:spcBef>
+                <a:spcPts val="0"/>
+              </a:spcBef>
+              <a:buNone/>
+            </a:pPr>
+            <a:endParaRPr/>
+          </a:p>
+        </p:txBody>
+      </p:sp>
+      <p:sp>
+        <p:nvSpPr>
+          <p:cNvPr id="277" name="Shape 277"/>
+          <p:cNvSpPr>
+            <a:spLocks noGrp="1" noRot="1" noChangeAspect="1"/>
+          </p:cNvSpPr>
+          <p:nvPr>
+            <p:ph type="sldImg" idx="2"/>
+          </p:nvPr>
+        </p:nvSpPr>
+        <p:spPr>
+          <a:xfrm>
+            <a:off x="382588" y="685800"/>
+            <a:ext cx="6092825" cy="3429000"/>
+          </a:xfrm>
+          <a:custGeom>
+            <a:avLst/>
+            <a:gdLst/>
+            <a:ahLst/>
+            <a:cxnLst/>
+            <a:rect l="0" t="0" r="0" b="0"/>
+            <a:pathLst>
+              <a:path w="120000" h="120000" extrusionOk="0">
+                <a:moveTo>
+                  <a:pt x="0" y="0"/>
+                </a:moveTo>
+                <a:lnTo>
+                  <a:pt x="120000" y="0"/>
+                </a:lnTo>
+                <a:lnTo>
+                  <a:pt x="120000" y="120000"/>
+                </a:lnTo>
+                <a:lnTo>
+                  <a:pt x="0" y="120000"/>
+                </a:lnTo>
+                <a:close/>
+              </a:path>
+            </a:pathLst>
+          </a:custGeom>
+        </p:spPr>
+      </p:sp>
+    </p:spTree>
+  </p:cSld>
+  <p:clrMapOvr>
+    <a:masterClrMapping/>
+  </p:clrMapOvr>
+</p:notes>
+</file>
+
+<file path=ppt/notesSlides/notesSlide21.xml><?xml version="1.0" encoding="utf-8"?>
+<p:notes xmlns:a="http://schemas.openxmlformats.org/drawingml/2006/main" xmlns:r="http://schemas.openxmlformats.org/officeDocument/2006/relationships" xmlns:p="http://schemas.openxmlformats.org/presentationml/2006/main" showMasterSp="0" showMasterPhAnim="0">
+  <p:cSld>
+    <p:spTree>
+      <p:nvGrpSpPr>
+        <p:cNvPr id="1" name="Shape 284"/>
+        <p:cNvGrpSpPr/>
+        <p:nvPr/>
+      </p:nvGrpSpPr>
+      <p:grpSpPr>
+        <a:xfrm>
+          <a:off x="0" y="0"/>
+          <a:ext cx="0" cy="0"/>
+          <a:chOff x="0" y="0"/>
+          <a:chExt cx="0" cy="0"/>
+        </a:xfrm>
+      </p:grpSpPr>
+      <p:sp>
+        <p:nvSpPr>
+          <p:cNvPr id="285" name="Shape 285"/>
+          <p:cNvSpPr txBox="1">
+            <a:spLocks noGrp="1"/>
+          </p:cNvSpPr>
+          <p:nvPr>
+            <p:ph type="body" idx="1"/>
+          </p:nvPr>
+        </p:nvSpPr>
+        <p:spPr>
+          <a:xfrm>
+            <a:off x="685800" y="4343400"/>
+            <a:ext cx="5486400" cy="4114800"/>
+          </a:xfrm>
+          <a:prstGeom prst="rect">
+            <a:avLst/>
+          </a:prstGeom>
+        </p:spPr>
+        <p:txBody>
+          <a:bodyPr lIns="91425" tIns="91425" rIns="91425" bIns="91425" anchor="t" anchorCtr="0">
+            <a:noAutofit/>
+          </a:bodyPr>
+          <a:lstStyle/>
+          <a:p>
+            <a:pPr lvl="0" rtl="0">
+              <a:spcBef>
+                <a:spcPts val="0"/>
+              </a:spcBef>
+              <a:buNone/>
+            </a:pPr>
+            <a:endParaRPr/>
+          </a:p>
+        </p:txBody>
+      </p:sp>
+      <p:sp>
+        <p:nvSpPr>
+          <p:cNvPr id="286" name="Shape 286"/>
+          <p:cNvSpPr>
+            <a:spLocks noGrp="1" noRot="1" noChangeAspect="1"/>
+          </p:cNvSpPr>
+          <p:nvPr>
+            <p:ph type="sldImg" idx="2"/>
+          </p:nvPr>
+        </p:nvSpPr>
+        <p:spPr>
+          <a:xfrm>
+            <a:off x="382588" y="685800"/>
+            <a:ext cx="6092825" cy="3429000"/>
+          </a:xfrm>
+          <a:custGeom>
+            <a:avLst/>
+            <a:gdLst/>
+            <a:ahLst/>
+            <a:cxnLst/>
+            <a:rect l="0" t="0" r="0" b="0"/>
+            <a:pathLst>
+              <a:path w="120000" h="120000" extrusionOk="0">
+                <a:moveTo>
+                  <a:pt x="0" y="0"/>
+                </a:moveTo>
+                <a:lnTo>
+                  <a:pt x="120000" y="0"/>
+                </a:lnTo>
+                <a:lnTo>
+                  <a:pt x="120000" y="120000"/>
+                </a:lnTo>
+                <a:lnTo>
+                  <a:pt x="0" y="120000"/>
+                </a:lnTo>
+                <a:close/>
+              </a:path>
+            </a:pathLst>
+          </a:custGeom>
+        </p:spPr>
+      </p:sp>
+    </p:spTree>
+  </p:cSld>
+  <p:clrMapOvr>
+    <a:masterClrMapping/>
+  </p:clrMapOvr>
+</p:notes>
+</file>
+
+<file path=ppt/notesSlides/notesSlide22.xml><?xml version="1.0" encoding="utf-8"?>
+<p:notes xmlns:a="http://schemas.openxmlformats.org/drawingml/2006/main" xmlns:r="http://schemas.openxmlformats.org/officeDocument/2006/relationships" xmlns:p="http://schemas.openxmlformats.org/presentationml/2006/main" showMasterSp="0" showMasterPhAnim="0">
+  <p:cSld>
+    <p:spTree>
+      <p:nvGrpSpPr>
         <p:cNvPr id="1" name="Shape 292"/>
         <p:cNvGrpSpPr/>
         <p:nvPr/>
@@ -2739,7 +2943,7 @@
 </p:notes>
 </file>
 
-<file path=ppt/notesSlides/notesSlide21.xml><?xml version="1.0" encoding="utf-8"?>
+<file path=ppt/notesSlides/notesSlide23.xml><?xml version="1.0" encoding="utf-8"?>
 <p:notes xmlns:a="http://schemas.openxmlformats.org/drawingml/2006/main" xmlns:r="http://schemas.openxmlformats.org/officeDocument/2006/relationships" xmlns:p="http://schemas.openxmlformats.org/presentationml/2006/main" showMasterSp="0" showMasterPhAnim="0">
   <p:cSld>
     <p:spTree>
@@ -2840,7 +3044,7 @@
 </p:notes>
 </file>
 
-<file path=ppt/notesSlides/notesSlide22.xml><?xml version="1.0" encoding="utf-8"?>
+<file path=ppt/notesSlides/notesSlide24.xml><?xml version="1.0" encoding="utf-8"?>
 <p:notes xmlns:a="http://schemas.openxmlformats.org/drawingml/2006/main" xmlns:r="http://schemas.openxmlformats.org/officeDocument/2006/relationships" xmlns:p="http://schemas.openxmlformats.org/presentationml/2006/main" showMasterSp="0" showMasterPhAnim="0">
   <p:cSld>
     <p:spTree>
@@ -2941,7 +3145,7 @@
 </p:notes>
 </file>
 
-<file path=ppt/notesSlides/notesSlide23.xml><?xml version="1.0" encoding="utf-8"?>
+<file path=ppt/notesSlides/notesSlide25.xml><?xml version="1.0" encoding="utf-8"?>
 <p:notes xmlns:a="http://schemas.openxmlformats.org/drawingml/2006/main" xmlns:r="http://schemas.openxmlformats.org/officeDocument/2006/relationships" xmlns:p="http://schemas.openxmlformats.org/presentationml/2006/main" showMasterSp="0" showMasterPhAnim="0">
   <p:cSld>
     <p:spTree>
@@ -3042,7 +3246,7 @@
 </p:notes>
 </file>
 
-<file path=ppt/notesSlides/notesSlide24.xml><?xml version="1.0" encoding="utf-8"?>
+<file path=ppt/notesSlides/notesSlide26.xml><?xml version="1.0" encoding="utf-8"?>
 <p:notes xmlns:a="http://schemas.openxmlformats.org/drawingml/2006/main" xmlns:r="http://schemas.openxmlformats.org/officeDocument/2006/relationships" xmlns:p="http://schemas.openxmlformats.org/presentationml/2006/main" showMasterSp="0" showMasterPhAnim="0">
   <p:cSld>
     <p:spTree>
@@ -3143,7 +3347,7 @@
 </p:notes>
 </file>
 
-<file path=ppt/notesSlides/notesSlide25.xml><?xml version="1.0" encoding="utf-8"?>
+<file path=ppt/notesSlides/notesSlide27.xml><?xml version="1.0" encoding="utf-8"?>
 <p:notes xmlns:a="http://schemas.openxmlformats.org/drawingml/2006/main" xmlns:r="http://schemas.openxmlformats.org/officeDocument/2006/relationships" xmlns:p="http://schemas.openxmlformats.org/presentationml/2006/main" showMasterSp="0" showMasterPhAnim="0">
   <p:cSld>
     <p:spTree>
@@ -3244,7 +3448,7 @@
 </p:notes>
 </file>
 
-<file path=ppt/notesSlides/notesSlide26.xml><?xml version="1.0" encoding="utf-8"?>
+<file path=ppt/notesSlides/notesSlide28.xml><?xml version="1.0" encoding="utf-8"?>
 <p:notes xmlns:a="http://schemas.openxmlformats.org/drawingml/2006/main" xmlns:r="http://schemas.openxmlformats.org/officeDocument/2006/relationships" xmlns:p="http://schemas.openxmlformats.org/presentationml/2006/main" showMasterSp="0" showMasterPhAnim="0">
   <p:cSld>
     <p:spTree>
@@ -3345,7 +3549,7 @@
 </p:notes>
 </file>
 
-<file path=ppt/notesSlides/notesSlide27.xml><?xml version="1.0" encoding="utf-8"?>
+<file path=ppt/notesSlides/notesSlide29.xml><?xml version="1.0" encoding="utf-8"?>
 <p:notes xmlns:a="http://schemas.openxmlformats.org/drawingml/2006/main" xmlns:r="http://schemas.openxmlformats.org/officeDocument/2006/relationships" xmlns:p="http://schemas.openxmlformats.org/presentationml/2006/main" showMasterSp="0" showMasterPhAnim="0">
   <p:cSld>
     <p:spTree>
@@ -3400,208 +3604,6 @@
       <p:sp>
         <p:nvSpPr>
           <p:cNvPr id="351" name="Shape 351"/>
-          <p:cNvSpPr>
-            <a:spLocks noGrp="1" noRot="1" noChangeAspect="1"/>
-          </p:cNvSpPr>
-          <p:nvPr>
-            <p:ph type="sldImg" idx="2"/>
-          </p:nvPr>
-        </p:nvSpPr>
-        <p:spPr>
-          <a:xfrm>
-            <a:off x="382588" y="685800"/>
-            <a:ext cx="6092825" cy="3429000"/>
-          </a:xfrm>
-          <a:custGeom>
-            <a:avLst/>
-            <a:gdLst/>
-            <a:ahLst/>
-            <a:cxnLst/>
-            <a:rect l="0" t="0" r="0" b="0"/>
-            <a:pathLst>
-              <a:path w="120000" h="120000" extrusionOk="0">
-                <a:moveTo>
-                  <a:pt x="0" y="0"/>
-                </a:moveTo>
-                <a:lnTo>
-                  <a:pt x="120000" y="0"/>
-                </a:lnTo>
-                <a:lnTo>
-                  <a:pt x="120000" y="120000"/>
-                </a:lnTo>
-                <a:lnTo>
-                  <a:pt x="0" y="120000"/>
-                </a:lnTo>
-                <a:close/>
-              </a:path>
-            </a:pathLst>
-          </a:custGeom>
-        </p:spPr>
-      </p:sp>
-    </p:spTree>
-  </p:cSld>
-  <p:clrMapOvr>
-    <a:masterClrMapping/>
-  </p:clrMapOvr>
-</p:notes>
-</file>
-
-<file path=ppt/notesSlides/notesSlide28.xml><?xml version="1.0" encoding="utf-8"?>
-<p:notes xmlns:a="http://schemas.openxmlformats.org/drawingml/2006/main" xmlns:r="http://schemas.openxmlformats.org/officeDocument/2006/relationships" xmlns:p="http://schemas.openxmlformats.org/presentationml/2006/main" showMasterSp="0" showMasterPhAnim="0">
-  <p:cSld>
-    <p:spTree>
-      <p:nvGrpSpPr>
-        <p:cNvPr id="1" name="Shape 357"/>
-        <p:cNvGrpSpPr/>
-        <p:nvPr/>
-      </p:nvGrpSpPr>
-      <p:grpSpPr>
-        <a:xfrm>
-          <a:off x="0" y="0"/>
-          <a:ext cx="0" cy="0"/>
-          <a:chOff x="0" y="0"/>
-          <a:chExt cx="0" cy="0"/>
-        </a:xfrm>
-      </p:grpSpPr>
-      <p:sp>
-        <p:nvSpPr>
-          <p:cNvPr id="358" name="Shape 358"/>
-          <p:cNvSpPr txBox="1">
-            <a:spLocks noGrp="1"/>
-          </p:cNvSpPr>
-          <p:nvPr>
-            <p:ph type="body" idx="1"/>
-          </p:nvPr>
-        </p:nvSpPr>
-        <p:spPr>
-          <a:xfrm>
-            <a:off x="685800" y="4343400"/>
-            <a:ext cx="5486400" cy="4114800"/>
-          </a:xfrm>
-          <a:prstGeom prst="rect">
-            <a:avLst/>
-          </a:prstGeom>
-        </p:spPr>
-        <p:txBody>
-          <a:bodyPr lIns="91425" tIns="91425" rIns="91425" bIns="91425" anchor="t" anchorCtr="0">
-            <a:noAutofit/>
-          </a:bodyPr>
-          <a:lstStyle/>
-          <a:p>
-            <a:pPr lvl="0" rtl="0">
-              <a:spcBef>
-                <a:spcPts val="0"/>
-              </a:spcBef>
-              <a:buNone/>
-            </a:pPr>
-            <a:endParaRPr/>
-          </a:p>
-        </p:txBody>
-      </p:sp>
-      <p:sp>
-        <p:nvSpPr>
-          <p:cNvPr id="359" name="Shape 359"/>
-          <p:cNvSpPr>
-            <a:spLocks noGrp="1" noRot="1" noChangeAspect="1"/>
-          </p:cNvSpPr>
-          <p:nvPr>
-            <p:ph type="sldImg" idx="2"/>
-          </p:nvPr>
-        </p:nvSpPr>
-        <p:spPr>
-          <a:xfrm>
-            <a:off x="382588" y="685800"/>
-            <a:ext cx="6092825" cy="3429000"/>
-          </a:xfrm>
-          <a:custGeom>
-            <a:avLst/>
-            <a:gdLst/>
-            <a:ahLst/>
-            <a:cxnLst/>
-            <a:rect l="0" t="0" r="0" b="0"/>
-            <a:pathLst>
-              <a:path w="120000" h="120000" extrusionOk="0">
-                <a:moveTo>
-                  <a:pt x="0" y="0"/>
-                </a:moveTo>
-                <a:lnTo>
-                  <a:pt x="120000" y="0"/>
-                </a:lnTo>
-                <a:lnTo>
-                  <a:pt x="120000" y="120000"/>
-                </a:lnTo>
-                <a:lnTo>
-                  <a:pt x="0" y="120000"/>
-                </a:lnTo>
-                <a:close/>
-              </a:path>
-            </a:pathLst>
-          </a:custGeom>
-        </p:spPr>
-      </p:sp>
-    </p:spTree>
-  </p:cSld>
-  <p:clrMapOvr>
-    <a:masterClrMapping/>
-  </p:clrMapOvr>
-</p:notes>
-</file>
-
-<file path=ppt/notesSlides/notesSlide29.xml><?xml version="1.0" encoding="utf-8"?>
-<p:notes xmlns:a="http://schemas.openxmlformats.org/drawingml/2006/main" xmlns:r="http://schemas.openxmlformats.org/officeDocument/2006/relationships" xmlns:p="http://schemas.openxmlformats.org/presentationml/2006/main" showMasterSp="0" showMasterPhAnim="0">
-  <p:cSld>
-    <p:spTree>
-      <p:nvGrpSpPr>
-        <p:cNvPr id="1" name="Shape 365"/>
-        <p:cNvGrpSpPr/>
-        <p:nvPr/>
-      </p:nvGrpSpPr>
-      <p:grpSpPr>
-        <a:xfrm>
-          <a:off x="0" y="0"/>
-          <a:ext cx="0" cy="0"/>
-          <a:chOff x="0" y="0"/>
-          <a:chExt cx="0" cy="0"/>
-        </a:xfrm>
-      </p:grpSpPr>
-      <p:sp>
-        <p:nvSpPr>
-          <p:cNvPr id="366" name="Shape 366"/>
-          <p:cNvSpPr txBox="1">
-            <a:spLocks noGrp="1"/>
-          </p:cNvSpPr>
-          <p:nvPr>
-            <p:ph type="body" idx="1"/>
-          </p:nvPr>
-        </p:nvSpPr>
-        <p:spPr>
-          <a:xfrm>
-            <a:off x="685800" y="4343400"/>
-            <a:ext cx="5486400" cy="4114800"/>
-          </a:xfrm>
-          <a:prstGeom prst="rect">
-            <a:avLst/>
-          </a:prstGeom>
-        </p:spPr>
-        <p:txBody>
-          <a:bodyPr lIns="91425" tIns="91425" rIns="91425" bIns="91425" anchor="t" anchorCtr="0">
-            <a:noAutofit/>
-          </a:bodyPr>
-          <a:lstStyle/>
-          <a:p>
-            <a:pPr lvl="0" rtl="0">
-              <a:spcBef>
-                <a:spcPts val="0"/>
-              </a:spcBef>
-              <a:buNone/>
-            </a:pPr>
-            <a:endParaRPr/>
-          </a:p>
-        </p:txBody>
-      </p:sp>
-      <p:sp>
-        <p:nvSpPr>
-          <p:cNvPr id="367" name="Shape 367"/>
           <p:cNvSpPr>
             <a:spLocks noGrp="1" noRot="1" noChangeAspect="1"/>
           </p:cNvSpPr>
@@ -3754,6 +3756,208 @@
   <p:cSld>
     <p:spTree>
       <p:nvGrpSpPr>
+        <p:cNvPr id="1" name="Shape 357"/>
+        <p:cNvGrpSpPr/>
+        <p:nvPr/>
+      </p:nvGrpSpPr>
+      <p:grpSpPr>
+        <a:xfrm>
+          <a:off x="0" y="0"/>
+          <a:ext cx="0" cy="0"/>
+          <a:chOff x="0" y="0"/>
+          <a:chExt cx="0" cy="0"/>
+        </a:xfrm>
+      </p:grpSpPr>
+      <p:sp>
+        <p:nvSpPr>
+          <p:cNvPr id="358" name="Shape 358"/>
+          <p:cNvSpPr txBox="1">
+            <a:spLocks noGrp="1"/>
+          </p:cNvSpPr>
+          <p:nvPr>
+            <p:ph type="body" idx="1"/>
+          </p:nvPr>
+        </p:nvSpPr>
+        <p:spPr>
+          <a:xfrm>
+            <a:off x="685800" y="4343400"/>
+            <a:ext cx="5486400" cy="4114800"/>
+          </a:xfrm>
+          <a:prstGeom prst="rect">
+            <a:avLst/>
+          </a:prstGeom>
+        </p:spPr>
+        <p:txBody>
+          <a:bodyPr lIns="91425" tIns="91425" rIns="91425" bIns="91425" anchor="t" anchorCtr="0">
+            <a:noAutofit/>
+          </a:bodyPr>
+          <a:lstStyle/>
+          <a:p>
+            <a:pPr lvl="0" rtl="0">
+              <a:spcBef>
+                <a:spcPts val="0"/>
+              </a:spcBef>
+              <a:buNone/>
+            </a:pPr>
+            <a:endParaRPr/>
+          </a:p>
+        </p:txBody>
+      </p:sp>
+      <p:sp>
+        <p:nvSpPr>
+          <p:cNvPr id="359" name="Shape 359"/>
+          <p:cNvSpPr>
+            <a:spLocks noGrp="1" noRot="1" noChangeAspect="1"/>
+          </p:cNvSpPr>
+          <p:nvPr>
+            <p:ph type="sldImg" idx="2"/>
+          </p:nvPr>
+        </p:nvSpPr>
+        <p:spPr>
+          <a:xfrm>
+            <a:off x="382588" y="685800"/>
+            <a:ext cx="6092825" cy="3429000"/>
+          </a:xfrm>
+          <a:custGeom>
+            <a:avLst/>
+            <a:gdLst/>
+            <a:ahLst/>
+            <a:cxnLst/>
+            <a:rect l="0" t="0" r="0" b="0"/>
+            <a:pathLst>
+              <a:path w="120000" h="120000" extrusionOk="0">
+                <a:moveTo>
+                  <a:pt x="0" y="0"/>
+                </a:moveTo>
+                <a:lnTo>
+                  <a:pt x="120000" y="0"/>
+                </a:lnTo>
+                <a:lnTo>
+                  <a:pt x="120000" y="120000"/>
+                </a:lnTo>
+                <a:lnTo>
+                  <a:pt x="0" y="120000"/>
+                </a:lnTo>
+                <a:close/>
+              </a:path>
+            </a:pathLst>
+          </a:custGeom>
+        </p:spPr>
+      </p:sp>
+    </p:spTree>
+  </p:cSld>
+  <p:clrMapOvr>
+    <a:masterClrMapping/>
+  </p:clrMapOvr>
+</p:notes>
+</file>
+
+<file path=ppt/notesSlides/notesSlide31.xml><?xml version="1.0" encoding="utf-8"?>
+<p:notes xmlns:a="http://schemas.openxmlformats.org/drawingml/2006/main" xmlns:r="http://schemas.openxmlformats.org/officeDocument/2006/relationships" xmlns:p="http://schemas.openxmlformats.org/presentationml/2006/main" showMasterSp="0" showMasterPhAnim="0">
+  <p:cSld>
+    <p:spTree>
+      <p:nvGrpSpPr>
+        <p:cNvPr id="1" name="Shape 365"/>
+        <p:cNvGrpSpPr/>
+        <p:nvPr/>
+      </p:nvGrpSpPr>
+      <p:grpSpPr>
+        <a:xfrm>
+          <a:off x="0" y="0"/>
+          <a:ext cx="0" cy="0"/>
+          <a:chOff x="0" y="0"/>
+          <a:chExt cx="0" cy="0"/>
+        </a:xfrm>
+      </p:grpSpPr>
+      <p:sp>
+        <p:nvSpPr>
+          <p:cNvPr id="366" name="Shape 366"/>
+          <p:cNvSpPr txBox="1">
+            <a:spLocks noGrp="1"/>
+          </p:cNvSpPr>
+          <p:nvPr>
+            <p:ph type="body" idx="1"/>
+          </p:nvPr>
+        </p:nvSpPr>
+        <p:spPr>
+          <a:xfrm>
+            <a:off x="685800" y="4343400"/>
+            <a:ext cx="5486400" cy="4114800"/>
+          </a:xfrm>
+          <a:prstGeom prst="rect">
+            <a:avLst/>
+          </a:prstGeom>
+        </p:spPr>
+        <p:txBody>
+          <a:bodyPr lIns="91425" tIns="91425" rIns="91425" bIns="91425" anchor="t" anchorCtr="0">
+            <a:noAutofit/>
+          </a:bodyPr>
+          <a:lstStyle/>
+          <a:p>
+            <a:pPr lvl="0" rtl="0">
+              <a:spcBef>
+                <a:spcPts val="0"/>
+              </a:spcBef>
+              <a:buNone/>
+            </a:pPr>
+            <a:endParaRPr/>
+          </a:p>
+        </p:txBody>
+      </p:sp>
+      <p:sp>
+        <p:nvSpPr>
+          <p:cNvPr id="367" name="Shape 367"/>
+          <p:cNvSpPr>
+            <a:spLocks noGrp="1" noRot="1" noChangeAspect="1"/>
+          </p:cNvSpPr>
+          <p:nvPr>
+            <p:ph type="sldImg" idx="2"/>
+          </p:nvPr>
+        </p:nvSpPr>
+        <p:spPr>
+          <a:xfrm>
+            <a:off x="382588" y="685800"/>
+            <a:ext cx="6092825" cy="3429000"/>
+          </a:xfrm>
+          <a:custGeom>
+            <a:avLst/>
+            <a:gdLst/>
+            <a:ahLst/>
+            <a:cxnLst/>
+            <a:rect l="0" t="0" r="0" b="0"/>
+            <a:pathLst>
+              <a:path w="120000" h="120000" extrusionOk="0">
+                <a:moveTo>
+                  <a:pt x="0" y="0"/>
+                </a:moveTo>
+                <a:lnTo>
+                  <a:pt x="120000" y="0"/>
+                </a:lnTo>
+                <a:lnTo>
+                  <a:pt x="120000" y="120000"/>
+                </a:lnTo>
+                <a:lnTo>
+                  <a:pt x="0" y="120000"/>
+                </a:lnTo>
+                <a:close/>
+              </a:path>
+            </a:pathLst>
+          </a:custGeom>
+        </p:spPr>
+      </p:sp>
+    </p:spTree>
+  </p:cSld>
+  <p:clrMapOvr>
+    <a:masterClrMapping/>
+  </p:clrMapOvr>
+</p:notes>
+</file>
+
+<file path=ppt/notesSlides/notesSlide32.xml><?xml version="1.0" encoding="utf-8"?>
+<p:notes xmlns:a="http://schemas.openxmlformats.org/drawingml/2006/main" xmlns:r="http://schemas.openxmlformats.org/officeDocument/2006/relationships" xmlns:p="http://schemas.openxmlformats.org/presentationml/2006/main" showMasterSp="0" showMasterPhAnim="0">
+  <p:cSld>
+    <p:spTree>
+      <p:nvGrpSpPr>
         <p:cNvPr id="1" name="Shape 372"/>
         <p:cNvGrpSpPr/>
         <p:nvPr/>
@@ -3850,7 +4054,7 @@
 </p:notes>
 </file>
 
-<file path=ppt/notesSlides/notesSlide31.xml><?xml version="1.0" encoding="utf-8"?>
+<file path=ppt/notesSlides/notesSlide33.xml><?xml version="1.0" encoding="utf-8"?>
 <p:notes xmlns:a="http://schemas.openxmlformats.org/drawingml/2006/main" xmlns:r="http://schemas.openxmlformats.org/officeDocument/2006/relationships" xmlns:p="http://schemas.openxmlformats.org/presentationml/2006/main" showMasterSp="0" showMasterPhAnim="0">
   <p:cSld>
     <p:spTree>
@@ -3951,7 +4155,7 @@
 </p:notes>
 </file>
 
-<file path=ppt/notesSlides/notesSlide32.xml><?xml version="1.0" encoding="utf-8"?>
+<file path=ppt/notesSlides/notesSlide34.xml><?xml version="1.0" encoding="utf-8"?>
 <p:notes xmlns:a="http://schemas.openxmlformats.org/drawingml/2006/main" xmlns:r="http://schemas.openxmlformats.org/officeDocument/2006/relationships" xmlns:p="http://schemas.openxmlformats.org/presentationml/2006/main" showMasterSp="0" showMasterPhAnim="0">
   <p:cSld>
     <p:spTree>
@@ -4052,7 +4256,7 @@
 </p:notes>
 </file>
 
-<file path=ppt/notesSlides/notesSlide33.xml><?xml version="1.0" encoding="utf-8"?>
+<file path=ppt/notesSlides/notesSlide35.xml><?xml version="1.0" encoding="utf-8"?>
 <p:notes xmlns:a="http://schemas.openxmlformats.org/drawingml/2006/main" xmlns:r="http://schemas.openxmlformats.org/officeDocument/2006/relationships" xmlns:p="http://schemas.openxmlformats.org/presentationml/2006/main" showMasterSp="0" showMasterPhAnim="0">
   <p:cSld>
     <p:spTree>
@@ -4153,7 +4357,7 @@
 </p:notes>
 </file>
 
-<file path=ppt/notesSlides/notesSlide34.xml><?xml version="1.0" encoding="utf-8"?>
+<file path=ppt/notesSlides/notesSlide36.xml><?xml version="1.0" encoding="utf-8"?>
 <p:notes xmlns:a="http://schemas.openxmlformats.org/drawingml/2006/main" xmlns:r="http://schemas.openxmlformats.org/officeDocument/2006/relationships" xmlns:p="http://schemas.openxmlformats.org/presentationml/2006/main" showMasterSp="0" showMasterPhAnim="0">
   <p:cSld>
     <p:spTree>
@@ -4254,7 +4458,7 @@
 </p:notes>
 </file>
 
-<file path=ppt/notesSlides/notesSlide35.xml><?xml version="1.0" encoding="utf-8"?>
+<file path=ppt/notesSlides/notesSlide37.xml><?xml version="1.0" encoding="utf-8"?>
 <p:notes xmlns:a="http://schemas.openxmlformats.org/drawingml/2006/main" xmlns:r="http://schemas.openxmlformats.org/officeDocument/2006/relationships" xmlns:p="http://schemas.openxmlformats.org/presentationml/2006/main" showMasterSp="0" showMasterPhAnim="0">
   <p:cSld>
     <p:spTree>
@@ -4355,7 +4559,7 @@
 </p:notes>
 </file>
 
-<file path=ppt/notesSlides/notesSlide36.xml><?xml version="1.0" encoding="utf-8"?>
+<file path=ppt/notesSlides/notesSlide38.xml><?xml version="1.0" encoding="utf-8"?>
 <p:notes xmlns:a="http://schemas.openxmlformats.org/drawingml/2006/main" xmlns:r="http://schemas.openxmlformats.org/officeDocument/2006/relationships" xmlns:p="http://schemas.openxmlformats.org/presentationml/2006/main" showMasterSp="0" showMasterPhAnim="0">
   <p:cSld>
     <p:spTree>
@@ -4456,7 +4660,7 @@
 </p:notes>
 </file>
 
-<file path=ppt/notesSlides/notesSlide37.xml><?xml version="1.0" encoding="utf-8"?>
+<file path=ppt/notesSlides/notesSlide39.xml><?xml version="1.0" encoding="utf-8"?>
 <p:notes xmlns:a="http://schemas.openxmlformats.org/drawingml/2006/main" xmlns:r="http://schemas.openxmlformats.org/officeDocument/2006/relationships" xmlns:p="http://schemas.openxmlformats.org/presentationml/2006/main" showMasterSp="0" showMasterPhAnim="0">
   <p:cSld>
     <p:spTree>
@@ -4511,208 +4715,6 @@
       <p:sp>
         <p:nvSpPr>
           <p:cNvPr id="435" name="Shape 435"/>
-          <p:cNvSpPr>
-            <a:spLocks noGrp="1" noRot="1" noChangeAspect="1"/>
-          </p:cNvSpPr>
-          <p:nvPr>
-            <p:ph type="sldImg" idx="2"/>
-          </p:nvPr>
-        </p:nvSpPr>
-        <p:spPr>
-          <a:xfrm>
-            <a:off x="382588" y="685800"/>
-            <a:ext cx="6092825" cy="3429000"/>
-          </a:xfrm>
-          <a:custGeom>
-            <a:avLst/>
-            <a:gdLst/>
-            <a:ahLst/>
-            <a:cxnLst/>
-            <a:rect l="0" t="0" r="0" b="0"/>
-            <a:pathLst>
-              <a:path w="120000" h="120000" extrusionOk="0">
-                <a:moveTo>
-                  <a:pt x="0" y="0"/>
-                </a:moveTo>
-                <a:lnTo>
-                  <a:pt x="120000" y="0"/>
-                </a:lnTo>
-                <a:lnTo>
-                  <a:pt x="120000" y="120000"/>
-                </a:lnTo>
-                <a:lnTo>
-                  <a:pt x="0" y="120000"/>
-                </a:lnTo>
-                <a:close/>
-              </a:path>
-            </a:pathLst>
-          </a:custGeom>
-        </p:spPr>
-      </p:sp>
-    </p:spTree>
-  </p:cSld>
-  <p:clrMapOvr>
-    <a:masterClrMapping/>
-  </p:clrMapOvr>
-</p:notes>
-</file>
-
-<file path=ppt/notesSlides/notesSlide38.xml><?xml version="1.0" encoding="utf-8"?>
-<p:notes xmlns:a="http://schemas.openxmlformats.org/drawingml/2006/main" xmlns:r="http://schemas.openxmlformats.org/officeDocument/2006/relationships" xmlns:p="http://schemas.openxmlformats.org/presentationml/2006/main" showMasterSp="0" showMasterPhAnim="0">
-  <p:cSld>
-    <p:spTree>
-      <p:nvGrpSpPr>
-        <p:cNvPr id="1" name="Shape 441"/>
-        <p:cNvGrpSpPr/>
-        <p:nvPr/>
-      </p:nvGrpSpPr>
-      <p:grpSpPr>
-        <a:xfrm>
-          <a:off x="0" y="0"/>
-          <a:ext cx="0" cy="0"/>
-          <a:chOff x="0" y="0"/>
-          <a:chExt cx="0" cy="0"/>
-        </a:xfrm>
-      </p:grpSpPr>
-      <p:sp>
-        <p:nvSpPr>
-          <p:cNvPr id="442" name="Shape 442"/>
-          <p:cNvSpPr txBox="1">
-            <a:spLocks noGrp="1"/>
-          </p:cNvSpPr>
-          <p:nvPr>
-            <p:ph type="body" idx="1"/>
-          </p:nvPr>
-        </p:nvSpPr>
-        <p:spPr>
-          <a:xfrm>
-            <a:off x="685800" y="4343400"/>
-            <a:ext cx="5486399" cy="4114800"/>
-          </a:xfrm>
-          <a:prstGeom prst="rect">
-            <a:avLst/>
-          </a:prstGeom>
-        </p:spPr>
-        <p:txBody>
-          <a:bodyPr lIns="91425" tIns="91425" rIns="91425" bIns="91425" anchor="t" anchorCtr="0">
-            <a:noAutofit/>
-          </a:bodyPr>
-          <a:lstStyle/>
-          <a:p>
-            <a:pPr lvl="0">
-              <a:spcBef>
-                <a:spcPts val="0"/>
-              </a:spcBef>
-              <a:buNone/>
-            </a:pPr>
-            <a:endParaRPr/>
-          </a:p>
-        </p:txBody>
-      </p:sp>
-      <p:sp>
-        <p:nvSpPr>
-          <p:cNvPr id="443" name="Shape 443"/>
-          <p:cNvSpPr>
-            <a:spLocks noGrp="1" noRot="1" noChangeAspect="1"/>
-          </p:cNvSpPr>
-          <p:nvPr>
-            <p:ph type="sldImg" idx="2"/>
-          </p:nvPr>
-        </p:nvSpPr>
-        <p:spPr>
-          <a:xfrm>
-            <a:off x="382588" y="685800"/>
-            <a:ext cx="6092825" cy="3429000"/>
-          </a:xfrm>
-          <a:custGeom>
-            <a:avLst/>
-            <a:gdLst/>
-            <a:ahLst/>
-            <a:cxnLst/>
-            <a:rect l="0" t="0" r="0" b="0"/>
-            <a:pathLst>
-              <a:path w="120000" h="120000" extrusionOk="0">
-                <a:moveTo>
-                  <a:pt x="0" y="0"/>
-                </a:moveTo>
-                <a:lnTo>
-                  <a:pt x="120000" y="0"/>
-                </a:lnTo>
-                <a:lnTo>
-                  <a:pt x="120000" y="120000"/>
-                </a:lnTo>
-                <a:lnTo>
-                  <a:pt x="0" y="120000"/>
-                </a:lnTo>
-                <a:close/>
-              </a:path>
-            </a:pathLst>
-          </a:custGeom>
-        </p:spPr>
-      </p:sp>
-    </p:spTree>
-  </p:cSld>
-  <p:clrMapOvr>
-    <a:masterClrMapping/>
-  </p:clrMapOvr>
-</p:notes>
-</file>
-
-<file path=ppt/notesSlides/notesSlide39.xml><?xml version="1.0" encoding="utf-8"?>
-<p:notes xmlns:a="http://schemas.openxmlformats.org/drawingml/2006/main" xmlns:r="http://schemas.openxmlformats.org/officeDocument/2006/relationships" xmlns:p="http://schemas.openxmlformats.org/presentationml/2006/main" showMasterSp="0" showMasterPhAnim="0">
-  <p:cSld>
-    <p:spTree>
-      <p:nvGrpSpPr>
-        <p:cNvPr id="1" name="Shape 448"/>
-        <p:cNvGrpSpPr/>
-        <p:nvPr/>
-      </p:nvGrpSpPr>
-      <p:grpSpPr>
-        <a:xfrm>
-          <a:off x="0" y="0"/>
-          <a:ext cx="0" cy="0"/>
-          <a:chOff x="0" y="0"/>
-          <a:chExt cx="0" cy="0"/>
-        </a:xfrm>
-      </p:grpSpPr>
-      <p:sp>
-        <p:nvSpPr>
-          <p:cNvPr id="449" name="Shape 449"/>
-          <p:cNvSpPr txBox="1">
-            <a:spLocks noGrp="1"/>
-          </p:cNvSpPr>
-          <p:nvPr>
-            <p:ph type="body" idx="1"/>
-          </p:nvPr>
-        </p:nvSpPr>
-        <p:spPr>
-          <a:xfrm>
-            <a:off x="685800" y="4343400"/>
-            <a:ext cx="5486400" cy="4114800"/>
-          </a:xfrm>
-          <a:prstGeom prst="rect">
-            <a:avLst/>
-          </a:prstGeom>
-        </p:spPr>
-        <p:txBody>
-          <a:bodyPr lIns="91425" tIns="91425" rIns="91425" bIns="91425" anchor="t" anchorCtr="0">
-            <a:noAutofit/>
-          </a:bodyPr>
-          <a:lstStyle/>
-          <a:p>
-            <a:pPr lvl="0" rtl="0">
-              <a:spcBef>
-                <a:spcPts val="0"/>
-              </a:spcBef>
-              <a:buNone/>
-            </a:pPr>
-            <a:endParaRPr/>
-          </a:p>
-        </p:txBody>
-      </p:sp>
-      <p:sp>
-        <p:nvSpPr>
-          <p:cNvPr id="450" name="Shape 450"/>
           <p:cNvSpPr>
             <a:spLocks noGrp="1" noRot="1" noChangeAspect="1"/>
           </p:cNvSpPr>
@@ -4865,6 +4867,208 @@
   <p:cSld>
     <p:spTree>
       <p:nvGrpSpPr>
+        <p:cNvPr id="1" name="Shape 441"/>
+        <p:cNvGrpSpPr/>
+        <p:nvPr/>
+      </p:nvGrpSpPr>
+      <p:grpSpPr>
+        <a:xfrm>
+          <a:off x="0" y="0"/>
+          <a:ext cx="0" cy="0"/>
+          <a:chOff x="0" y="0"/>
+          <a:chExt cx="0" cy="0"/>
+        </a:xfrm>
+      </p:grpSpPr>
+      <p:sp>
+        <p:nvSpPr>
+          <p:cNvPr id="442" name="Shape 442"/>
+          <p:cNvSpPr txBox="1">
+            <a:spLocks noGrp="1"/>
+          </p:cNvSpPr>
+          <p:nvPr>
+            <p:ph type="body" idx="1"/>
+          </p:nvPr>
+        </p:nvSpPr>
+        <p:spPr>
+          <a:xfrm>
+            <a:off x="685800" y="4343400"/>
+            <a:ext cx="5486399" cy="4114800"/>
+          </a:xfrm>
+          <a:prstGeom prst="rect">
+            <a:avLst/>
+          </a:prstGeom>
+        </p:spPr>
+        <p:txBody>
+          <a:bodyPr lIns="91425" tIns="91425" rIns="91425" bIns="91425" anchor="t" anchorCtr="0">
+            <a:noAutofit/>
+          </a:bodyPr>
+          <a:lstStyle/>
+          <a:p>
+            <a:pPr lvl="0">
+              <a:spcBef>
+                <a:spcPts val="0"/>
+              </a:spcBef>
+              <a:buNone/>
+            </a:pPr>
+            <a:endParaRPr/>
+          </a:p>
+        </p:txBody>
+      </p:sp>
+      <p:sp>
+        <p:nvSpPr>
+          <p:cNvPr id="443" name="Shape 443"/>
+          <p:cNvSpPr>
+            <a:spLocks noGrp="1" noRot="1" noChangeAspect="1"/>
+          </p:cNvSpPr>
+          <p:nvPr>
+            <p:ph type="sldImg" idx="2"/>
+          </p:nvPr>
+        </p:nvSpPr>
+        <p:spPr>
+          <a:xfrm>
+            <a:off x="382588" y="685800"/>
+            <a:ext cx="6092825" cy="3429000"/>
+          </a:xfrm>
+          <a:custGeom>
+            <a:avLst/>
+            <a:gdLst/>
+            <a:ahLst/>
+            <a:cxnLst/>
+            <a:rect l="0" t="0" r="0" b="0"/>
+            <a:pathLst>
+              <a:path w="120000" h="120000" extrusionOk="0">
+                <a:moveTo>
+                  <a:pt x="0" y="0"/>
+                </a:moveTo>
+                <a:lnTo>
+                  <a:pt x="120000" y="0"/>
+                </a:lnTo>
+                <a:lnTo>
+                  <a:pt x="120000" y="120000"/>
+                </a:lnTo>
+                <a:lnTo>
+                  <a:pt x="0" y="120000"/>
+                </a:lnTo>
+                <a:close/>
+              </a:path>
+            </a:pathLst>
+          </a:custGeom>
+        </p:spPr>
+      </p:sp>
+    </p:spTree>
+  </p:cSld>
+  <p:clrMapOvr>
+    <a:masterClrMapping/>
+  </p:clrMapOvr>
+</p:notes>
+</file>
+
+<file path=ppt/notesSlides/notesSlide41.xml><?xml version="1.0" encoding="utf-8"?>
+<p:notes xmlns:a="http://schemas.openxmlformats.org/drawingml/2006/main" xmlns:r="http://schemas.openxmlformats.org/officeDocument/2006/relationships" xmlns:p="http://schemas.openxmlformats.org/presentationml/2006/main" showMasterSp="0" showMasterPhAnim="0">
+  <p:cSld>
+    <p:spTree>
+      <p:nvGrpSpPr>
+        <p:cNvPr id="1" name="Shape 448"/>
+        <p:cNvGrpSpPr/>
+        <p:nvPr/>
+      </p:nvGrpSpPr>
+      <p:grpSpPr>
+        <a:xfrm>
+          <a:off x="0" y="0"/>
+          <a:ext cx="0" cy="0"/>
+          <a:chOff x="0" y="0"/>
+          <a:chExt cx="0" cy="0"/>
+        </a:xfrm>
+      </p:grpSpPr>
+      <p:sp>
+        <p:nvSpPr>
+          <p:cNvPr id="449" name="Shape 449"/>
+          <p:cNvSpPr txBox="1">
+            <a:spLocks noGrp="1"/>
+          </p:cNvSpPr>
+          <p:nvPr>
+            <p:ph type="body" idx="1"/>
+          </p:nvPr>
+        </p:nvSpPr>
+        <p:spPr>
+          <a:xfrm>
+            <a:off x="685800" y="4343400"/>
+            <a:ext cx="5486400" cy="4114800"/>
+          </a:xfrm>
+          <a:prstGeom prst="rect">
+            <a:avLst/>
+          </a:prstGeom>
+        </p:spPr>
+        <p:txBody>
+          <a:bodyPr lIns="91425" tIns="91425" rIns="91425" bIns="91425" anchor="t" anchorCtr="0">
+            <a:noAutofit/>
+          </a:bodyPr>
+          <a:lstStyle/>
+          <a:p>
+            <a:pPr lvl="0" rtl="0">
+              <a:spcBef>
+                <a:spcPts val="0"/>
+              </a:spcBef>
+              <a:buNone/>
+            </a:pPr>
+            <a:endParaRPr/>
+          </a:p>
+        </p:txBody>
+      </p:sp>
+      <p:sp>
+        <p:nvSpPr>
+          <p:cNvPr id="450" name="Shape 450"/>
+          <p:cNvSpPr>
+            <a:spLocks noGrp="1" noRot="1" noChangeAspect="1"/>
+          </p:cNvSpPr>
+          <p:nvPr>
+            <p:ph type="sldImg" idx="2"/>
+          </p:nvPr>
+        </p:nvSpPr>
+        <p:spPr>
+          <a:xfrm>
+            <a:off x="382588" y="685800"/>
+            <a:ext cx="6092825" cy="3429000"/>
+          </a:xfrm>
+          <a:custGeom>
+            <a:avLst/>
+            <a:gdLst/>
+            <a:ahLst/>
+            <a:cxnLst/>
+            <a:rect l="0" t="0" r="0" b="0"/>
+            <a:pathLst>
+              <a:path w="120000" h="120000" extrusionOk="0">
+                <a:moveTo>
+                  <a:pt x="0" y="0"/>
+                </a:moveTo>
+                <a:lnTo>
+                  <a:pt x="120000" y="0"/>
+                </a:lnTo>
+                <a:lnTo>
+                  <a:pt x="120000" y="120000"/>
+                </a:lnTo>
+                <a:lnTo>
+                  <a:pt x="0" y="120000"/>
+                </a:lnTo>
+                <a:close/>
+              </a:path>
+            </a:pathLst>
+          </a:custGeom>
+        </p:spPr>
+      </p:sp>
+    </p:spTree>
+  </p:cSld>
+  <p:clrMapOvr>
+    <a:masterClrMapping/>
+  </p:clrMapOvr>
+</p:notes>
+</file>
+
+<file path=ppt/notesSlides/notesSlide42.xml><?xml version="1.0" encoding="utf-8"?>
+<p:notes xmlns:a="http://schemas.openxmlformats.org/drawingml/2006/main" xmlns:r="http://schemas.openxmlformats.org/officeDocument/2006/relationships" xmlns:p="http://schemas.openxmlformats.org/presentationml/2006/main" showMasterSp="0" showMasterPhAnim="0">
+  <p:cSld>
+    <p:spTree>
+      <p:nvGrpSpPr>
         <p:cNvPr id="1" name="Shape 454"/>
         <p:cNvGrpSpPr/>
         <p:nvPr/>
@@ -4961,7 +5165,7 @@
 </p:notes>
 </file>
 
-<file path=ppt/notesSlides/notesSlide41.xml><?xml version="1.0" encoding="utf-8"?>
+<file path=ppt/notesSlides/notesSlide43.xml><?xml version="1.0" encoding="utf-8"?>
 <p:notes xmlns:a="http://schemas.openxmlformats.org/drawingml/2006/main" xmlns:r="http://schemas.openxmlformats.org/officeDocument/2006/relationships" xmlns:p="http://schemas.openxmlformats.org/presentationml/2006/main" showMasterSp="0" showMasterPhAnim="0">
   <p:cSld>
     <p:spTree>
@@ -5067,6 +5271,218 @@
   <p:cSld>
     <p:spTree>
       <p:nvGrpSpPr>
+        <p:cNvPr id="1" name="Shape 104"/>
+        <p:cNvGrpSpPr/>
+        <p:nvPr/>
+      </p:nvGrpSpPr>
+      <p:grpSpPr>
+        <a:xfrm>
+          <a:off x="0" y="0"/>
+          <a:ext cx="0" cy="0"/>
+          <a:chOff x="0" y="0"/>
+          <a:chExt cx="0" cy="0"/>
+        </a:xfrm>
+      </p:grpSpPr>
+      <p:sp>
+        <p:nvSpPr>
+          <p:cNvPr id="105" name="Shape 105"/>
+          <p:cNvSpPr txBox="1">
+            <a:spLocks noGrp="1"/>
+          </p:cNvSpPr>
+          <p:nvPr>
+            <p:ph type="body" idx="1"/>
+          </p:nvPr>
+        </p:nvSpPr>
+        <p:spPr>
+          <a:xfrm>
+            <a:off x="685800" y="4343400"/>
+            <a:ext cx="5486400" cy="4114800"/>
+          </a:xfrm>
+          <a:prstGeom prst="rect">
+            <a:avLst/>
+          </a:prstGeom>
+        </p:spPr>
+        <p:txBody>
+          <a:bodyPr lIns="91425" tIns="91425" rIns="91425" bIns="91425" anchor="t" anchorCtr="0">
+            <a:noAutofit/>
+          </a:bodyPr>
+          <a:lstStyle/>
+          <a:p>
+            <a:pPr lvl="0" rtl="0">
+              <a:spcBef>
+                <a:spcPts val="0"/>
+              </a:spcBef>
+              <a:buNone/>
+            </a:pPr>
+            <a:endParaRPr/>
+          </a:p>
+        </p:txBody>
+      </p:sp>
+      <p:sp>
+        <p:nvSpPr>
+          <p:cNvPr id="106" name="Shape 106"/>
+          <p:cNvSpPr>
+            <a:spLocks noGrp="1" noRot="1" noChangeAspect="1"/>
+          </p:cNvSpPr>
+          <p:nvPr>
+            <p:ph type="sldImg" idx="2"/>
+          </p:nvPr>
+        </p:nvSpPr>
+        <p:spPr>
+          <a:xfrm>
+            <a:off x="382588" y="685800"/>
+            <a:ext cx="6092825" cy="3429000"/>
+          </a:xfrm>
+          <a:custGeom>
+            <a:avLst/>
+            <a:gdLst/>
+            <a:ahLst/>
+            <a:cxnLst/>
+            <a:rect l="0" t="0" r="0" b="0"/>
+            <a:pathLst>
+              <a:path w="120000" h="120000" extrusionOk="0">
+                <a:moveTo>
+                  <a:pt x="0" y="0"/>
+                </a:moveTo>
+                <a:lnTo>
+                  <a:pt x="120000" y="0"/>
+                </a:lnTo>
+                <a:lnTo>
+                  <a:pt x="120000" y="120000"/>
+                </a:lnTo>
+                <a:lnTo>
+                  <a:pt x="0" y="120000"/>
+                </a:lnTo>
+                <a:close/>
+              </a:path>
+            </a:pathLst>
+          </a:custGeom>
+        </p:spPr>
+      </p:sp>
+    </p:spTree>
+    <p:extLst>
+      <p:ext uri="{BB962C8B-B14F-4D97-AF65-F5344CB8AC3E}">
+        <p14:creationId xmlns:p14="http://schemas.microsoft.com/office/powerpoint/2010/main" val="202127069"/>
+      </p:ext>
+    </p:extLst>
+  </p:cSld>
+  <p:clrMapOvr>
+    <a:masterClrMapping/>
+  </p:clrMapOvr>
+</p:notes>
+</file>
+
+<file path=ppt/notesSlides/notesSlide6.xml><?xml version="1.0" encoding="utf-8"?>
+<p:notes xmlns:a="http://schemas.openxmlformats.org/drawingml/2006/main" xmlns:r="http://schemas.openxmlformats.org/officeDocument/2006/relationships" xmlns:p="http://schemas.openxmlformats.org/presentationml/2006/main" showMasterSp="0" showMasterPhAnim="0">
+  <p:cSld>
+    <p:spTree>
+      <p:nvGrpSpPr>
+        <p:cNvPr id="1" name="Shape 104"/>
+        <p:cNvGrpSpPr/>
+        <p:nvPr/>
+      </p:nvGrpSpPr>
+      <p:grpSpPr>
+        <a:xfrm>
+          <a:off x="0" y="0"/>
+          <a:ext cx="0" cy="0"/>
+          <a:chOff x="0" y="0"/>
+          <a:chExt cx="0" cy="0"/>
+        </a:xfrm>
+      </p:grpSpPr>
+      <p:sp>
+        <p:nvSpPr>
+          <p:cNvPr id="105" name="Shape 105"/>
+          <p:cNvSpPr txBox="1">
+            <a:spLocks noGrp="1"/>
+          </p:cNvSpPr>
+          <p:nvPr>
+            <p:ph type="body" idx="1"/>
+          </p:nvPr>
+        </p:nvSpPr>
+        <p:spPr>
+          <a:xfrm>
+            <a:off x="685800" y="4343400"/>
+            <a:ext cx="5486400" cy="4114800"/>
+          </a:xfrm>
+          <a:prstGeom prst="rect">
+            <a:avLst/>
+          </a:prstGeom>
+        </p:spPr>
+        <p:txBody>
+          <a:bodyPr lIns="91425" tIns="91425" rIns="91425" bIns="91425" anchor="t" anchorCtr="0">
+            <a:noAutofit/>
+          </a:bodyPr>
+          <a:lstStyle/>
+          <a:p>
+            <a:pPr lvl="0" rtl="0">
+              <a:spcBef>
+                <a:spcPts val="0"/>
+              </a:spcBef>
+              <a:buNone/>
+            </a:pPr>
+            <a:endParaRPr/>
+          </a:p>
+        </p:txBody>
+      </p:sp>
+      <p:sp>
+        <p:nvSpPr>
+          <p:cNvPr id="106" name="Shape 106"/>
+          <p:cNvSpPr>
+            <a:spLocks noGrp="1" noRot="1" noChangeAspect="1"/>
+          </p:cNvSpPr>
+          <p:nvPr>
+            <p:ph type="sldImg" idx="2"/>
+          </p:nvPr>
+        </p:nvSpPr>
+        <p:spPr>
+          <a:xfrm>
+            <a:off x="382588" y="685800"/>
+            <a:ext cx="6092825" cy="3429000"/>
+          </a:xfrm>
+          <a:custGeom>
+            <a:avLst/>
+            <a:gdLst/>
+            <a:ahLst/>
+            <a:cxnLst/>
+            <a:rect l="0" t="0" r="0" b="0"/>
+            <a:pathLst>
+              <a:path w="120000" h="120000" extrusionOk="0">
+                <a:moveTo>
+                  <a:pt x="0" y="0"/>
+                </a:moveTo>
+                <a:lnTo>
+                  <a:pt x="120000" y="0"/>
+                </a:lnTo>
+                <a:lnTo>
+                  <a:pt x="120000" y="120000"/>
+                </a:lnTo>
+                <a:lnTo>
+                  <a:pt x="0" y="120000"/>
+                </a:lnTo>
+                <a:close/>
+              </a:path>
+            </a:pathLst>
+          </a:custGeom>
+        </p:spPr>
+      </p:sp>
+    </p:spTree>
+    <p:extLst>
+      <p:ext uri="{BB962C8B-B14F-4D97-AF65-F5344CB8AC3E}">
+        <p14:creationId xmlns:p14="http://schemas.microsoft.com/office/powerpoint/2010/main" val="1771509701"/>
+      </p:ext>
+    </p:extLst>
+  </p:cSld>
+  <p:clrMapOvr>
+    <a:masterClrMapping/>
+  </p:clrMapOvr>
+</p:notes>
+</file>
+
+<file path=ppt/notesSlides/notesSlide7.xml><?xml version="1.0" encoding="utf-8"?>
+<p:notes xmlns:a="http://schemas.openxmlformats.org/drawingml/2006/main" xmlns:r="http://schemas.openxmlformats.org/officeDocument/2006/relationships" xmlns:p="http://schemas.openxmlformats.org/presentationml/2006/main" showMasterSp="0" showMasterPhAnim="0">
+  <p:cSld>
+    <p:spTree>
+      <p:nvGrpSpPr>
         <p:cNvPr id="1" name="Shape 111"/>
         <p:cNvGrpSpPr/>
         <p:nvPr/>
@@ -5163,7 +5579,7 @@
 </p:notes>
 </file>
 
-<file path=ppt/notesSlides/notesSlide6.xml><?xml version="1.0" encoding="utf-8"?>
+<file path=ppt/notesSlides/notesSlide8.xml><?xml version="1.0" encoding="utf-8"?>
 <p:notes xmlns:a="http://schemas.openxmlformats.org/drawingml/2006/main" xmlns:r="http://schemas.openxmlformats.org/officeDocument/2006/relationships" xmlns:p="http://schemas.openxmlformats.org/presentationml/2006/main" showMasterSp="0" showMasterPhAnim="0">
   <p:cSld>
     <p:spTree>
@@ -5264,7 +5680,7 @@
 </p:notes>
 </file>
 
-<file path=ppt/notesSlides/notesSlide7.xml><?xml version="1.0" encoding="utf-8"?>
+<file path=ppt/notesSlides/notesSlide9.xml><?xml version="1.0" encoding="utf-8"?>
 <p:notes xmlns:a="http://schemas.openxmlformats.org/drawingml/2006/main" xmlns:r="http://schemas.openxmlformats.org/officeDocument/2006/relationships" xmlns:p="http://schemas.openxmlformats.org/presentationml/2006/main" showMasterSp="0" showMasterPhAnim="0">
   <p:cSld>
     <p:spTree>
@@ -5319,208 +5735,6 @@
       <p:sp>
         <p:nvSpPr>
           <p:cNvPr id="130" name="Shape 130"/>
-          <p:cNvSpPr>
-            <a:spLocks noGrp="1" noRot="1" noChangeAspect="1"/>
-          </p:cNvSpPr>
-          <p:nvPr>
-            <p:ph type="sldImg" idx="2"/>
-          </p:nvPr>
-        </p:nvSpPr>
-        <p:spPr>
-          <a:xfrm>
-            <a:off x="382588" y="685800"/>
-            <a:ext cx="6092825" cy="3429000"/>
-          </a:xfrm>
-          <a:custGeom>
-            <a:avLst/>
-            <a:gdLst/>
-            <a:ahLst/>
-            <a:cxnLst/>
-            <a:rect l="0" t="0" r="0" b="0"/>
-            <a:pathLst>
-              <a:path w="120000" h="120000" extrusionOk="0">
-                <a:moveTo>
-                  <a:pt x="0" y="0"/>
-                </a:moveTo>
-                <a:lnTo>
-                  <a:pt x="120000" y="0"/>
-                </a:lnTo>
-                <a:lnTo>
-                  <a:pt x="120000" y="120000"/>
-                </a:lnTo>
-                <a:lnTo>
-                  <a:pt x="0" y="120000"/>
-                </a:lnTo>
-                <a:close/>
-              </a:path>
-            </a:pathLst>
-          </a:custGeom>
-        </p:spPr>
-      </p:sp>
-    </p:spTree>
-  </p:cSld>
-  <p:clrMapOvr>
-    <a:masterClrMapping/>
-  </p:clrMapOvr>
-</p:notes>
-</file>
-
-<file path=ppt/notesSlides/notesSlide8.xml><?xml version="1.0" encoding="utf-8"?>
-<p:notes xmlns:a="http://schemas.openxmlformats.org/drawingml/2006/main" xmlns:r="http://schemas.openxmlformats.org/officeDocument/2006/relationships" xmlns:p="http://schemas.openxmlformats.org/presentationml/2006/main" showMasterSp="0" showMasterPhAnim="0">
-  <p:cSld>
-    <p:spTree>
-      <p:nvGrpSpPr>
-        <p:cNvPr id="1" name="Shape 137"/>
-        <p:cNvGrpSpPr/>
-        <p:nvPr/>
-      </p:nvGrpSpPr>
-      <p:grpSpPr>
-        <a:xfrm>
-          <a:off x="0" y="0"/>
-          <a:ext cx="0" cy="0"/>
-          <a:chOff x="0" y="0"/>
-          <a:chExt cx="0" cy="0"/>
-        </a:xfrm>
-      </p:grpSpPr>
-      <p:sp>
-        <p:nvSpPr>
-          <p:cNvPr id="138" name="Shape 138"/>
-          <p:cNvSpPr txBox="1">
-            <a:spLocks noGrp="1"/>
-          </p:cNvSpPr>
-          <p:nvPr>
-            <p:ph type="body" idx="1"/>
-          </p:nvPr>
-        </p:nvSpPr>
-        <p:spPr>
-          <a:xfrm>
-            <a:off x="685800" y="4343400"/>
-            <a:ext cx="5486400" cy="4114800"/>
-          </a:xfrm>
-          <a:prstGeom prst="rect">
-            <a:avLst/>
-          </a:prstGeom>
-        </p:spPr>
-        <p:txBody>
-          <a:bodyPr lIns="91425" tIns="91425" rIns="91425" bIns="91425" anchor="t" anchorCtr="0">
-            <a:noAutofit/>
-          </a:bodyPr>
-          <a:lstStyle/>
-          <a:p>
-            <a:pPr lvl="0" rtl="0">
-              <a:spcBef>
-                <a:spcPts val="0"/>
-              </a:spcBef>
-              <a:buNone/>
-            </a:pPr>
-            <a:endParaRPr/>
-          </a:p>
-        </p:txBody>
-      </p:sp>
-      <p:sp>
-        <p:nvSpPr>
-          <p:cNvPr id="139" name="Shape 139"/>
-          <p:cNvSpPr>
-            <a:spLocks noGrp="1" noRot="1" noChangeAspect="1"/>
-          </p:cNvSpPr>
-          <p:nvPr>
-            <p:ph type="sldImg" idx="2"/>
-          </p:nvPr>
-        </p:nvSpPr>
-        <p:spPr>
-          <a:xfrm>
-            <a:off x="382588" y="685800"/>
-            <a:ext cx="6092825" cy="3429000"/>
-          </a:xfrm>
-          <a:custGeom>
-            <a:avLst/>
-            <a:gdLst/>
-            <a:ahLst/>
-            <a:cxnLst/>
-            <a:rect l="0" t="0" r="0" b="0"/>
-            <a:pathLst>
-              <a:path w="120000" h="120000" extrusionOk="0">
-                <a:moveTo>
-                  <a:pt x="0" y="0"/>
-                </a:moveTo>
-                <a:lnTo>
-                  <a:pt x="120000" y="0"/>
-                </a:lnTo>
-                <a:lnTo>
-                  <a:pt x="120000" y="120000"/>
-                </a:lnTo>
-                <a:lnTo>
-                  <a:pt x="0" y="120000"/>
-                </a:lnTo>
-                <a:close/>
-              </a:path>
-            </a:pathLst>
-          </a:custGeom>
-        </p:spPr>
-      </p:sp>
-    </p:spTree>
-  </p:cSld>
-  <p:clrMapOvr>
-    <a:masterClrMapping/>
-  </p:clrMapOvr>
-</p:notes>
-</file>
-
-<file path=ppt/notesSlides/notesSlide9.xml><?xml version="1.0" encoding="utf-8"?>
-<p:notes xmlns:a="http://schemas.openxmlformats.org/drawingml/2006/main" xmlns:r="http://schemas.openxmlformats.org/officeDocument/2006/relationships" xmlns:p="http://schemas.openxmlformats.org/presentationml/2006/main" showMasterSp="0" showMasterPhAnim="0">
-  <p:cSld>
-    <p:spTree>
-      <p:nvGrpSpPr>
-        <p:cNvPr id="1" name="Shape 146"/>
-        <p:cNvGrpSpPr/>
-        <p:nvPr/>
-      </p:nvGrpSpPr>
-      <p:grpSpPr>
-        <a:xfrm>
-          <a:off x="0" y="0"/>
-          <a:ext cx="0" cy="0"/>
-          <a:chOff x="0" y="0"/>
-          <a:chExt cx="0" cy="0"/>
-        </a:xfrm>
-      </p:grpSpPr>
-      <p:sp>
-        <p:nvSpPr>
-          <p:cNvPr id="147" name="Shape 147"/>
-          <p:cNvSpPr txBox="1">
-            <a:spLocks noGrp="1"/>
-          </p:cNvSpPr>
-          <p:nvPr>
-            <p:ph type="body" idx="1"/>
-          </p:nvPr>
-        </p:nvSpPr>
-        <p:spPr>
-          <a:xfrm>
-            <a:off x="685800" y="4343400"/>
-            <a:ext cx="5486400" cy="4114800"/>
-          </a:xfrm>
-          <a:prstGeom prst="rect">
-            <a:avLst/>
-          </a:prstGeom>
-        </p:spPr>
-        <p:txBody>
-          <a:bodyPr lIns="91425" tIns="91425" rIns="91425" bIns="91425" anchor="t" anchorCtr="0">
-            <a:noAutofit/>
-          </a:bodyPr>
-          <a:lstStyle/>
-          <a:p>
-            <a:pPr lvl="0" rtl="0">
-              <a:spcBef>
-                <a:spcPts val="0"/>
-              </a:spcBef>
-              <a:buNone/>
-            </a:pPr>
-            <a:endParaRPr/>
-          </a:p>
-        </p:txBody>
-      </p:sp>
-      <p:sp>
-        <p:nvSpPr>
-          <p:cNvPr id="148" name="Shape 148"/>
           <p:cNvSpPr>
             <a:spLocks noGrp="1" noRot="1" noChangeAspect="1"/>
           </p:cNvSpPr>
@@ -15659,25 +15873,112 @@
               <a:buNone/>
             </a:pPr>
             <a:r>
-              <a:rPr lang="en-US">
+              <a:rPr lang="en-US" dirty="0" err="1">
                 <a:latin typeface="Arial"/>
                 <a:ea typeface="Arial"/>
                 <a:cs typeface="Arial"/>
                 <a:sym typeface="Arial"/>
               </a:rPr>
-              <a:t>Đề tài: </a:t>
-            </a:r>
-            <a:r>
-              <a:rPr lang="en-US" sz="2400" b="1" i="0" u="none" strike="noStrike" cap="none">
-                <a:solidFill>
-                  <a:srgbClr val="595959"/>
-                </a:solidFill>
+              <a:t>Đề</a:t>
+            </a:r>
+            <a:r>
+              <a:rPr lang="en-US" dirty="0">
                 <a:latin typeface="Arial"/>
                 <a:ea typeface="Arial"/>
                 <a:cs typeface="Arial"/>
                 <a:sym typeface="Arial"/>
               </a:rPr>
-              <a:t>Giới thiệu về Node.js và Express.js</a:t>
+              <a:t> </a:t>
+            </a:r>
+            <a:r>
+              <a:rPr lang="en-US" dirty="0" err="1">
+                <a:latin typeface="Arial"/>
+                <a:ea typeface="Arial"/>
+                <a:cs typeface="Arial"/>
+                <a:sym typeface="Arial"/>
+              </a:rPr>
+              <a:t>tài</a:t>
+            </a:r>
+            <a:r>
+              <a:rPr lang="en-US" dirty="0">
+                <a:latin typeface="Arial"/>
+                <a:ea typeface="Arial"/>
+                <a:cs typeface="Arial"/>
+                <a:sym typeface="Arial"/>
+              </a:rPr>
+              <a:t>: </a:t>
+            </a:r>
+            <a:r>
+              <a:rPr lang="en-US" sz="2400" b="1" i="0" u="none" strike="noStrike" cap="none" dirty="0" err="1">
+                <a:solidFill>
+                  <a:srgbClr val="595959"/>
+                </a:solidFill>
+                <a:latin typeface="Arial"/>
+                <a:ea typeface="Arial"/>
+                <a:cs typeface="Arial"/>
+                <a:sym typeface="Arial"/>
+              </a:rPr>
+              <a:t>Giới</a:t>
+            </a:r>
+            <a:r>
+              <a:rPr lang="en-US" sz="2400" b="1" i="0" u="none" strike="noStrike" cap="none" dirty="0">
+                <a:solidFill>
+                  <a:srgbClr val="595959"/>
+                </a:solidFill>
+                <a:latin typeface="Arial"/>
+                <a:ea typeface="Arial"/>
+                <a:cs typeface="Arial"/>
+                <a:sym typeface="Arial"/>
+              </a:rPr>
+              <a:t> </a:t>
+            </a:r>
+            <a:r>
+              <a:rPr lang="en-US" sz="2400" b="1" i="0" u="none" strike="noStrike" cap="none" dirty="0" err="1">
+                <a:solidFill>
+                  <a:srgbClr val="595959"/>
+                </a:solidFill>
+                <a:latin typeface="Arial"/>
+                <a:ea typeface="Arial"/>
+                <a:cs typeface="Arial"/>
+                <a:sym typeface="Arial"/>
+              </a:rPr>
+              <a:t>thiệu</a:t>
+            </a:r>
+            <a:r>
+              <a:rPr lang="en-US" sz="2400" b="1" i="0" u="none" strike="noStrike" cap="none" dirty="0">
+                <a:solidFill>
+                  <a:srgbClr val="595959"/>
+                </a:solidFill>
+                <a:latin typeface="Arial"/>
+                <a:ea typeface="Arial"/>
+                <a:cs typeface="Arial"/>
+                <a:sym typeface="Arial"/>
+              </a:rPr>
+              <a:t> </a:t>
+            </a:r>
+            <a:r>
+              <a:rPr lang="en-US" sz="2400" b="1" i="0" u="none" strike="noStrike" cap="none" dirty="0" err="1">
+                <a:solidFill>
+                  <a:srgbClr val="595959"/>
+                </a:solidFill>
+                <a:latin typeface="Arial"/>
+                <a:ea typeface="Arial"/>
+                <a:cs typeface="Arial"/>
+                <a:sym typeface="Arial"/>
+              </a:rPr>
+              <a:t>về</a:t>
+            </a:r>
+            <a:r>
+              <a:rPr lang="en-US" sz="2400" b="1" i="0" u="none" strike="noStrike" cap="none" dirty="0">
+                <a:solidFill>
+                  <a:srgbClr val="595959"/>
+                </a:solidFill>
+                <a:latin typeface="Arial"/>
+                <a:ea typeface="Arial"/>
+                <a:cs typeface="Arial"/>
+                <a:sym typeface="Arial"/>
+              </a:rPr>
+              <a:t> Node.js</a:t>
             </a:r>
           </a:p>
         </p:txBody>
@@ -16076,13 +16377,13 @@
   <p:clrMapOvr>
     <a:masterClrMapping/>
   </p:clrMapOvr>
-  <mc:AlternateContent xmlns:mc="http://schemas.openxmlformats.org/markup-compatibility/2006">
-    <mc:Choice xmlns:p14="http://schemas.microsoft.com/office/powerpoint/2010/main" Requires="p14">
+  <mc:AlternateContent xmlns:mc="http://schemas.openxmlformats.org/markup-compatibility/2006" xmlns:p14="http://schemas.microsoft.com/office/powerpoint/2010/main">
+    <mc:Choice Requires="p14">
       <p:transition spd="med" p14:dur="700">
         <p:fade/>
       </p:transition>
     </mc:Choice>
-    <mc:Fallback>
+    <mc:Fallback xmlns="">
       <p:transition spd="med">
         <p:fade/>
       </p:transition>
@@ -16092,6 +16393,471 @@
 </file>
 
 <file path=ppt/slides/slide10.xml><?xml version="1.0" encoding="utf-8"?>
+<p:sld xmlns:a="http://schemas.openxmlformats.org/drawingml/2006/main" xmlns:r="http://schemas.openxmlformats.org/officeDocument/2006/relationships" xmlns:p="http://schemas.openxmlformats.org/presentationml/2006/main">
+  <p:cSld>
+    <p:spTree>
+      <p:nvGrpSpPr>
+        <p:cNvPr id="1" name="Shape 140"/>
+        <p:cNvGrpSpPr/>
+        <p:nvPr/>
+      </p:nvGrpSpPr>
+      <p:grpSpPr>
+        <a:xfrm>
+          <a:off x="0" y="0"/>
+          <a:ext cx="0" cy="0"/>
+          <a:chOff x="0" y="0"/>
+          <a:chExt cx="0" cy="0"/>
+        </a:xfrm>
+      </p:grpSpPr>
+      <p:sp>
+        <p:nvSpPr>
+          <p:cNvPr id="141" name="Shape 141"/>
+          <p:cNvSpPr txBox="1">
+            <a:spLocks noGrp="1"/>
+          </p:cNvSpPr>
+          <p:nvPr>
+            <p:ph type="title"/>
+          </p:nvPr>
+        </p:nvSpPr>
+        <p:spPr>
+          <a:xfrm>
+            <a:off x="1065212" y="533400"/>
+            <a:ext cx="8686800" cy="1066800"/>
+          </a:xfrm>
+          <a:prstGeom prst="rect">
+            <a:avLst/>
+          </a:prstGeom>
+          <a:noFill/>
+          <a:ln>
+            <a:noFill/>
+          </a:ln>
+        </p:spPr>
+        <p:txBody>
+          <a:bodyPr lIns="91425" tIns="45700" rIns="91425" bIns="45700" anchor="b" anchorCtr="0">
+            <a:noAutofit/>
+          </a:bodyPr>
+          <a:lstStyle/>
+          <a:p>
+            <a:pPr lvl="0" rtl="0">
+              <a:spcBef>
+                <a:spcPts val="0"/>
+              </a:spcBef>
+              <a:buClr>
+                <a:schemeClr val="dk1"/>
+              </a:buClr>
+              <a:buSzPct val="30555"/>
+              <a:buFont typeface="Arial"/>
+              <a:buNone/>
+            </a:pPr>
+            <a:r>
+              <a:rPr lang="en-US">
+                <a:solidFill>
+                  <a:srgbClr val="4A86E8"/>
+                </a:solidFill>
+              </a:rPr>
+              <a:t>2.Node.js Syntax</a:t>
+            </a:r>
+          </a:p>
+        </p:txBody>
+      </p:sp>
+      <p:sp>
+        <p:nvSpPr>
+          <p:cNvPr id="142" name="Shape 142"/>
+          <p:cNvSpPr txBox="1">
+            <a:spLocks noGrp="1"/>
+          </p:cNvSpPr>
+          <p:nvPr>
+            <p:ph type="body" idx="1"/>
+          </p:nvPr>
+        </p:nvSpPr>
+        <p:spPr>
+          <a:xfrm>
+            <a:off x="1065198" y="1828800"/>
+            <a:ext cx="9445500" cy="4191000"/>
+          </a:xfrm>
+          <a:prstGeom prst="rect">
+            <a:avLst/>
+          </a:prstGeom>
+          <a:noFill/>
+          <a:ln>
+            <a:noFill/>
+          </a:ln>
+        </p:spPr>
+        <p:txBody>
+          <a:bodyPr lIns="91425" tIns="45700" rIns="91425" bIns="45700" anchor="t" anchorCtr="0">
+            <a:noAutofit/>
+          </a:bodyPr>
+          <a:lstStyle/>
+          <a:p>
+            <a:pPr marL="457200" marR="0" lvl="0" indent="-381000" rtl="0">
+              <a:lnSpc>
+                <a:spcPct val="90000"/>
+              </a:lnSpc>
+              <a:spcBef>
+                <a:spcPts val="0"/>
+              </a:spcBef>
+              <a:buClr>
+                <a:srgbClr val="333333"/>
+              </a:buClr>
+              <a:buSzPct val="100000"/>
+            </a:pPr>
+            <a:endParaRPr sz="2400">
+              <a:solidFill>
+                <a:srgbClr val="333333"/>
+              </a:solidFill>
+              <a:highlight>
+                <a:srgbClr val="FFFFFF"/>
+              </a:highlight>
+            </a:endParaRPr>
+          </a:p>
+        </p:txBody>
+      </p:sp>
+      <p:pic>
+        <p:nvPicPr>
+          <p:cNvPr id="143" name="Shape 143"/>
+          <p:cNvPicPr preferRelativeResize="0"/>
+          <p:nvPr/>
+        </p:nvPicPr>
+        <p:blipFill>
+          <a:blip r:embed="rId3">
+            <a:alphaModFix/>
+          </a:blip>
+          <a:stretch>
+            <a:fillRect/>
+          </a:stretch>
+        </p:blipFill>
+        <p:spPr>
+          <a:xfrm>
+            <a:off x="872075" y="1797599"/>
+            <a:ext cx="7204274" cy="4253399"/>
+          </a:xfrm>
+          <a:prstGeom prst="rect">
+            <a:avLst/>
+          </a:prstGeom>
+          <a:noFill/>
+          <a:ln>
+            <a:noFill/>
+          </a:ln>
+        </p:spPr>
+      </p:pic>
+      <p:pic>
+        <p:nvPicPr>
+          <p:cNvPr id="144" name="Shape 144"/>
+          <p:cNvPicPr preferRelativeResize="0"/>
+          <p:nvPr/>
+        </p:nvPicPr>
+        <p:blipFill>
+          <a:blip r:embed="rId4">
+            <a:alphaModFix/>
+          </a:blip>
+          <a:stretch>
+            <a:fillRect/>
+          </a:stretch>
+        </p:blipFill>
+        <p:spPr>
+          <a:xfrm>
+            <a:off x="3349875" y="1600200"/>
+            <a:ext cx="8176025" cy="4827125"/>
+          </a:xfrm>
+          <a:prstGeom prst="rect">
+            <a:avLst/>
+          </a:prstGeom>
+          <a:noFill/>
+          <a:ln>
+            <a:noFill/>
+          </a:ln>
+        </p:spPr>
+      </p:pic>
+      <p:sp>
+        <p:nvSpPr>
+          <p:cNvPr id="145" name="Shape 145"/>
+          <p:cNvSpPr txBox="1">
+            <a:spLocks noGrp="1"/>
+          </p:cNvSpPr>
+          <p:nvPr>
+            <p:ph type="sldNum" idx="12"/>
+          </p:nvPr>
+        </p:nvSpPr>
+        <p:spPr>
+          <a:xfrm>
+            <a:off x="11176000" y="260350"/>
+            <a:ext cx="461750" cy="588000"/>
+          </a:xfrm>
+          <a:prstGeom prst="rect">
+            <a:avLst/>
+          </a:prstGeom>
+        </p:spPr>
+        <p:txBody>
+          <a:bodyPr lIns="91425" tIns="45700" rIns="91425" bIns="45700" anchor="ctr" anchorCtr="0">
+            <a:noAutofit/>
+          </a:bodyPr>
+          <a:lstStyle/>
+          <a:p>
+            <a:pPr lvl="0" rtl="0">
+              <a:spcBef>
+                <a:spcPts val="0"/>
+              </a:spcBef>
+              <a:buClr>
+                <a:srgbClr val="000000"/>
+              </a:buClr>
+              <a:buSzPct val="25000"/>
+              <a:buFont typeface="Arial"/>
+              <a:buNone/>
+            </a:pPr>
+            <a:fld id="{00000000-1234-1234-1234-123412341234}" type="slidenum">
+              <a:rPr lang="en-US"/>
+              <a:t>10</a:t>
+            </a:fld>
+            <a:endParaRPr lang="en-US" dirty="0"/>
+          </a:p>
+        </p:txBody>
+      </p:sp>
+    </p:spTree>
+  </p:cSld>
+  <p:clrMapOvr>
+    <a:masterClrMapping/>
+  </p:clrMapOvr>
+  <mc:AlternateContent xmlns:mc="http://schemas.openxmlformats.org/markup-compatibility/2006" xmlns:p14="http://schemas.microsoft.com/office/powerpoint/2010/main">
+    <mc:Choice Requires="p14">
+      <p:transition spd="med" p14:dur="700">
+        <p:fade/>
+      </p:transition>
+    </mc:Choice>
+    <mc:Fallback xmlns="">
+      <p:transition spd="med">
+        <p:fade/>
+      </p:transition>
+    </mc:Fallback>
+  </mc:AlternateContent>
+</p:sld>
+</file>
+
+<file path=ppt/slides/slide11.xml><?xml version="1.0" encoding="utf-8"?>
+<p:sld xmlns:a="http://schemas.openxmlformats.org/drawingml/2006/main" xmlns:r="http://schemas.openxmlformats.org/officeDocument/2006/relationships" xmlns:p="http://schemas.openxmlformats.org/presentationml/2006/main">
+  <p:cSld>
+    <p:spTree>
+      <p:nvGrpSpPr>
+        <p:cNvPr id="1" name="Shape 149"/>
+        <p:cNvGrpSpPr/>
+        <p:nvPr/>
+      </p:nvGrpSpPr>
+      <p:grpSpPr>
+        <a:xfrm>
+          <a:off x="0" y="0"/>
+          <a:ext cx="0" cy="0"/>
+          <a:chOff x="0" y="0"/>
+          <a:chExt cx="0" cy="0"/>
+        </a:xfrm>
+      </p:grpSpPr>
+      <p:sp>
+        <p:nvSpPr>
+          <p:cNvPr id="150" name="Shape 150"/>
+          <p:cNvSpPr txBox="1">
+            <a:spLocks noGrp="1"/>
+          </p:cNvSpPr>
+          <p:nvPr>
+            <p:ph type="title"/>
+          </p:nvPr>
+        </p:nvSpPr>
+        <p:spPr>
+          <a:xfrm>
+            <a:off x="1065212" y="533400"/>
+            <a:ext cx="8686800" cy="1066800"/>
+          </a:xfrm>
+          <a:prstGeom prst="rect">
+            <a:avLst/>
+          </a:prstGeom>
+          <a:noFill/>
+          <a:ln>
+            <a:noFill/>
+          </a:ln>
+        </p:spPr>
+        <p:txBody>
+          <a:bodyPr lIns="91425" tIns="45700" rIns="91425" bIns="45700" anchor="b" anchorCtr="0">
+            <a:noAutofit/>
+          </a:bodyPr>
+          <a:lstStyle/>
+          <a:p>
+            <a:pPr lvl="0" rtl="0">
+              <a:spcBef>
+                <a:spcPts val="0"/>
+              </a:spcBef>
+              <a:buClr>
+                <a:schemeClr val="dk1"/>
+              </a:buClr>
+              <a:buSzPct val="30555"/>
+              <a:buFont typeface="Arial"/>
+              <a:buNone/>
+            </a:pPr>
+            <a:r>
+              <a:rPr lang="en-US">
+                <a:solidFill>
+                  <a:srgbClr val="4A86E8"/>
+                </a:solidFill>
+              </a:rPr>
+              <a:t>2.Node.js Syntax</a:t>
+            </a:r>
+          </a:p>
+        </p:txBody>
+      </p:sp>
+      <p:sp>
+        <p:nvSpPr>
+          <p:cNvPr id="151" name="Shape 151"/>
+          <p:cNvSpPr txBox="1">
+            <a:spLocks noGrp="1"/>
+          </p:cNvSpPr>
+          <p:nvPr>
+            <p:ph type="body" idx="1"/>
+          </p:nvPr>
+        </p:nvSpPr>
+        <p:spPr>
+          <a:xfrm>
+            <a:off x="1065198" y="1828800"/>
+            <a:ext cx="9445500" cy="4191000"/>
+          </a:xfrm>
+          <a:prstGeom prst="rect">
+            <a:avLst/>
+          </a:prstGeom>
+          <a:noFill/>
+          <a:ln>
+            <a:noFill/>
+          </a:ln>
+        </p:spPr>
+        <p:txBody>
+          <a:bodyPr lIns="91425" tIns="45700" rIns="91425" bIns="45700" anchor="t" anchorCtr="0">
+            <a:noAutofit/>
+          </a:bodyPr>
+          <a:lstStyle/>
+          <a:p>
+            <a:pPr marL="0" marR="0" lvl="0" indent="0" rtl="0">
+              <a:lnSpc>
+                <a:spcPct val="90000"/>
+              </a:lnSpc>
+              <a:spcBef>
+                <a:spcPts val="0"/>
+              </a:spcBef>
+              <a:buNone/>
+            </a:pPr>
+            <a:r>
+              <a:rPr lang="en-US" sz="2400" b="1">
+                <a:solidFill>
+                  <a:srgbClr val="980000"/>
+                </a:solidFill>
+              </a:rPr>
+              <a:t>Đối tượng ‘global’ và ‘process’ hoạt động trong môi trường Node nhưng không hoạt động trong Chrome browser.</a:t>
+            </a:r>
+          </a:p>
+          <a:p>
+            <a:pPr marL="0" marR="0" lvl="0" indent="0" rtl="0">
+              <a:lnSpc>
+                <a:spcPct val="90000"/>
+              </a:lnSpc>
+              <a:spcBef>
+                <a:spcPts val="0"/>
+              </a:spcBef>
+              <a:buNone/>
+            </a:pPr>
+            <a:endParaRPr sz="2400" b="1">
+              <a:solidFill>
+                <a:srgbClr val="980000"/>
+              </a:solidFill>
+            </a:endParaRPr>
+          </a:p>
+        </p:txBody>
+      </p:sp>
+      <p:pic>
+        <p:nvPicPr>
+          <p:cNvPr id="152" name="Shape 152"/>
+          <p:cNvPicPr preferRelativeResize="0"/>
+          <p:nvPr/>
+        </p:nvPicPr>
+        <p:blipFill>
+          <a:blip r:embed="rId3">
+            <a:alphaModFix/>
+          </a:blip>
+          <a:stretch>
+            <a:fillRect/>
+          </a:stretch>
+        </p:blipFill>
+        <p:spPr>
+          <a:xfrm>
+            <a:off x="2310375" y="2792301"/>
+            <a:ext cx="5807249" cy="3448525"/>
+          </a:xfrm>
+          <a:prstGeom prst="rect">
+            <a:avLst/>
+          </a:prstGeom>
+          <a:noFill/>
+          <a:ln>
+            <a:noFill/>
+          </a:ln>
+        </p:spPr>
+      </p:pic>
+      <p:sp>
+        <p:nvSpPr>
+          <p:cNvPr id="153" name="Shape 153"/>
+          <p:cNvSpPr txBox="1">
+            <a:spLocks noGrp="1"/>
+          </p:cNvSpPr>
+          <p:nvPr>
+            <p:ph type="sldNum" idx="12"/>
+          </p:nvPr>
+        </p:nvSpPr>
+        <p:spPr>
+          <a:xfrm>
+            <a:off x="11176000" y="260350"/>
+            <a:ext cx="461750" cy="588000"/>
+          </a:xfrm>
+          <a:prstGeom prst="rect">
+            <a:avLst/>
+          </a:prstGeom>
+        </p:spPr>
+        <p:txBody>
+          <a:bodyPr lIns="91425" tIns="45700" rIns="91425" bIns="45700" anchor="ctr" anchorCtr="0">
+            <a:noAutofit/>
+          </a:bodyPr>
+          <a:lstStyle/>
+          <a:p>
+            <a:pPr lvl="0" rtl="0">
+              <a:spcBef>
+                <a:spcPts val="0"/>
+              </a:spcBef>
+              <a:buClr>
+                <a:srgbClr val="000000"/>
+              </a:buClr>
+              <a:buSzPct val="25000"/>
+              <a:buFont typeface="Arial"/>
+              <a:buNone/>
+            </a:pPr>
+            <a:fld id="{00000000-1234-1234-1234-123412341234}" type="slidenum">
+              <a:rPr lang="en-US"/>
+              <a:t>11</a:t>
+            </a:fld>
+            <a:endParaRPr lang="en-US"/>
+          </a:p>
+        </p:txBody>
+      </p:sp>
+    </p:spTree>
+  </p:cSld>
+  <p:clrMapOvr>
+    <a:masterClrMapping/>
+  </p:clrMapOvr>
+  <mc:AlternateContent xmlns:mc="http://schemas.openxmlformats.org/markup-compatibility/2006" xmlns:p14="http://schemas.microsoft.com/office/powerpoint/2010/main">
+    <mc:Choice Requires="p14">
+      <p:transition spd="med" p14:dur="700">
+        <p:fade/>
+      </p:transition>
+    </mc:Choice>
+    <mc:Fallback xmlns="">
+      <p:transition spd="med">
+        <p:fade/>
+      </p:transition>
+    </mc:Fallback>
+  </mc:AlternateContent>
+</p:sld>
+</file>
+
+<file path=ppt/slides/slide12.xml><?xml version="1.0" encoding="utf-8"?>
 <p:sld xmlns:a="http://schemas.openxmlformats.org/drawingml/2006/main" xmlns:r="http://schemas.openxmlformats.org/officeDocument/2006/relationships" xmlns:p="http://schemas.openxmlformats.org/presentationml/2006/main">
   <p:cSld>
     <p:spTree>
@@ -16183,8 +16949,36 @@
               <a:buNone/>
             </a:pPr>
             <a:r>
-              <a:rPr lang="en-US" sz="2400"/>
-              <a:t>Giao thức Http là gì?</a:t>
+              <a:rPr lang="en-US" sz="2400" dirty="0" err="1"/>
+              <a:t>Giao</a:t>
+            </a:r>
+            <a:r>
+              <a:rPr lang="en-US" sz="2400" dirty="0"/>
+              <a:t> </a:t>
+            </a:r>
+            <a:r>
+              <a:rPr lang="en-US" sz="2400" dirty="0" err="1"/>
+              <a:t>thức</a:t>
+            </a:r>
+            <a:r>
+              <a:rPr lang="en-US" sz="2400" dirty="0"/>
+              <a:t> Http </a:t>
+            </a:r>
+            <a:r>
+              <a:rPr lang="en-US" sz="2400" dirty="0" err="1"/>
+              <a:t>là</a:t>
+            </a:r>
+            <a:r>
+              <a:rPr lang="en-US" sz="2400" dirty="0"/>
+              <a:t> </a:t>
+            </a:r>
+            <a:r>
+              <a:rPr lang="en-US" sz="2400" dirty="0" err="1"/>
+              <a:t>gì</a:t>
+            </a:r>
+            <a:r>
+              <a:rPr lang="en-US" sz="2400" dirty="0"/>
+              <a:t>?</a:t>
             </a:r>
           </a:p>
           <a:p>
@@ -16198,8 +16992,28 @@
               <a:buSzPct val="100000"/>
             </a:pPr>
             <a:r>
-              <a:rPr lang="en-US" sz="2400"/>
-              <a:t>Giao thức Client/Server trong World Wide Web.</a:t>
+              <a:rPr lang="en-US" sz="2400" dirty="0" err="1"/>
+              <a:t>Giao</a:t>
+            </a:r>
+            <a:r>
+              <a:rPr lang="en-US" sz="2400" dirty="0"/>
+              <a:t> </a:t>
+            </a:r>
+            <a:r>
+              <a:rPr lang="en-US" sz="2400" dirty="0" err="1"/>
+              <a:t>thức</a:t>
+            </a:r>
+            <a:r>
+              <a:rPr lang="en-US" sz="2400" dirty="0"/>
+              <a:t> Client/Server </a:t>
+            </a:r>
+            <a:r>
+              <a:rPr lang="en-US" sz="2400" dirty="0" err="1"/>
+              <a:t>trong</a:t>
+            </a:r>
+            <a:r>
+              <a:rPr lang="en-US" sz="2400" dirty="0"/>
+              <a:t> World Wide Web.</a:t>
             </a:r>
           </a:p>
           <a:p>
@@ -16213,8 +17027,68 @@
               <a:buSzPct val="100000"/>
             </a:pPr>
             <a:r>
-              <a:rPr lang="en-US" sz="2400"/>
-              <a:t>Truyền tải nội dung trang Web từ Web Server đến trình duyệt Web ở Client.</a:t>
+              <a:rPr lang="en-US" sz="2400" dirty="0" err="1"/>
+              <a:t>Truyền</a:t>
+            </a:r>
+            <a:r>
+              <a:rPr lang="en-US" sz="2400" dirty="0"/>
+              <a:t> </a:t>
+            </a:r>
+            <a:r>
+              <a:rPr lang="en-US" sz="2400" dirty="0" err="1"/>
+              <a:t>tải</a:t>
+            </a:r>
+            <a:r>
+              <a:rPr lang="en-US" sz="2400" dirty="0"/>
+              <a:t> </a:t>
+            </a:r>
+            <a:r>
+              <a:rPr lang="en-US" sz="2400" dirty="0" err="1"/>
+              <a:t>nội</a:t>
+            </a:r>
+            <a:r>
+              <a:rPr lang="en-US" sz="2400" dirty="0"/>
+              <a:t> dung </a:t>
+            </a:r>
+            <a:r>
+              <a:rPr lang="en-US" sz="2400" dirty="0" err="1"/>
+              <a:t>trang</a:t>
+            </a:r>
+            <a:r>
+              <a:rPr lang="en-US" sz="2400" dirty="0"/>
+              <a:t> Web </a:t>
+            </a:r>
+            <a:r>
+              <a:rPr lang="en-US" sz="2400" dirty="0" err="1"/>
+              <a:t>từ</a:t>
+            </a:r>
+            <a:r>
+              <a:rPr lang="en-US" sz="2400" dirty="0"/>
+              <a:t> Web Server </a:t>
+            </a:r>
+            <a:r>
+              <a:rPr lang="en-US" sz="2400" dirty="0" err="1"/>
+              <a:t>đến</a:t>
+            </a:r>
+            <a:r>
+              <a:rPr lang="en-US" sz="2400" dirty="0"/>
+              <a:t> </a:t>
+            </a:r>
+            <a:r>
+              <a:rPr lang="en-US" sz="2400" dirty="0" err="1"/>
+              <a:t>trình</a:t>
+            </a:r>
+            <a:r>
+              <a:rPr lang="en-US" sz="2400" dirty="0"/>
+              <a:t> </a:t>
+            </a:r>
+            <a:r>
+              <a:rPr lang="en-US" sz="2400" dirty="0" err="1"/>
+              <a:t>duyệt</a:t>
+            </a:r>
+            <a:r>
+              <a:rPr lang="en-US" sz="2400" dirty="0"/>
+              <a:t> Web ở Client.</a:t>
             </a:r>
           </a:p>
           <a:p>
@@ -16228,8 +17102,36 @@
               <a:buSzPct val="100000"/>
             </a:pPr>
             <a:r>
-              <a:rPr lang="en-US" sz="2400"/>
-              <a:t>Cơ chế hoạt động Request-Response</a:t>
+              <a:rPr lang="en-US" sz="2400" dirty="0" err="1"/>
+              <a:t>Cơ</a:t>
+            </a:r>
+            <a:r>
+              <a:rPr lang="en-US" sz="2400" dirty="0"/>
+              <a:t> </a:t>
+            </a:r>
+            <a:r>
+              <a:rPr lang="en-US" sz="2400" dirty="0" err="1"/>
+              <a:t>chế</a:t>
+            </a:r>
+            <a:r>
+              <a:rPr lang="en-US" sz="2400" dirty="0"/>
+              <a:t> </a:t>
+            </a:r>
+            <a:r>
+              <a:rPr lang="en-US" sz="2400" dirty="0" err="1"/>
+              <a:t>hoạt</a:t>
+            </a:r>
+            <a:r>
+              <a:rPr lang="en-US" sz="2400" dirty="0"/>
+              <a:t> </a:t>
+            </a:r>
+            <a:r>
+              <a:rPr lang="en-US" sz="2400" dirty="0" err="1"/>
+              <a:t>động</a:t>
+            </a:r>
+            <a:r>
+              <a:rPr lang="en-US" sz="2400" dirty="0"/>
+              <a:t> Request-Response</a:t>
             </a:r>
           </a:p>
           <a:p>
@@ -16242,7 +17144,7 @@
               </a:spcBef>
               <a:buNone/>
             </a:pPr>
-            <a:endParaRPr sz="2400">
+            <a:endParaRPr sz="2400" dirty="0">
               <a:solidFill>
                 <a:srgbClr val="606C71"/>
               </a:solidFill>
@@ -16255,7 +17157,7 @@
               </a:spcBef>
               <a:buNone/>
             </a:pPr>
-            <a:endParaRPr sz="2400">
+            <a:endParaRPr sz="2400" dirty="0">
               <a:solidFill>
                 <a:srgbClr val="606C71"/>
               </a:solidFill>
@@ -16329,7 +17231,7 @@
             </a:pPr>
             <a:fld id="{00000000-1234-1234-1234-123412341234}" type="slidenum">
               <a:rPr lang="en-US"/>
-              <a:t>10</a:t>
+              <a:t>12</a:t>
             </a:fld>
             <a:endParaRPr lang="en-US" dirty="0"/>
           </a:p>
@@ -16340,13 +17242,13 @@
   <p:clrMapOvr>
     <a:masterClrMapping/>
   </p:clrMapOvr>
-  <mc:AlternateContent xmlns:mc="http://schemas.openxmlformats.org/markup-compatibility/2006">
-    <mc:Choice xmlns:p14="http://schemas.microsoft.com/office/powerpoint/2010/main" Requires="p14">
+  <mc:AlternateContent xmlns:mc="http://schemas.openxmlformats.org/markup-compatibility/2006" xmlns:p14="http://schemas.microsoft.com/office/powerpoint/2010/main">
+    <mc:Choice Requires="p14">
       <p:transition spd="med" p14:dur="700">
         <p:fade/>
       </p:transition>
     </mc:Choice>
-    <mc:Fallback>
+    <mc:Fallback xmlns="">
       <p:transition spd="med">
         <p:fade/>
       </p:transition>
@@ -16355,7 +17257,7 @@
 </p:sld>
 </file>
 
-<file path=ppt/slides/slide11.xml><?xml version="1.0" encoding="utf-8"?>
+<file path=ppt/slides/slide13.xml><?xml version="1.0" encoding="utf-8"?>
 <p:sld xmlns:a="http://schemas.openxmlformats.org/drawingml/2006/main" xmlns:r="http://schemas.openxmlformats.org/officeDocument/2006/relationships" xmlns:p="http://schemas.openxmlformats.org/presentationml/2006/main">
   <p:cSld>
     <p:spTree>
@@ -16537,7 +17439,7 @@
             </a:pPr>
             <a:fld id="{00000000-1234-1234-1234-123412341234}" type="slidenum">
               <a:rPr lang="en-US"/>
-              <a:t>11</a:t>
+              <a:t>13</a:t>
             </a:fld>
             <a:endParaRPr lang="en-US"/>
           </a:p>
@@ -16576,13 +17478,13 @@
   <p:clrMapOvr>
     <a:masterClrMapping/>
   </p:clrMapOvr>
-  <mc:AlternateContent xmlns:mc="http://schemas.openxmlformats.org/markup-compatibility/2006">
-    <mc:Choice xmlns:p14="http://schemas.microsoft.com/office/powerpoint/2010/main" Requires="p14">
+  <mc:AlternateContent xmlns:mc="http://schemas.openxmlformats.org/markup-compatibility/2006" xmlns:p14="http://schemas.microsoft.com/office/powerpoint/2010/main">
+    <mc:Choice Requires="p14">
       <p:transition spd="med" p14:dur="700">
         <p:fade/>
       </p:transition>
     </mc:Choice>
-    <mc:Fallback>
+    <mc:Fallback xmlns="">
       <p:transition spd="med">
         <p:fade/>
       </p:transition>
@@ -16591,7 +17493,7 @@
 </p:sld>
 </file>
 
-<file path=ppt/slides/slide12.xml><?xml version="1.0" encoding="utf-8"?>
+<file path=ppt/slides/slide14.xml><?xml version="1.0" encoding="utf-8"?>
 <p:sld xmlns:a="http://schemas.openxmlformats.org/drawingml/2006/main" xmlns:r="http://schemas.openxmlformats.org/officeDocument/2006/relationships" xmlns:p="http://schemas.openxmlformats.org/presentationml/2006/main">
   <p:cSld>
     <p:spTree>
@@ -16776,7 +17678,7 @@
             </a:pPr>
             <a:fld id="{00000000-1234-1234-1234-123412341234}" type="slidenum">
               <a:rPr lang="en-US"/>
-              <a:t>12</a:t>
+              <a:t>14</a:t>
             </a:fld>
             <a:endParaRPr lang="en-US"/>
           </a:p>
@@ -16787,13 +17689,13 @@
   <p:clrMapOvr>
     <a:masterClrMapping/>
   </p:clrMapOvr>
-  <mc:AlternateContent xmlns:mc="http://schemas.openxmlformats.org/markup-compatibility/2006">
-    <mc:Choice xmlns:p14="http://schemas.microsoft.com/office/powerpoint/2010/main" Requires="p14">
+  <mc:AlternateContent xmlns:mc="http://schemas.openxmlformats.org/markup-compatibility/2006" xmlns:p14="http://schemas.microsoft.com/office/powerpoint/2010/main">
+    <mc:Choice Requires="p14">
       <p:transition spd="med" p14:dur="700">
         <p:fade/>
       </p:transition>
     </mc:Choice>
-    <mc:Fallback>
+    <mc:Fallback xmlns="">
       <p:transition spd="med">
         <p:fade/>
       </p:transition>
@@ -16802,7 +17704,7 @@
 </p:sld>
 </file>
 
-<file path=ppt/slides/slide13.xml><?xml version="1.0" encoding="utf-8"?>
+<file path=ppt/slides/slide15.xml><?xml version="1.0" encoding="utf-8"?>
 <p:sld xmlns:a="http://schemas.openxmlformats.org/drawingml/2006/main" xmlns:r="http://schemas.openxmlformats.org/officeDocument/2006/relationships" xmlns:p="http://schemas.openxmlformats.org/presentationml/2006/main">
   <p:cSld>
     <p:spTree>
@@ -16964,7 +17866,7 @@
             </a:pPr>
             <a:fld id="{00000000-1234-1234-1234-123412341234}" type="slidenum">
               <a:rPr lang="en-US"/>
-              <a:t>13</a:t>
+              <a:t>15</a:t>
             </a:fld>
             <a:endParaRPr lang="en-US"/>
           </a:p>
@@ -17003,13 +17905,13 @@
   <p:clrMapOvr>
     <a:masterClrMapping/>
   </p:clrMapOvr>
-  <mc:AlternateContent xmlns:mc="http://schemas.openxmlformats.org/markup-compatibility/2006">
-    <mc:Choice xmlns:p14="http://schemas.microsoft.com/office/powerpoint/2010/main" Requires="p14">
+  <mc:AlternateContent xmlns:mc="http://schemas.openxmlformats.org/markup-compatibility/2006" xmlns:p14="http://schemas.microsoft.com/office/powerpoint/2010/main">
+    <mc:Choice Requires="p14">
       <p:transition spd="med" p14:dur="700">
         <p:fade/>
       </p:transition>
     </mc:Choice>
-    <mc:Fallback>
+    <mc:Fallback xmlns="">
       <p:transition spd="med">
         <p:fade/>
       </p:transition>
@@ -17018,7 +17920,7 @@
 </p:sld>
 </file>
 
-<file path=ppt/slides/slide14.xml><?xml version="1.0" encoding="utf-8"?>
+<file path=ppt/slides/slide16.xml><?xml version="1.0" encoding="utf-8"?>
 <p:sld xmlns:a="http://schemas.openxmlformats.org/drawingml/2006/main" xmlns:r="http://schemas.openxmlformats.org/officeDocument/2006/relationships" xmlns:p="http://schemas.openxmlformats.org/presentationml/2006/main">
   <p:cSld>
     <p:spTree>
@@ -17187,7 +18089,7 @@
             </a:pPr>
             <a:fld id="{00000000-1234-1234-1234-123412341234}" type="slidenum">
               <a:rPr lang="en-US"/>
-              <a:t>14</a:t>
+              <a:t>16</a:t>
             </a:fld>
             <a:endParaRPr lang="en-US"/>
           </a:p>
@@ -17226,13 +18128,13 @@
   <p:clrMapOvr>
     <a:masterClrMapping/>
   </p:clrMapOvr>
-  <mc:AlternateContent xmlns:mc="http://schemas.openxmlformats.org/markup-compatibility/2006">
-    <mc:Choice xmlns:p14="http://schemas.microsoft.com/office/powerpoint/2010/main" Requires="p14">
+  <mc:AlternateContent xmlns:mc="http://schemas.openxmlformats.org/markup-compatibility/2006" xmlns:p14="http://schemas.microsoft.com/office/powerpoint/2010/main">
+    <mc:Choice Requires="p14">
       <p:transition spd="med" p14:dur="700">
         <p:fade/>
       </p:transition>
     </mc:Choice>
-    <mc:Fallback>
+    <mc:Fallback xmlns="">
       <p:transition spd="med">
         <p:fade/>
       </p:transition>
@@ -17241,7 +18143,7 @@
 </p:sld>
 </file>
 
-<file path=ppt/slides/slide15.xml><?xml version="1.0" encoding="utf-8"?>
+<file path=ppt/slides/slide17.xml><?xml version="1.0" encoding="utf-8"?>
 <p:sld xmlns:a="http://schemas.openxmlformats.org/drawingml/2006/main" xmlns:r="http://schemas.openxmlformats.org/officeDocument/2006/relationships" xmlns:p="http://schemas.openxmlformats.org/presentationml/2006/main">
   <p:cSld>
     <p:spTree>
@@ -17372,7 +18274,7 @@
             </a:pPr>
             <a:fld id="{00000000-1234-1234-1234-123412341234}" type="slidenum">
               <a:rPr lang="en-US"/>
-              <a:t>15</a:t>
+              <a:t>17</a:t>
             </a:fld>
             <a:endParaRPr lang="en-US" dirty="0"/>
           </a:p>
@@ -17411,13 +18313,13 @@
   <p:clrMapOvr>
     <a:masterClrMapping/>
   </p:clrMapOvr>
-  <mc:AlternateContent xmlns:mc="http://schemas.openxmlformats.org/markup-compatibility/2006">
-    <mc:Choice xmlns:p14="http://schemas.microsoft.com/office/powerpoint/2010/main" Requires="p14">
+  <mc:AlternateContent xmlns:mc="http://schemas.openxmlformats.org/markup-compatibility/2006" xmlns:p14="http://schemas.microsoft.com/office/powerpoint/2010/main">
+    <mc:Choice Requires="p14">
       <p:transition spd="med" p14:dur="700">
         <p:fade/>
       </p:transition>
     </mc:Choice>
-    <mc:Fallback>
+    <mc:Fallback xmlns="">
       <p:transition spd="med">
         <p:fade/>
       </p:transition>
@@ -17426,7 +18328,7 @@
 </p:sld>
 </file>
 
-<file path=ppt/slides/slide16.xml><?xml version="1.0" encoding="utf-8"?>
+<file path=ppt/slides/slide18.xml><?xml version="1.0" encoding="utf-8"?>
 <p:sld xmlns:a="http://schemas.openxmlformats.org/drawingml/2006/main" xmlns:r="http://schemas.openxmlformats.org/officeDocument/2006/relationships" xmlns:p="http://schemas.openxmlformats.org/presentationml/2006/main">
   <p:cSld>
     <p:spTree>
@@ -17543,7 +18445,7 @@
             </a:pPr>
             <a:fld id="{00000000-1234-1234-1234-123412341234}" type="slidenum">
               <a:rPr lang="en-US"/>
-              <a:t>16</a:t>
+              <a:t>18</a:t>
             </a:fld>
             <a:endParaRPr lang="en-US" dirty="0"/>
           </a:p>
@@ -17634,13 +18536,13 @@
   <p:clrMapOvr>
     <a:masterClrMapping/>
   </p:clrMapOvr>
-  <mc:AlternateContent xmlns:mc="http://schemas.openxmlformats.org/markup-compatibility/2006">
-    <mc:Choice xmlns:p14="http://schemas.microsoft.com/office/powerpoint/2010/main" Requires="p14">
+  <mc:AlternateContent xmlns:mc="http://schemas.openxmlformats.org/markup-compatibility/2006" xmlns:p14="http://schemas.microsoft.com/office/powerpoint/2010/main">
+    <mc:Choice Requires="p14">
       <p:transition spd="med" p14:dur="700">
         <p:fade/>
       </p:transition>
     </mc:Choice>
-    <mc:Fallback>
+    <mc:Fallback xmlns="">
       <p:transition spd="med">
         <p:fade/>
       </p:transition>
@@ -17649,7 +18551,7 @@
 </p:sld>
 </file>
 
-<file path=ppt/slides/slide17.xml><?xml version="1.0" encoding="utf-8"?>
+<file path=ppt/slides/slide19.xml><?xml version="1.0" encoding="utf-8"?>
 <p:sld xmlns:a="http://schemas.openxmlformats.org/drawingml/2006/main" xmlns:r="http://schemas.openxmlformats.org/officeDocument/2006/relationships" xmlns:p="http://schemas.openxmlformats.org/presentationml/2006/main">
   <p:cSld>
     <p:spTree>
@@ -17761,7 +18663,7 @@
             </a:pPr>
             <a:fld id="{00000000-1234-1234-1234-123412341234}" type="slidenum">
               <a:rPr lang="en-US"/>
-              <a:t>17</a:t>
+              <a:t>19</a:t>
             </a:fld>
             <a:endParaRPr lang="en-US" dirty="0"/>
           </a:p>
@@ -17855,479 +18757,13 @@
   <p:clrMapOvr>
     <a:masterClrMapping/>
   </p:clrMapOvr>
-  <mc:AlternateContent xmlns:mc="http://schemas.openxmlformats.org/markup-compatibility/2006">
-    <mc:Choice xmlns:p14="http://schemas.microsoft.com/office/powerpoint/2010/main" Requires="p14">
+  <mc:AlternateContent xmlns:mc="http://schemas.openxmlformats.org/markup-compatibility/2006" xmlns:p14="http://schemas.microsoft.com/office/powerpoint/2010/main">
+    <mc:Choice Requires="p14">
       <p:transition spd="med" p14:dur="700">
         <p:fade/>
       </p:transition>
     </mc:Choice>
-    <mc:Fallback>
-      <p:transition spd="med">
-        <p:fade/>
-      </p:transition>
-    </mc:Fallback>
-  </mc:AlternateContent>
-</p:sld>
-</file>
-
-<file path=ppt/slides/slide18.xml><?xml version="1.0" encoding="utf-8"?>
-<p:sld xmlns:a="http://schemas.openxmlformats.org/drawingml/2006/main" xmlns:r="http://schemas.openxmlformats.org/officeDocument/2006/relationships" xmlns:p="http://schemas.openxmlformats.org/presentationml/2006/main">
-  <p:cSld>
-    <p:spTree>
-      <p:nvGrpSpPr>
-        <p:cNvPr id="1" name="Shape 278"/>
-        <p:cNvGrpSpPr/>
-        <p:nvPr/>
-      </p:nvGrpSpPr>
-      <p:grpSpPr>
-        <a:xfrm>
-          <a:off x="0" y="0"/>
-          <a:ext cx="0" cy="0"/>
-          <a:chOff x="0" y="0"/>
-          <a:chExt cx="0" cy="0"/>
-        </a:xfrm>
-      </p:grpSpPr>
-      <p:sp>
-        <p:nvSpPr>
-          <p:cNvPr id="279" name="Shape 279"/>
-          <p:cNvSpPr txBox="1">
-            <a:spLocks noGrp="1"/>
-          </p:cNvSpPr>
-          <p:nvPr>
-            <p:ph type="title"/>
-          </p:nvPr>
-        </p:nvSpPr>
-        <p:spPr>
-          <a:xfrm>
-            <a:off x="1065212" y="533400"/>
-            <a:ext cx="8686800" cy="1066799"/>
-          </a:xfrm>
-          <a:prstGeom prst="rect">
-            <a:avLst/>
-          </a:prstGeom>
-          <a:noFill/>
-          <a:ln>
-            <a:noFill/>
-          </a:ln>
-        </p:spPr>
-        <p:txBody>
-          <a:bodyPr lIns="91425" tIns="45700" rIns="91425" bIns="45700" anchor="b" anchorCtr="0">
-            <a:noAutofit/>
-          </a:bodyPr>
-          <a:lstStyle/>
-          <a:p>
-            <a:pPr lvl="0" rtl="0">
-              <a:spcBef>
-                <a:spcPts val="0"/>
-              </a:spcBef>
-              <a:buClr>
-                <a:srgbClr val="0082B3"/>
-              </a:buClr>
-              <a:buSzPct val="25000"/>
-              <a:buFont typeface="Source Sans Pro"/>
-              <a:buNone/>
-            </a:pPr>
-            <a:r>
-              <a:rPr lang="en-US">
-                <a:latin typeface="Arial"/>
-                <a:ea typeface="Arial"/>
-                <a:cs typeface="Arial"/>
-                <a:sym typeface="Arial"/>
-              </a:rPr>
-              <a:t>4. Web Server using Express module</a:t>
-            </a:r>
-          </a:p>
-        </p:txBody>
-      </p:sp>
-      <p:sp>
-        <p:nvSpPr>
-          <p:cNvPr id="280" name="Shape 280"/>
-          <p:cNvSpPr txBox="1">
-            <a:spLocks noGrp="1"/>
-          </p:cNvSpPr>
-          <p:nvPr>
-            <p:ph type="sldNum" idx="12"/>
-          </p:nvPr>
-        </p:nvSpPr>
-        <p:spPr>
-          <a:xfrm>
-            <a:off x="11164711" y="260350"/>
-            <a:ext cx="473038" cy="588000"/>
-          </a:xfrm>
-          <a:prstGeom prst="rect">
-            <a:avLst/>
-          </a:prstGeom>
-          <a:noFill/>
-          <a:ln>
-            <a:noFill/>
-          </a:ln>
-        </p:spPr>
-        <p:txBody>
-          <a:bodyPr lIns="91425" tIns="45700" rIns="91425" bIns="45700" anchor="ctr" anchorCtr="0">
-            <a:noAutofit/>
-          </a:bodyPr>
-          <a:lstStyle/>
-          <a:p>
-            <a:pPr lvl="0" rtl="0">
-              <a:spcBef>
-                <a:spcPts val="0"/>
-              </a:spcBef>
-              <a:buClr>
-                <a:srgbClr val="000000"/>
-              </a:buClr>
-              <a:buSzPct val="25000"/>
-              <a:buFont typeface="Arial"/>
-              <a:buNone/>
-            </a:pPr>
-            <a:fld id="{00000000-1234-1234-1234-123412341234}" type="slidenum">
-              <a:rPr lang="en-US"/>
-              <a:t>18</a:t>
-            </a:fld>
-            <a:endParaRPr lang="en-US"/>
-          </a:p>
-        </p:txBody>
-      </p:sp>
-      <p:sp>
-        <p:nvSpPr>
-          <p:cNvPr id="281" name="Shape 281"/>
-          <p:cNvSpPr txBox="1"/>
-          <p:nvPr/>
-        </p:nvSpPr>
-        <p:spPr>
-          <a:xfrm>
-            <a:off x="1259650" y="1866125"/>
-            <a:ext cx="7449000" cy="870900"/>
-          </a:xfrm>
-          <a:prstGeom prst="rect">
-            <a:avLst/>
-          </a:prstGeom>
-          <a:noFill/>
-          <a:ln>
-            <a:noFill/>
-          </a:ln>
-        </p:spPr>
-        <p:txBody>
-          <a:bodyPr lIns="91425" tIns="91425" rIns="91425" bIns="91425" anchor="t" anchorCtr="0">
-            <a:noAutofit/>
-          </a:bodyPr>
-          <a:lstStyle/>
-          <a:p>
-            <a:pPr lvl="0">
-              <a:spcBef>
-                <a:spcPts val="0"/>
-              </a:spcBef>
-              <a:buNone/>
-            </a:pPr>
-            <a:endParaRPr/>
-          </a:p>
-        </p:txBody>
-      </p:sp>
-      <p:pic>
-        <p:nvPicPr>
-          <p:cNvPr id="282" name="Shape 282"/>
-          <p:cNvPicPr preferRelativeResize="0"/>
-          <p:nvPr/>
-        </p:nvPicPr>
-        <p:blipFill rotWithShape="1">
-          <a:blip r:embed="rId3">
-            <a:alphaModFix/>
-          </a:blip>
-          <a:srcRect r="29666"/>
-          <a:stretch/>
-        </p:blipFill>
-        <p:spPr>
-          <a:xfrm>
-            <a:off x="4799600" y="2040264"/>
-            <a:ext cx="6274800" cy="4450775"/>
-          </a:xfrm>
-          <a:prstGeom prst="rect">
-            <a:avLst/>
-          </a:prstGeom>
-          <a:noFill/>
-          <a:ln>
-            <a:noFill/>
-          </a:ln>
-        </p:spPr>
-      </p:pic>
-      <p:sp>
-        <p:nvSpPr>
-          <p:cNvPr id="283" name="Shape 283"/>
-          <p:cNvSpPr txBox="1">
-            <a:spLocks noGrp="1"/>
-          </p:cNvSpPr>
-          <p:nvPr>
-            <p:ph type="body" idx="1"/>
-          </p:nvPr>
-        </p:nvSpPr>
-        <p:spPr>
-          <a:xfrm>
-            <a:off x="1065206" y="1828800"/>
-            <a:ext cx="3720600" cy="4239900"/>
-          </a:xfrm>
-          <a:prstGeom prst="rect">
-            <a:avLst/>
-          </a:prstGeom>
-        </p:spPr>
-        <p:txBody>
-          <a:bodyPr lIns="91425" tIns="91425" rIns="91425" bIns="91425" anchor="t" anchorCtr="0">
-            <a:noAutofit/>
-          </a:bodyPr>
-          <a:lstStyle/>
-          <a:p>
-            <a:pPr marL="0" lvl="0" indent="-69850" rtl="0">
-              <a:spcBef>
-                <a:spcPts val="0"/>
-              </a:spcBef>
-              <a:buClr>
-                <a:schemeClr val="dk1"/>
-              </a:buClr>
-              <a:buSzPct val="45833"/>
-              <a:buFont typeface="Arial"/>
-              <a:buNone/>
-            </a:pPr>
-            <a:r>
-              <a:rPr lang="en-US" sz="2400"/>
-              <a:t>Cài đặt module Express</a:t>
-            </a:r>
-          </a:p>
-          <a:p>
-            <a:pPr marL="0" lvl="0" indent="-69850" rtl="0">
-              <a:spcBef>
-                <a:spcPts val="0"/>
-              </a:spcBef>
-              <a:buClr>
-                <a:schemeClr val="dk1"/>
-              </a:buClr>
-              <a:buSzPct val="45833"/>
-              <a:buFont typeface="Arial"/>
-              <a:buNone/>
-            </a:pPr>
-            <a:r>
-              <a:rPr lang="en-US" sz="2400" b="1"/>
-              <a:t>$ npm install express</a:t>
-            </a:r>
-          </a:p>
-          <a:p>
-            <a:pPr marL="0" lvl="0" indent="-69850" rtl="0">
-              <a:spcBef>
-                <a:spcPts val="0"/>
-              </a:spcBef>
-              <a:buClr>
-                <a:schemeClr val="dk1"/>
-              </a:buClr>
-              <a:buSzPct val="45833"/>
-              <a:buFont typeface="Arial"/>
-              <a:buNone/>
-            </a:pPr>
-            <a:endParaRPr sz="2400"/>
-          </a:p>
-          <a:p>
-            <a:pPr lvl="0">
-              <a:spcBef>
-                <a:spcPts val="0"/>
-              </a:spcBef>
-              <a:buNone/>
-            </a:pPr>
-            <a:endParaRPr sz="2400"/>
-          </a:p>
-        </p:txBody>
-      </p:sp>
-    </p:spTree>
-  </p:cSld>
-  <p:clrMapOvr>
-    <a:masterClrMapping/>
-  </p:clrMapOvr>
-  <mc:AlternateContent xmlns:mc="http://schemas.openxmlformats.org/markup-compatibility/2006">
-    <mc:Choice xmlns:p14="http://schemas.microsoft.com/office/powerpoint/2010/main" Requires="p14">
-      <p:transition spd="med" p14:dur="700">
-        <p:fade/>
-      </p:transition>
-    </mc:Choice>
-    <mc:Fallback>
-      <p:transition spd="med">
-        <p:fade/>
-      </p:transition>
-    </mc:Fallback>
-  </mc:AlternateContent>
-</p:sld>
-</file>
-
-<file path=ppt/slides/slide19.xml><?xml version="1.0" encoding="utf-8"?>
-<p:sld xmlns:a="http://schemas.openxmlformats.org/drawingml/2006/main" xmlns:r="http://schemas.openxmlformats.org/officeDocument/2006/relationships" xmlns:p="http://schemas.openxmlformats.org/presentationml/2006/main">
-  <p:cSld>
-    <p:spTree>
-      <p:nvGrpSpPr>
-        <p:cNvPr id="1" name="Shape 287"/>
-        <p:cNvGrpSpPr/>
-        <p:nvPr/>
-      </p:nvGrpSpPr>
-      <p:grpSpPr>
-        <a:xfrm>
-          <a:off x="0" y="0"/>
-          <a:ext cx="0" cy="0"/>
-          <a:chOff x="0" y="0"/>
-          <a:chExt cx="0" cy="0"/>
-        </a:xfrm>
-      </p:grpSpPr>
-      <p:sp>
-        <p:nvSpPr>
-          <p:cNvPr id="288" name="Shape 288"/>
-          <p:cNvSpPr txBox="1">
-            <a:spLocks noGrp="1"/>
-          </p:cNvSpPr>
-          <p:nvPr>
-            <p:ph type="sldNum" idx="12"/>
-          </p:nvPr>
-        </p:nvSpPr>
-        <p:spPr>
-          <a:xfrm>
-            <a:off x="11119556" y="260350"/>
-            <a:ext cx="518193" cy="588000"/>
-          </a:xfrm>
-          <a:prstGeom prst="rect">
-            <a:avLst/>
-          </a:prstGeom>
-          <a:noFill/>
-          <a:ln>
-            <a:noFill/>
-          </a:ln>
-        </p:spPr>
-        <p:txBody>
-          <a:bodyPr lIns="91425" tIns="45700" rIns="91425" bIns="45700" anchor="ctr" anchorCtr="0">
-            <a:noAutofit/>
-          </a:bodyPr>
-          <a:lstStyle/>
-          <a:p>
-            <a:pPr lvl="0" rtl="0">
-              <a:spcBef>
-                <a:spcPts val="0"/>
-              </a:spcBef>
-              <a:buNone/>
-            </a:pPr>
-            <a:fld id="{00000000-1234-1234-1234-123412341234}" type="slidenum">
-              <a:rPr lang="en-US"/>
-              <a:t>19</a:t>
-            </a:fld>
-            <a:endParaRPr lang="en-US" dirty="0"/>
-          </a:p>
-        </p:txBody>
-      </p:sp>
-      <p:sp>
-        <p:nvSpPr>
-          <p:cNvPr id="289" name="Shape 289"/>
-          <p:cNvSpPr txBox="1">
-            <a:spLocks noGrp="1"/>
-          </p:cNvSpPr>
-          <p:nvPr>
-            <p:ph type="title"/>
-          </p:nvPr>
-        </p:nvSpPr>
-        <p:spPr>
-          <a:xfrm>
-            <a:off x="1065212" y="533400"/>
-            <a:ext cx="8686800" cy="1066800"/>
-          </a:xfrm>
-          <a:prstGeom prst="rect">
-            <a:avLst/>
-          </a:prstGeom>
-        </p:spPr>
-        <p:txBody>
-          <a:bodyPr lIns="91425" tIns="91425" rIns="91425" bIns="91425" anchor="b" anchorCtr="0">
-            <a:noAutofit/>
-          </a:bodyPr>
-          <a:lstStyle/>
-          <a:p>
-            <a:pPr lvl="0" rtl="0">
-              <a:spcBef>
-                <a:spcPts val="0"/>
-              </a:spcBef>
-              <a:buNone/>
-            </a:pPr>
-            <a:r>
-              <a:rPr lang="en-US"/>
-              <a:t>4. Web Server using Express module</a:t>
-            </a:r>
-          </a:p>
-        </p:txBody>
-      </p:sp>
-      <p:sp>
-        <p:nvSpPr>
-          <p:cNvPr id="290" name="Shape 290"/>
-          <p:cNvSpPr txBox="1">
-            <a:spLocks noGrp="1"/>
-          </p:cNvSpPr>
-          <p:nvPr>
-            <p:ph type="body" idx="1"/>
-          </p:nvPr>
-        </p:nvSpPr>
-        <p:spPr>
-          <a:xfrm>
-            <a:off x="1142987" y="1600200"/>
-            <a:ext cx="8686800" cy="4191000"/>
-          </a:xfrm>
-          <a:prstGeom prst="rect">
-            <a:avLst/>
-          </a:prstGeom>
-        </p:spPr>
-        <p:txBody>
-          <a:bodyPr lIns="91425" tIns="91425" rIns="91425" bIns="91425" anchor="t" anchorCtr="0">
-            <a:noAutofit/>
-          </a:bodyPr>
-          <a:lstStyle/>
-          <a:p>
-            <a:pPr marL="0" lvl="0" indent="0" rtl="0">
-              <a:spcBef>
-                <a:spcPts val="0"/>
-              </a:spcBef>
-              <a:buNone/>
-            </a:pPr>
-            <a:r>
-              <a:rPr lang="en-US" sz="2400"/>
-              <a:t>Tạo file test.js:</a:t>
-            </a:r>
-          </a:p>
-        </p:txBody>
-      </p:sp>
-      <p:pic>
-        <p:nvPicPr>
-          <p:cNvPr id="291" name="Shape 291"/>
-          <p:cNvPicPr preferRelativeResize="0"/>
-          <p:nvPr/>
-        </p:nvPicPr>
-        <p:blipFill>
-          <a:blip r:embed="rId3">
-            <a:alphaModFix/>
-          </a:blip>
-          <a:stretch>
-            <a:fillRect/>
-          </a:stretch>
-        </p:blipFill>
-        <p:spPr>
-          <a:xfrm>
-            <a:off x="3706748" y="1789300"/>
-            <a:ext cx="6725800" cy="4116999"/>
-          </a:xfrm>
-          <a:prstGeom prst="rect">
-            <a:avLst/>
-          </a:prstGeom>
-          <a:noFill/>
-          <a:ln>
-            <a:noFill/>
-          </a:ln>
-        </p:spPr>
-      </p:pic>
-    </p:spTree>
-  </p:cSld>
-  <p:clrMapOvr>
-    <a:masterClrMapping/>
-  </p:clrMapOvr>
-  <mc:AlternateContent xmlns:mc="http://schemas.openxmlformats.org/markup-compatibility/2006">
-    <mc:Choice xmlns:p14="http://schemas.microsoft.com/office/powerpoint/2010/main" Requires="p14">
-      <p:transition spd="med" p14:dur="700">
-        <p:fade/>
-      </p:transition>
-    </mc:Choice>
-    <mc:Fallback>
+    <mc:Fallback xmlns="">
       <p:transition spd="med">
         <p:fade/>
       </p:transition>
@@ -18458,13 +18894,106 @@
               <a:buAutoNum type="arabicPeriod"/>
             </a:pPr>
             <a:r>
-              <a:rPr lang="en-US" sz="2400" b="1" i="0" u="none" strike="noStrike" cap="none">
+              <a:rPr lang="en-US" sz="2400" b="1" i="0" u="none" strike="noStrike" cap="none" dirty="0">
                 <a:solidFill>
                   <a:srgbClr val="595959"/>
                 </a:solidFill>
               </a:rPr>
-              <a:t>Node.js là gì và cách cài đặt</a:t>
-            </a:r>
+              <a:t>Node.js </a:t>
+            </a:r>
+            <a:r>
+              <a:rPr lang="en-US" sz="2400" b="1" i="0" u="none" strike="noStrike" cap="none" dirty="0" err="1">
+                <a:solidFill>
+                  <a:srgbClr val="595959"/>
+                </a:solidFill>
+              </a:rPr>
+              <a:t>là</a:t>
+            </a:r>
+            <a:r>
+              <a:rPr lang="en-US" sz="2400" b="1" i="0" u="none" strike="noStrike" cap="none" dirty="0">
+                <a:solidFill>
+                  <a:srgbClr val="595959"/>
+                </a:solidFill>
+              </a:rPr>
+              <a:t> </a:t>
+            </a:r>
+            <a:r>
+              <a:rPr lang="en-US" sz="2400" b="1" i="0" u="none" strike="noStrike" cap="none" dirty="0" err="1">
+                <a:solidFill>
+                  <a:srgbClr val="595959"/>
+                </a:solidFill>
+              </a:rPr>
+              <a:t>gì</a:t>
+            </a:r>
+            <a:r>
+              <a:rPr lang="en-US" sz="2400" b="1" i="0" u="none" strike="noStrike" cap="none" dirty="0">
+                <a:solidFill>
+                  <a:srgbClr val="595959"/>
+                </a:solidFill>
+              </a:rPr>
+              <a:t> </a:t>
+            </a:r>
+            <a:r>
+              <a:rPr lang="en-US" sz="2400" b="1" i="0" u="none" strike="noStrike" cap="none" dirty="0" err="1">
+                <a:solidFill>
+                  <a:srgbClr val="595959"/>
+                </a:solidFill>
+              </a:rPr>
+              <a:t>và</a:t>
+            </a:r>
+            <a:r>
+              <a:rPr lang="en-US" sz="2400" b="1" i="0" u="none" strike="noStrike" cap="none" dirty="0">
+                <a:solidFill>
+                  <a:srgbClr val="595959"/>
+                </a:solidFill>
+              </a:rPr>
+              <a:t> </a:t>
+            </a:r>
+            <a:r>
+              <a:rPr lang="en-US" sz="2400" b="1" i="0" u="none" strike="noStrike" cap="none" dirty="0" err="1">
+                <a:solidFill>
+                  <a:srgbClr val="595959"/>
+                </a:solidFill>
+              </a:rPr>
+              <a:t>cách</a:t>
+            </a:r>
+            <a:r>
+              <a:rPr lang="en-US" sz="2400" b="1" i="0" u="none" strike="noStrike" cap="none" dirty="0">
+                <a:solidFill>
+                  <a:srgbClr val="595959"/>
+                </a:solidFill>
+              </a:rPr>
+              <a:t> </a:t>
+            </a:r>
+            <a:r>
+              <a:rPr lang="en-US" sz="2400" b="1" i="0" u="none" strike="noStrike" cap="none" dirty="0" err="1">
+                <a:solidFill>
+                  <a:srgbClr val="595959"/>
+                </a:solidFill>
+              </a:rPr>
+              <a:t>cài</a:t>
+            </a:r>
+            <a:r>
+              <a:rPr lang="en-US" sz="2400" b="1" i="0" u="none" strike="noStrike" cap="none" dirty="0">
+                <a:solidFill>
+                  <a:srgbClr val="595959"/>
+                </a:solidFill>
+              </a:rPr>
+              <a:t> </a:t>
+            </a:r>
+            <a:r>
+              <a:rPr lang="en-US" sz="2400" b="1" i="0" u="none" strike="noStrike" cap="none" dirty="0" err="1">
+                <a:solidFill>
+                  <a:srgbClr val="595959"/>
+                </a:solidFill>
+              </a:rPr>
+              <a:t>đặt</a:t>
+            </a:r>
+            <a:endParaRPr lang="en-US" sz="2400" b="1" i="0" u="none" strike="noStrike" cap="none" dirty="0">
+              <a:solidFill>
+                <a:srgbClr val="595959"/>
+              </a:solidFill>
+            </a:endParaRPr>
           </a:p>
           <a:p>
             <a:pPr marL="274320" marR="0" lvl="0" indent="-287020" algn="l" rtl="0">
@@ -18485,7 +19014,7 @@
               <a:buAutoNum type="arabicPeriod"/>
             </a:pPr>
             <a:r>
-              <a:rPr lang="en-US" sz="2400" b="1" i="0" u="none" strike="noStrike" cap="none">
+              <a:rPr lang="en-US" sz="2400" b="1" i="0" u="none" strike="noStrike" cap="none" dirty="0">
                 <a:solidFill>
                   <a:srgbClr val="595959"/>
                 </a:solidFill>
@@ -18512,7 +19041,7 @@
               <a:buAutoNum type="arabicPeriod"/>
             </a:pPr>
             <a:r>
-              <a:rPr lang="en-US" sz="2400" b="1" i="0" u="none" strike="noStrike" cap="none">
+              <a:rPr lang="en-US" sz="2400" b="1" i="0" u="none" strike="noStrike" cap="none" dirty="0">
                 <a:solidFill>
                   <a:srgbClr val="595959"/>
                 </a:solidFill>
@@ -18539,7 +19068,7 @@
               <a:buAutoNum type="arabicPeriod"/>
             </a:pPr>
             <a:r>
-              <a:rPr lang="en-US" sz="2400" b="1" i="0" u="none" strike="noStrike" cap="none">
+              <a:rPr lang="en-US" sz="2400" b="1" i="0" u="none" strike="noStrike" cap="none" dirty="0">
                 <a:solidFill>
                   <a:srgbClr val="595959"/>
                 </a:solidFill>
@@ -18566,7 +19095,7 @@
               <a:buAutoNum type="arabicPeriod"/>
             </a:pPr>
             <a:r>
-              <a:rPr lang="en-US" sz="2400" b="1" i="0" u="none" strike="noStrike" cap="none">
+              <a:rPr lang="en-US" sz="2400" b="1" i="0" u="none" strike="noStrike" cap="none" dirty="0">
                 <a:solidFill>
                   <a:srgbClr val="595959"/>
                 </a:solidFill>
@@ -18590,12 +19119,28 @@
               <a:buAutoNum type="arabicPeriod"/>
             </a:pPr>
             <a:r>
-              <a:rPr lang="en-US" sz="2400" b="1" i="0" u="none" strike="noStrike" cap="none">
+              <a:rPr lang="en-US" sz="2400" b="1" i="0" u="none" strike="noStrike" cap="none" dirty="0">
                 <a:solidFill>
                   <a:srgbClr val="595959"/>
                 </a:solidFill>
               </a:rPr>
-              <a:t>Deploy on Heroku</a:t>
+              <a:t>Deploy on Heroku </a:t>
+            </a:r>
+            <a:r>
+              <a:rPr lang="en-US" sz="2400" b="1" i="0" u="none" strike="noStrike" cap="none" dirty="0" err="1">
+                <a:solidFill>
+                  <a:srgbClr val="595959"/>
+                </a:solidFill>
+              </a:rPr>
+              <a:t>và</a:t>
+            </a:r>
+            <a:r>
+              <a:rPr lang="en-US" sz="2400" b="1" i="0" u="none" strike="noStrike" cap="none" dirty="0">
+                <a:solidFill>
+                  <a:srgbClr val="595959"/>
+                </a:solidFill>
+              </a:rPr>
+              <a:t> Demo</a:t>
             </a:r>
           </a:p>
         </p:txBody>
@@ -18659,13 +19204,13 @@
   <p:clrMapOvr>
     <a:masterClrMapping/>
   </p:clrMapOvr>
-  <mc:AlternateContent xmlns:mc="http://schemas.openxmlformats.org/markup-compatibility/2006">
-    <mc:Choice xmlns:p14="http://schemas.microsoft.com/office/powerpoint/2010/main" Requires="p14">
+  <mc:AlternateContent xmlns:mc="http://schemas.openxmlformats.org/markup-compatibility/2006" xmlns:p14="http://schemas.microsoft.com/office/powerpoint/2010/main">
+    <mc:Choice Requires="p14">
       <p:transition spd="med" p14:dur="700">
         <p:fade/>
       </p:transition>
     </mc:Choice>
-    <mc:Fallback>
+    <mc:Fallback xmlns="">
       <p:transition spd="med">
         <p:fade/>
       </p:transition>
@@ -18675,6 +19220,472 @@
 </file>
 
 <file path=ppt/slides/slide20.xml><?xml version="1.0" encoding="utf-8"?>
+<p:sld xmlns:a="http://schemas.openxmlformats.org/drawingml/2006/main" xmlns:r="http://schemas.openxmlformats.org/officeDocument/2006/relationships" xmlns:p="http://schemas.openxmlformats.org/presentationml/2006/main">
+  <p:cSld>
+    <p:spTree>
+      <p:nvGrpSpPr>
+        <p:cNvPr id="1" name="Shape 278"/>
+        <p:cNvGrpSpPr/>
+        <p:nvPr/>
+      </p:nvGrpSpPr>
+      <p:grpSpPr>
+        <a:xfrm>
+          <a:off x="0" y="0"/>
+          <a:ext cx="0" cy="0"/>
+          <a:chOff x="0" y="0"/>
+          <a:chExt cx="0" cy="0"/>
+        </a:xfrm>
+      </p:grpSpPr>
+      <p:sp>
+        <p:nvSpPr>
+          <p:cNvPr id="279" name="Shape 279"/>
+          <p:cNvSpPr txBox="1">
+            <a:spLocks noGrp="1"/>
+          </p:cNvSpPr>
+          <p:nvPr>
+            <p:ph type="title"/>
+          </p:nvPr>
+        </p:nvSpPr>
+        <p:spPr>
+          <a:xfrm>
+            <a:off x="1065212" y="533400"/>
+            <a:ext cx="8686800" cy="1066799"/>
+          </a:xfrm>
+          <a:prstGeom prst="rect">
+            <a:avLst/>
+          </a:prstGeom>
+          <a:noFill/>
+          <a:ln>
+            <a:noFill/>
+          </a:ln>
+        </p:spPr>
+        <p:txBody>
+          <a:bodyPr lIns="91425" tIns="45700" rIns="91425" bIns="45700" anchor="b" anchorCtr="0">
+            <a:noAutofit/>
+          </a:bodyPr>
+          <a:lstStyle/>
+          <a:p>
+            <a:pPr lvl="0" rtl="0">
+              <a:spcBef>
+                <a:spcPts val="0"/>
+              </a:spcBef>
+              <a:buClr>
+                <a:srgbClr val="0082B3"/>
+              </a:buClr>
+              <a:buSzPct val="25000"/>
+              <a:buFont typeface="Source Sans Pro"/>
+              <a:buNone/>
+            </a:pPr>
+            <a:r>
+              <a:rPr lang="en-US">
+                <a:latin typeface="Arial"/>
+                <a:ea typeface="Arial"/>
+                <a:cs typeface="Arial"/>
+                <a:sym typeface="Arial"/>
+              </a:rPr>
+              <a:t>4. Web Server using Express module</a:t>
+            </a:r>
+          </a:p>
+        </p:txBody>
+      </p:sp>
+      <p:sp>
+        <p:nvSpPr>
+          <p:cNvPr id="280" name="Shape 280"/>
+          <p:cNvSpPr txBox="1">
+            <a:spLocks noGrp="1"/>
+          </p:cNvSpPr>
+          <p:nvPr>
+            <p:ph type="sldNum" idx="12"/>
+          </p:nvPr>
+        </p:nvSpPr>
+        <p:spPr>
+          <a:xfrm>
+            <a:off x="11164711" y="260350"/>
+            <a:ext cx="473038" cy="588000"/>
+          </a:xfrm>
+          <a:prstGeom prst="rect">
+            <a:avLst/>
+          </a:prstGeom>
+          <a:noFill/>
+          <a:ln>
+            <a:noFill/>
+          </a:ln>
+        </p:spPr>
+        <p:txBody>
+          <a:bodyPr lIns="91425" tIns="45700" rIns="91425" bIns="45700" anchor="ctr" anchorCtr="0">
+            <a:noAutofit/>
+          </a:bodyPr>
+          <a:lstStyle/>
+          <a:p>
+            <a:pPr lvl="0" rtl="0">
+              <a:spcBef>
+                <a:spcPts val="0"/>
+              </a:spcBef>
+              <a:buClr>
+                <a:srgbClr val="000000"/>
+              </a:buClr>
+              <a:buSzPct val="25000"/>
+              <a:buFont typeface="Arial"/>
+              <a:buNone/>
+            </a:pPr>
+            <a:fld id="{00000000-1234-1234-1234-123412341234}" type="slidenum">
+              <a:rPr lang="en-US"/>
+              <a:t>20</a:t>
+            </a:fld>
+            <a:endParaRPr lang="en-US"/>
+          </a:p>
+        </p:txBody>
+      </p:sp>
+      <p:sp>
+        <p:nvSpPr>
+          <p:cNvPr id="281" name="Shape 281"/>
+          <p:cNvSpPr txBox="1"/>
+          <p:nvPr/>
+        </p:nvSpPr>
+        <p:spPr>
+          <a:xfrm>
+            <a:off x="1259650" y="1866125"/>
+            <a:ext cx="7449000" cy="870900"/>
+          </a:xfrm>
+          <a:prstGeom prst="rect">
+            <a:avLst/>
+          </a:prstGeom>
+          <a:noFill/>
+          <a:ln>
+            <a:noFill/>
+          </a:ln>
+        </p:spPr>
+        <p:txBody>
+          <a:bodyPr lIns="91425" tIns="91425" rIns="91425" bIns="91425" anchor="t" anchorCtr="0">
+            <a:noAutofit/>
+          </a:bodyPr>
+          <a:lstStyle/>
+          <a:p>
+            <a:pPr lvl="0">
+              <a:spcBef>
+                <a:spcPts val="0"/>
+              </a:spcBef>
+              <a:buNone/>
+            </a:pPr>
+            <a:endParaRPr/>
+          </a:p>
+        </p:txBody>
+      </p:sp>
+      <p:pic>
+        <p:nvPicPr>
+          <p:cNvPr id="282" name="Shape 282"/>
+          <p:cNvPicPr preferRelativeResize="0"/>
+          <p:nvPr/>
+        </p:nvPicPr>
+        <p:blipFill rotWithShape="1">
+          <a:blip r:embed="rId3">
+            <a:alphaModFix/>
+          </a:blip>
+          <a:srcRect r="29666"/>
+          <a:stretch/>
+        </p:blipFill>
+        <p:spPr>
+          <a:xfrm>
+            <a:off x="4799600" y="2040264"/>
+            <a:ext cx="6274800" cy="4450775"/>
+          </a:xfrm>
+          <a:prstGeom prst="rect">
+            <a:avLst/>
+          </a:prstGeom>
+          <a:noFill/>
+          <a:ln>
+            <a:noFill/>
+          </a:ln>
+        </p:spPr>
+      </p:pic>
+      <p:sp>
+        <p:nvSpPr>
+          <p:cNvPr id="283" name="Shape 283"/>
+          <p:cNvSpPr txBox="1">
+            <a:spLocks noGrp="1"/>
+          </p:cNvSpPr>
+          <p:nvPr>
+            <p:ph type="body" idx="1"/>
+          </p:nvPr>
+        </p:nvSpPr>
+        <p:spPr>
+          <a:xfrm>
+            <a:off x="1065206" y="1828800"/>
+            <a:ext cx="3720600" cy="4239900"/>
+          </a:xfrm>
+          <a:prstGeom prst="rect">
+            <a:avLst/>
+          </a:prstGeom>
+        </p:spPr>
+        <p:txBody>
+          <a:bodyPr lIns="91425" tIns="91425" rIns="91425" bIns="91425" anchor="t" anchorCtr="0">
+            <a:noAutofit/>
+          </a:bodyPr>
+          <a:lstStyle/>
+          <a:p>
+            <a:pPr marL="0" lvl="0" indent="-69850" rtl="0">
+              <a:spcBef>
+                <a:spcPts val="0"/>
+              </a:spcBef>
+              <a:buClr>
+                <a:schemeClr val="dk1"/>
+              </a:buClr>
+              <a:buSzPct val="45833"/>
+              <a:buFont typeface="Arial"/>
+              <a:buNone/>
+            </a:pPr>
+            <a:r>
+              <a:rPr lang="en-US" sz="2400"/>
+              <a:t>Cài đặt module Express</a:t>
+            </a:r>
+          </a:p>
+          <a:p>
+            <a:pPr marL="0" lvl="0" indent="-69850" rtl="0">
+              <a:spcBef>
+                <a:spcPts val="0"/>
+              </a:spcBef>
+              <a:buClr>
+                <a:schemeClr val="dk1"/>
+              </a:buClr>
+              <a:buSzPct val="45833"/>
+              <a:buFont typeface="Arial"/>
+              <a:buNone/>
+            </a:pPr>
+            <a:r>
+              <a:rPr lang="en-US" sz="2400" b="1"/>
+              <a:t>$ npm install express</a:t>
+            </a:r>
+          </a:p>
+          <a:p>
+            <a:pPr marL="0" lvl="0" indent="-69850" rtl="0">
+              <a:spcBef>
+                <a:spcPts val="0"/>
+              </a:spcBef>
+              <a:buClr>
+                <a:schemeClr val="dk1"/>
+              </a:buClr>
+              <a:buSzPct val="45833"/>
+              <a:buFont typeface="Arial"/>
+              <a:buNone/>
+            </a:pPr>
+            <a:endParaRPr sz="2400"/>
+          </a:p>
+          <a:p>
+            <a:pPr lvl="0">
+              <a:spcBef>
+                <a:spcPts val="0"/>
+              </a:spcBef>
+              <a:buNone/>
+            </a:pPr>
+            <a:endParaRPr sz="2400"/>
+          </a:p>
+        </p:txBody>
+      </p:sp>
+    </p:spTree>
+  </p:cSld>
+  <p:clrMapOvr>
+    <a:masterClrMapping/>
+  </p:clrMapOvr>
+  <mc:AlternateContent xmlns:mc="http://schemas.openxmlformats.org/markup-compatibility/2006" xmlns:p14="http://schemas.microsoft.com/office/powerpoint/2010/main">
+    <mc:Choice Requires="p14">
+      <p:transition spd="med" p14:dur="700">
+        <p:fade/>
+      </p:transition>
+    </mc:Choice>
+    <mc:Fallback xmlns="">
+      <p:transition spd="med">
+        <p:fade/>
+      </p:transition>
+    </mc:Fallback>
+  </mc:AlternateContent>
+</p:sld>
+</file>
+
+<file path=ppt/slides/slide21.xml><?xml version="1.0" encoding="utf-8"?>
+<p:sld xmlns:a="http://schemas.openxmlformats.org/drawingml/2006/main" xmlns:r="http://schemas.openxmlformats.org/officeDocument/2006/relationships" xmlns:p="http://schemas.openxmlformats.org/presentationml/2006/main">
+  <p:cSld>
+    <p:spTree>
+      <p:nvGrpSpPr>
+        <p:cNvPr id="1" name="Shape 287"/>
+        <p:cNvGrpSpPr/>
+        <p:nvPr/>
+      </p:nvGrpSpPr>
+      <p:grpSpPr>
+        <a:xfrm>
+          <a:off x="0" y="0"/>
+          <a:ext cx="0" cy="0"/>
+          <a:chOff x="0" y="0"/>
+          <a:chExt cx="0" cy="0"/>
+        </a:xfrm>
+      </p:grpSpPr>
+      <p:sp>
+        <p:nvSpPr>
+          <p:cNvPr id="288" name="Shape 288"/>
+          <p:cNvSpPr txBox="1">
+            <a:spLocks noGrp="1"/>
+          </p:cNvSpPr>
+          <p:nvPr>
+            <p:ph type="sldNum" idx="12"/>
+          </p:nvPr>
+        </p:nvSpPr>
+        <p:spPr>
+          <a:xfrm>
+            <a:off x="11119556" y="260350"/>
+            <a:ext cx="518193" cy="588000"/>
+          </a:xfrm>
+          <a:prstGeom prst="rect">
+            <a:avLst/>
+          </a:prstGeom>
+          <a:noFill/>
+          <a:ln>
+            <a:noFill/>
+          </a:ln>
+        </p:spPr>
+        <p:txBody>
+          <a:bodyPr lIns="91425" tIns="45700" rIns="91425" bIns="45700" anchor="ctr" anchorCtr="0">
+            <a:noAutofit/>
+          </a:bodyPr>
+          <a:lstStyle/>
+          <a:p>
+            <a:pPr lvl="0" rtl="0">
+              <a:spcBef>
+                <a:spcPts val="0"/>
+              </a:spcBef>
+              <a:buNone/>
+            </a:pPr>
+            <a:fld id="{00000000-1234-1234-1234-123412341234}" type="slidenum">
+              <a:rPr lang="en-US"/>
+              <a:t>21</a:t>
+            </a:fld>
+            <a:endParaRPr lang="en-US" dirty="0"/>
+          </a:p>
+        </p:txBody>
+      </p:sp>
+      <p:sp>
+        <p:nvSpPr>
+          <p:cNvPr id="289" name="Shape 289"/>
+          <p:cNvSpPr txBox="1">
+            <a:spLocks noGrp="1"/>
+          </p:cNvSpPr>
+          <p:nvPr>
+            <p:ph type="title"/>
+          </p:nvPr>
+        </p:nvSpPr>
+        <p:spPr>
+          <a:xfrm>
+            <a:off x="1065212" y="533400"/>
+            <a:ext cx="8686800" cy="1066800"/>
+          </a:xfrm>
+          <a:prstGeom prst="rect">
+            <a:avLst/>
+          </a:prstGeom>
+        </p:spPr>
+        <p:txBody>
+          <a:bodyPr lIns="91425" tIns="91425" rIns="91425" bIns="91425" anchor="b" anchorCtr="0">
+            <a:noAutofit/>
+          </a:bodyPr>
+          <a:lstStyle/>
+          <a:p>
+            <a:pPr lvl="0" rtl="0">
+              <a:spcBef>
+                <a:spcPts val="0"/>
+              </a:spcBef>
+              <a:buNone/>
+            </a:pPr>
+            <a:r>
+              <a:rPr lang="en-US"/>
+              <a:t>4. Web Server using Express module</a:t>
+            </a:r>
+          </a:p>
+        </p:txBody>
+      </p:sp>
+      <p:sp>
+        <p:nvSpPr>
+          <p:cNvPr id="290" name="Shape 290"/>
+          <p:cNvSpPr txBox="1">
+            <a:spLocks noGrp="1"/>
+          </p:cNvSpPr>
+          <p:nvPr>
+            <p:ph type="body" idx="1"/>
+          </p:nvPr>
+        </p:nvSpPr>
+        <p:spPr>
+          <a:xfrm>
+            <a:off x="1142987" y="1600200"/>
+            <a:ext cx="8686800" cy="4191000"/>
+          </a:xfrm>
+          <a:prstGeom prst="rect">
+            <a:avLst/>
+          </a:prstGeom>
+        </p:spPr>
+        <p:txBody>
+          <a:bodyPr lIns="91425" tIns="91425" rIns="91425" bIns="91425" anchor="t" anchorCtr="0">
+            <a:noAutofit/>
+          </a:bodyPr>
+          <a:lstStyle/>
+          <a:p>
+            <a:pPr marL="0" lvl="0" indent="0" rtl="0">
+              <a:spcBef>
+                <a:spcPts val="0"/>
+              </a:spcBef>
+              <a:buNone/>
+            </a:pPr>
+            <a:r>
+              <a:rPr lang="en-US" sz="2400"/>
+              <a:t>Tạo file test.js:</a:t>
+            </a:r>
+          </a:p>
+        </p:txBody>
+      </p:sp>
+      <p:pic>
+        <p:nvPicPr>
+          <p:cNvPr id="291" name="Shape 291"/>
+          <p:cNvPicPr preferRelativeResize="0"/>
+          <p:nvPr/>
+        </p:nvPicPr>
+        <p:blipFill>
+          <a:blip r:embed="rId3">
+            <a:alphaModFix/>
+          </a:blip>
+          <a:stretch>
+            <a:fillRect/>
+          </a:stretch>
+        </p:blipFill>
+        <p:spPr>
+          <a:xfrm>
+            <a:off x="3706748" y="1789300"/>
+            <a:ext cx="6725800" cy="4116999"/>
+          </a:xfrm>
+          <a:prstGeom prst="rect">
+            <a:avLst/>
+          </a:prstGeom>
+          <a:noFill/>
+          <a:ln>
+            <a:noFill/>
+          </a:ln>
+        </p:spPr>
+      </p:pic>
+    </p:spTree>
+  </p:cSld>
+  <p:clrMapOvr>
+    <a:masterClrMapping/>
+  </p:clrMapOvr>
+  <mc:AlternateContent xmlns:mc="http://schemas.openxmlformats.org/markup-compatibility/2006" xmlns:p14="http://schemas.microsoft.com/office/powerpoint/2010/main">
+    <mc:Choice Requires="p14">
+      <p:transition spd="med" p14:dur="700">
+        <p:fade/>
+      </p:transition>
+    </mc:Choice>
+    <mc:Fallback xmlns="">
+      <p:transition spd="med">
+        <p:fade/>
+      </p:transition>
+    </mc:Fallback>
+  </mc:AlternateContent>
+</p:sld>
+</file>
+
+<file path=ppt/slides/slide22.xml><?xml version="1.0" encoding="utf-8"?>
 <p:sld xmlns:a="http://schemas.openxmlformats.org/drawingml/2006/main" xmlns:r="http://schemas.openxmlformats.org/officeDocument/2006/relationships" xmlns:p="http://schemas.openxmlformats.org/presentationml/2006/main">
   <p:cSld>
     <p:spTree>
@@ -18723,7 +19734,7 @@
             <a:fld id="{00000000-1234-1234-1234-123412341234}" type="slidenum">
               <a:rPr lang="en-US"/>
               <a:pPr/>
-              <a:t>20</a:t>
+              <a:t>22</a:t>
             </a:fld>
             <a:endParaRPr lang="en-US" dirty="0"/>
           </a:p>
@@ -18868,13 +19879,13 @@
   <p:clrMapOvr>
     <a:masterClrMapping/>
   </p:clrMapOvr>
-  <mc:AlternateContent xmlns:mc="http://schemas.openxmlformats.org/markup-compatibility/2006">
-    <mc:Choice xmlns:p14="http://schemas.microsoft.com/office/powerpoint/2010/main" Requires="p14">
+  <mc:AlternateContent xmlns:mc="http://schemas.openxmlformats.org/markup-compatibility/2006" xmlns:p14="http://schemas.microsoft.com/office/powerpoint/2010/main">
+    <mc:Choice Requires="p14">
       <p:transition spd="med" p14:dur="700">
         <p:fade/>
       </p:transition>
     </mc:Choice>
-    <mc:Fallback>
+    <mc:Fallback xmlns="">
       <p:transition spd="med">
         <p:fade/>
       </p:transition>
@@ -18883,7 +19894,7 @@
 </p:sld>
 </file>
 
-<file path=ppt/slides/slide21.xml><?xml version="1.0" encoding="utf-8"?>
+<file path=ppt/slides/slide23.xml><?xml version="1.0" encoding="utf-8"?>
 <p:sld xmlns:a="http://schemas.openxmlformats.org/drawingml/2006/main" xmlns:r="http://schemas.openxmlformats.org/officeDocument/2006/relationships" xmlns:p="http://schemas.openxmlformats.org/presentationml/2006/main">
   <p:cSld>
     <p:spTree>
@@ -18932,7 +19943,7 @@
             <a:fld id="{00000000-1234-1234-1234-123412341234}" type="slidenum">
               <a:rPr lang="en-US"/>
               <a:pPr/>
-              <a:t>21</a:t>
+              <a:t>23</a:t>
             </a:fld>
             <a:endParaRPr lang="en-US" dirty="0"/>
           </a:p>
@@ -19073,13 +20084,13 @@
   <p:clrMapOvr>
     <a:masterClrMapping/>
   </p:clrMapOvr>
-  <mc:AlternateContent xmlns:mc="http://schemas.openxmlformats.org/markup-compatibility/2006">
-    <mc:Choice xmlns:p14="http://schemas.microsoft.com/office/powerpoint/2010/main" Requires="p14">
+  <mc:AlternateContent xmlns:mc="http://schemas.openxmlformats.org/markup-compatibility/2006" xmlns:p14="http://schemas.microsoft.com/office/powerpoint/2010/main">
+    <mc:Choice Requires="p14">
       <p:transition spd="med" p14:dur="700">
         <p:fade/>
       </p:transition>
     </mc:Choice>
-    <mc:Fallback>
+    <mc:Fallback xmlns="">
       <p:transition spd="med">
         <p:fade/>
       </p:transition>
@@ -19088,7 +20099,7 @@
 </p:sld>
 </file>
 
-<file path=ppt/slides/slide22.xml><?xml version="1.0" encoding="utf-8"?>
+<file path=ppt/slides/slide24.xml><?xml version="1.0" encoding="utf-8"?>
 <p:sld xmlns:a="http://schemas.openxmlformats.org/drawingml/2006/main" xmlns:r="http://schemas.openxmlformats.org/officeDocument/2006/relationships" xmlns:p="http://schemas.openxmlformats.org/presentationml/2006/main">
   <p:cSld>
     <p:spTree>
@@ -19142,7 +20153,7 @@
             </a:pPr>
             <a:fld id="{00000000-1234-1234-1234-123412341234}" type="slidenum">
               <a:rPr lang="en-US"/>
-              <a:t>22</a:t>
+              <a:t>24</a:t>
             </a:fld>
             <a:endParaRPr lang="en-US" dirty="0"/>
           </a:p>
@@ -19298,13 +20309,13 @@
   <p:clrMapOvr>
     <a:masterClrMapping/>
   </p:clrMapOvr>
-  <mc:AlternateContent xmlns:mc="http://schemas.openxmlformats.org/markup-compatibility/2006">
-    <mc:Choice xmlns:p14="http://schemas.microsoft.com/office/powerpoint/2010/main" Requires="p14">
+  <mc:AlternateContent xmlns:mc="http://schemas.openxmlformats.org/markup-compatibility/2006" xmlns:p14="http://schemas.microsoft.com/office/powerpoint/2010/main">
+    <mc:Choice Requires="p14">
       <p:transition spd="med" p14:dur="700">
         <p:fade/>
       </p:transition>
     </mc:Choice>
-    <mc:Fallback>
+    <mc:Fallback xmlns="">
       <p:transition spd="med">
         <p:fade/>
       </p:transition>
@@ -19313,7 +20324,7 @@
 </p:sld>
 </file>
 
-<file path=ppt/slides/slide23.xml><?xml version="1.0" encoding="utf-8"?>
+<file path=ppt/slides/slide25.xml><?xml version="1.0" encoding="utf-8"?>
 <p:sld xmlns:a="http://schemas.openxmlformats.org/drawingml/2006/main" xmlns:r="http://schemas.openxmlformats.org/officeDocument/2006/relationships" xmlns:p="http://schemas.openxmlformats.org/presentationml/2006/main">
   <p:cSld>
     <p:spTree>
@@ -19422,7 +20433,7 @@
             </a:pPr>
             <a:fld id="{00000000-1234-1234-1234-123412341234}" type="slidenum">
               <a:rPr lang="en-US"/>
-              <a:t>23</a:t>
+              <a:t>25</a:t>
             </a:fld>
             <a:endParaRPr lang="en-US"/>
           </a:p>
@@ -19559,13 +20570,13 @@
   <p:clrMapOvr>
     <a:masterClrMapping/>
   </p:clrMapOvr>
-  <mc:AlternateContent xmlns:mc="http://schemas.openxmlformats.org/markup-compatibility/2006">
-    <mc:Choice xmlns:p14="http://schemas.microsoft.com/office/powerpoint/2010/main" Requires="p14">
+  <mc:AlternateContent xmlns:mc="http://schemas.openxmlformats.org/markup-compatibility/2006" xmlns:p14="http://schemas.microsoft.com/office/powerpoint/2010/main">
+    <mc:Choice Requires="p14">
       <p:transition spd="med" p14:dur="700">
         <p:fade/>
       </p:transition>
     </mc:Choice>
-    <mc:Fallback>
+    <mc:Fallback xmlns="">
       <p:transition spd="med">
         <p:fade/>
       </p:transition>
@@ -19574,7 +20585,7 @@
 </p:sld>
 </file>
 
-<file path=ppt/slides/slide24.xml><?xml version="1.0" encoding="utf-8"?>
+<file path=ppt/slides/slide26.xml><?xml version="1.0" encoding="utf-8"?>
 <p:sld xmlns:a="http://schemas.openxmlformats.org/drawingml/2006/main" xmlns:r="http://schemas.openxmlformats.org/officeDocument/2006/relationships" xmlns:p="http://schemas.openxmlformats.org/presentationml/2006/main">
   <p:cSld>
     <p:spTree>
@@ -19678,7 +20689,7 @@
             </a:pPr>
             <a:fld id="{00000000-1234-1234-1234-123412341234}" type="slidenum">
               <a:rPr lang="en-US"/>
-              <a:t>24</a:t>
+              <a:t>26</a:t>
             </a:fld>
             <a:endParaRPr lang="en-US" dirty="0"/>
           </a:p>
@@ -19886,13 +20897,13 @@
   <p:clrMapOvr>
     <a:masterClrMapping/>
   </p:clrMapOvr>
-  <mc:AlternateContent xmlns:mc="http://schemas.openxmlformats.org/markup-compatibility/2006">
-    <mc:Choice xmlns:p14="http://schemas.microsoft.com/office/powerpoint/2010/main" Requires="p14">
+  <mc:AlternateContent xmlns:mc="http://schemas.openxmlformats.org/markup-compatibility/2006" xmlns:p14="http://schemas.microsoft.com/office/powerpoint/2010/main">
+    <mc:Choice Requires="p14">
       <p:transition spd="med" p14:dur="700">
         <p:fade/>
       </p:transition>
     </mc:Choice>
-    <mc:Fallback>
+    <mc:Fallback xmlns="">
       <p:transition spd="med">
         <p:fade/>
       </p:transition>
@@ -19901,7 +20912,7 @@
 </p:sld>
 </file>
 
-<file path=ppt/slides/slide25.xml><?xml version="1.0" encoding="utf-8"?>
+<file path=ppt/slides/slide27.xml><?xml version="1.0" encoding="utf-8"?>
 <p:sld xmlns:a="http://schemas.openxmlformats.org/drawingml/2006/main" xmlns:r="http://schemas.openxmlformats.org/officeDocument/2006/relationships" xmlns:p="http://schemas.openxmlformats.org/presentationml/2006/main">
   <p:cSld>
     <p:spTree>
@@ -20005,7 +21016,7 @@
             </a:pPr>
             <a:fld id="{00000000-1234-1234-1234-123412341234}" type="slidenum">
               <a:rPr lang="en-US"/>
-              <a:t>25</a:t>
+              <a:t>27</a:t>
             </a:fld>
             <a:endParaRPr lang="en-US"/>
           </a:p>
@@ -20197,13 +21208,13 @@
   <p:clrMapOvr>
     <a:masterClrMapping/>
   </p:clrMapOvr>
-  <mc:AlternateContent xmlns:mc="http://schemas.openxmlformats.org/markup-compatibility/2006">
-    <mc:Choice xmlns:p14="http://schemas.microsoft.com/office/powerpoint/2010/main" Requires="p14">
+  <mc:AlternateContent xmlns:mc="http://schemas.openxmlformats.org/markup-compatibility/2006" xmlns:p14="http://schemas.microsoft.com/office/powerpoint/2010/main">
+    <mc:Choice Requires="p14">
       <p:transition spd="med" p14:dur="700">
         <p:fade/>
       </p:transition>
     </mc:Choice>
-    <mc:Fallback>
+    <mc:Fallback xmlns="">
       <p:transition spd="med">
         <p:fade/>
       </p:transition>
@@ -20212,7 +21223,7 @@
 </p:sld>
 </file>
 
-<file path=ppt/slides/slide26.xml><?xml version="1.0" encoding="utf-8"?>
+<file path=ppt/slides/slide28.xml><?xml version="1.0" encoding="utf-8"?>
 <p:sld xmlns:a="http://schemas.openxmlformats.org/drawingml/2006/main" xmlns:r="http://schemas.openxmlformats.org/officeDocument/2006/relationships" xmlns:p="http://schemas.openxmlformats.org/presentationml/2006/main">
   <p:cSld>
     <p:spTree>
@@ -20316,7 +21327,7 @@
             </a:pPr>
             <a:fld id="{00000000-1234-1234-1234-123412341234}" type="slidenum">
               <a:rPr lang="en-US"/>
-              <a:t>26</a:t>
+              <a:t>28</a:t>
             </a:fld>
             <a:endParaRPr lang="en-US" dirty="0"/>
           </a:p>
@@ -20510,13 +21521,13 @@
   <p:clrMapOvr>
     <a:masterClrMapping/>
   </p:clrMapOvr>
-  <mc:AlternateContent xmlns:mc="http://schemas.openxmlformats.org/markup-compatibility/2006">
-    <mc:Choice xmlns:p14="http://schemas.microsoft.com/office/powerpoint/2010/main" Requires="p14">
+  <mc:AlternateContent xmlns:mc="http://schemas.openxmlformats.org/markup-compatibility/2006" xmlns:p14="http://schemas.microsoft.com/office/powerpoint/2010/main">
+    <mc:Choice Requires="p14">
       <p:transition spd="med" p14:dur="700">
         <p:fade/>
       </p:transition>
     </mc:Choice>
-    <mc:Fallback>
+    <mc:Fallback xmlns="">
       <p:transition spd="med">
         <p:fade/>
       </p:transition>
@@ -20525,7 +21536,7 @@
 </p:sld>
 </file>
 
-<file path=ppt/slides/slide27.xml><?xml version="1.0" encoding="utf-8"?>
+<file path=ppt/slides/slide29.xml><?xml version="1.0" encoding="utf-8"?>
 <p:sld xmlns:a="http://schemas.openxmlformats.org/drawingml/2006/main" xmlns:r="http://schemas.openxmlformats.org/officeDocument/2006/relationships" xmlns:p="http://schemas.openxmlformats.org/presentationml/2006/main">
   <p:cSld>
     <p:spTree>
@@ -20624,7 +21635,7 @@
             <a:fld id="{00000000-1234-1234-1234-123412341234}" type="slidenum">
               <a:rPr lang="en-US"/>
               <a:pPr/>
-              <a:t>27</a:t>
+              <a:t>29</a:t>
             </a:fld>
             <a:endParaRPr lang="en-US" dirty="0"/>
           </a:p>
@@ -20844,494 +21855,13 @@
   <p:clrMapOvr>
     <a:masterClrMapping/>
   </p:clrMapOvr>
-  <mc:AlternateContent xmlns:mc="http://schemas.openxmlformats.org/markup-compatibility/2006">
-    <mc:Choice xmlns:p14="http://schemas.microsoft.com/office/powerpoint/2010/main" Requires="p14">
+  <mc:AlternateContent xmlns:mc="http://schemas.openxmlformats.org/markup-compatibility/2006" xmlns:p14="http://schemas.microsoft.com/office/powerpoint/2010/main">
+    <mc:Choice Requires="p14">
       <p:transition spd="med" p14:dur="700">
         <p:fade/>
       </p:transition>
     </mc:Choice>
-    <mc:Fallback>
-      <p:transition spd="med">
-        <p:fade/>
-      </p:transition>
-    </mc:Fallback>
-  </mc:AlternateContent>
-</p:sld>
-</file>
-
-<file path=ppt/slides/slide28.xml><?xml version="1.0" encoding="utf-8"?>
-<p:sld xmlns:a="http://schemas.openxmlformats.org/drawingml/2006/main" xmlns:r="http://schemas.openxmlformats.org/officeDocument/2006/relationships" xmlns:p="http://schemas.openxmlformats.org/presentationml/2006/main">
-  <p:cSld>
-    <p:spTree>
-      <p:nvGrpSpPr>
-        <p:cNvPr id="1" name="Shape 360"/>
-        <p:cNvGrpSpPr/>
-        <p:nvPr/>
-      </p:nvGrpSpPr>
-      <p:grpSpPr>
-        <a:xfrm>
-          <a:off x="0" y="0"/>
-          <a:ext cx="0" cy="0"/>
-          <a:chOff x="0" y="0"/>
-          <a:chExt cx="0" cy="0"/>
-        </a:xfrm>
-      </p:grpSpPr>
-      <p:sp>
-        <p:nvSpPr>
-          <p:cNvPr id="361" name="Shape 361"/>
-          <p:cNvSpPr txBox="1">
-            <a:spLocks noGrp="1"/>
-          </p:cNvSpPr>
-          <p:nvPr>
-            <p:ph type="title"/>
-          </p:nvPr>
-        </p:nvSpPr>
-        <p:spPr>
-          <a:xfrm>
-            <a:off x="1065212" y="533400"/>
-            <a:ext cx="8686800" cy="1066800"/>
-          </a:xfrm>
-          <a:prstGeom prst="rect">
-            <a:avLst/>
-          </a:prstGeom>
-          <a:noFill/>
-          <a:ln>
-            <a:noFill/>
-          </a:ln>
-        </p:spPr>
-        <p:txBody>
-          <a:bodyPr lIns="91425" tIns="45700" rIns="91425" bIns="45700" anchor="b" anchorCtr="0">
-            <a:noAutofit/>
-          </a:bodyPr>
-          <a:lstStyle/>
-          <a:p>
-            <a:pPr marL="0" marR="0" lvl="0" indent="0" algn="l" rtl="0">
-              <a:lnSpc>
-                <a:spcPct val="80000"/>
-              </a:lnSpc>
-              <a:spcBef>
-                <a:spcPts val="0"/>
-              </a:spcBef>
-              <a:buClr>
-                <a:srgbClr val="0082B3"/>
-              </a:buClr>
-              <a:buSzPct val="25000"/>
-              <a:buFont typeface="Source Sans Pro"/>
-              <a:buNone/>
-            </a:pPr>
-            <a:r>
-              <a:rPr lang="en-US"/>
-              <a:t>5. Connect MySQL with Node.js</a:t>
-            </a:r>
-          </a:p>
-        </p:txBody>
-      </p:sp>
-      <p:sp>
-        <p:nvSpPr>
-          <p:cNvPr id="362" name="Shape 362"/>
-          <p:cNvSpPr txBox="1">
-            <a:spLocks noGrp="1"/>
-          </p:cNvSpPr>
-          <p:nvPr>
-            <p:ph type="sldNum" idx="12"/>
-          </p:nvPr>
-        </p:nvSpPr>
-        <p:spPr>
-          <a:xfrm>
-            <a:off x="11119556" y="260350"/>
-            <a:ext cx="518194" cy="588000"/>
-          </a:xfrm>
-          <a:prstGeom prst="rect">
-            <a:avLst/>
-          </a:prstGeom>
-          <a:noFill/>
-          <a:ln>
-            <a:noFill/>
-          </a:ln>
-        </p:spPr>
-        <p:txBody>
-          <a:bodyPr lIns="91425" tIns="45700" rIns="91425" bIns="45700" anchor="ctr" anchorCtr="0">
-            <a:noAutofit/>
-          </a:bodyPr>
-          <a:lstStyle/>
-          <a:p>
-            <a:pPr lvl="0" rtl="0">
-              <a:spcBef>
-                <a:spcPts val="0"/>
-              </a:spcBef>
-              <a:buNone/>
-            </a:pPr>
-            <a:fld id="{00000000-1234-1234-1234-123412341234}" type="slidenum">
-              <a:rPr lang="en-US"/>
-              <a:t>28</a:t>
-            </a:fld>
-            <a:endParaRPr lang="en-US" dirty="0"/>
-          </a:p>
-        </p:txBody>
-      </p:sp>
-      <p:sp>
-        <p:nvSpPr>
-          <p:cNvPr id="363" name="Shape 363"/>
-          <p:cNvSpPr txBox="1">
-            <a:spLocks noGrp="1"/>
-          </p:cNvSpPr>
-          <p:nvPr>
-            <p:ph type="body" idx="1"/>
-          </p:nvPr>
-        </p:nvSpPr>
-        <p:spPr>
-          <a:xfrm>
-            <a:off x="1065212" y="1828800"/>
-            <a:ext cx="8686800" cy="4191000"/>
-          </a:xfrm>
-          <a:prstGeom prst="rect">
-            <a:avLst/>
-          </a:prstGeom>
-          <a:noFill/>
-          <a:ln>
-            <a:noFill/>
-          </a:ln>
-        </p:spPr>
-        <p:txBody>
-          <a:bodyPr lIns="91425" tIns="45700" rIns="91425" bIns="45700" anchor="t" anchorCtr="0">
-            <a:noAutofit/>
-          </a:bodyPr>
-          <a:lstStyle/>
-          <a:p>
-            <a:pPr marL="274320" marR="0" lvl="0" indent="-236220" algn="l" rtl="0">
-              <a:lnSpc>
-                <a:spcPct val="90000"/>
-              </a:lnSpc>
-              <a:spcBef>
-                <a:spcPts val="0"/>
-              </a:spcBef>
-              <a:buClr>
-                <a:srgbClr val="595959"/>
-              </a:buClr>
-              <a:buSzPct val="66666"/>
-              <a:buFont typeface="Arial"/>
-              <a:buNone/>
-            </a:pPr>
-            <a:r>
-              <a:rPr lang="en-US" sz="2400"/>
-              <a:t>Đóng kết nối</a:t>
-            </a:r>
-          </a:p>
-          <a:p>
-            <a:pPr marL="731520" marR="0" lvl="0" indent="-204469" algn="l" rtl="0">
-              <a:lnSpc>
-                <a:spcPct val="90000"/>
-              </a:lnSpc>
-              <a:spcBef>
-                <a:spcPts val="0"/>
-              </a:spcBef>
-              <a:buClr>
-                <a:schemeClr val="dk1"/>
-              </a:buClr>
-              <a:buSzPct val="45833"/>
-              <a:buFont typeface="Arial"/>
-              <a:buNone/>
-            </a:pPr>
-            <a:endParaRPr sz="2400">
-              <a:latin typeface="Source Sans Pro"/>
-              <a:ea typeface="Source Sans Pro"/>
-              <a:cs typeface="Source Sans Pro"/>
-              <a:sym typeface="Source Sans Pro"/>
-            </a:endParaRPr>
-          </a:p>
-          <a:p>
-            <a:pPr marL="731520" marR="0" lvl="0" indent="-204469" algn="l" rtl="0">
-              <a:lnSpc>
-                <a:spcPct val="90000"/>
-              </a:lnSpc>
-              <a:spcBef>
-                <a:spcPts val="0"/>
-              </a:spcBef>
-              <a:buClr>
-                <a:schemeClr val="dk1"/>
-              </a:buClr>
-              <a:buSzPct val="45833"/>
-              <a:buFont typeface="Arial"/>
-              <a:buNone/>
-            </a:pPr>
-            <a:endParaRPr sz="2400">
-              <a:latin typeface="Source Sans Pro"/>
-              <a:ea typeface="Source Sans Pro"/>
-              <a:cs typeface="Source Sans Pro"/>
-              <a:sym typeface="Source Sans Pro"/>
-            </a:endParaRPr>
-          </a:p>
-          <a:p>
-            <a:pPr marL="274320" marR="0" lvl="0" indent="-236220" algn="l" rtl="0">
-              <a:lnSpc>
-                <a:spcPct val="90000"/>
-              </a:lnSpc>
-              <a:spcBef>
-                <a:spcPts val="0"/>
-              </a:spcBef>
-              <a:buClr>
-                <a:srgbClr val="595959"/>
-              </a:buClr>
-              <a:buSzPct val="66666"/>
-              <a:buFont typeface="Arial"/>
-              <a:buNone/>
-            </a:pPr>
-            <a:endParaRPr sz="2400">
-              <a:latin typeface="Source Sans Pro"/>
-              <a:ea typeface="Source Sans Pro"/>
-              <a:cs typeface="Source Sans Pro"/>
-              <a:sym typeface="Source Sans Pro"/>
-            </a:endParaRPr>
-          </a:p>
-          <a:p>
-            <a:pPr marL="274320" marR="0" lvl="0" indent="-236220" algn="l" rtl="0">
-              <a:lnSpc>
-                <a:spcPct val="90000"/>
-              </a:lnSpc>
-              <a:spcBef>
-                <a:spcPts val="0"/>
-              </a:spcBef>
-              <a:buClr>
-                <a:srgbClr val="595959"/>
-              </a:buClr>
-              <a:buSzPct val="66666"/>
-              <a:buFont typeface="Arial"/>
-              <a:buNone/>
-            </a:pPr>
-            <a:endParaRPr sz="2400">
-              <a:latin typeface="Source Sans Pro"/>
-              <a:ea typeface="Source Sans Pro"/>
-              <a:cs typeface="Source Sans Pro"/>
-              <a:sym typeface="Source Sans Pro"/>
-            </a:endParaRPr>
-          </a:p>
-          <a:p>
-            <a:pPr marL="274320" marR="0" lvl="0" indent="-236220" algn="l" rtl="0">
-              <a:lnSpc>
-                <a:spcPct val="90000"/>
-              </a:lnSpc>
-              <a:spcBef>
-                <a:spcPts val="0"/>
-              </a:spcBef>
-              <a:buClr>
-                <a:srgbClr val="595959"/>
-              </a:buClr>
-              <a:buSzPct val="66666"/>
-              <a:buFont typeface="Arial"/>
-              <a:buNone/>
-            </a:pPr>
-            <a:endParaRPr sz="2400">
-              <a:latin typeface="Source Sans Pro"/>
-              <a:ea typeface="Source Sans Pro"/>
-              <a:cs typeface="Source Sans Pro"/>
-              <a:sym typeface="Source Sans Pro"/>
-            </a:endParaRPr>
-          </a:p>
-        </p:txBody>
-      </p:sp>
-      <p:pic>
-        <p:nvPicPr>
-          <p:cNvPr id="364" name="Shape 364"/>
-          <p:cNvPicPr preferRelativeResize="0"/>
-          <p:nvPr/>
-        </p:nvPicPr>
-        <p:blipFill>
-          <a:blip r:embed="rId3">
-            <a:alphaModFix/>
-          </a:blip>
-          <a:stretch>
-            <a:fillRect/>
-          </a:stretch>
-        </p:blipFill>
-        <p:spPr>
-          <a:xfrm>
-            <a:off x="1664901" y="2694700"/>
-            <a:ext cx="3570224" cy="857650"/>
-          </a:xfrm>
-          <a:prstGeom prst="rect">
-            <a:avLst/>
-          </a:prstGeom>
-          <a:noFill/>
-          <a:ln>
-            <a:noFill/>
-          </a:ln>
-        </p:spPr>
-      </p:pic>
-    </p:spTree>
-  </p:cSld>
-  <p:clrMapOvr>
-    <a:masterClrMapping/>
-  </p:clrMapOvr>
-  <mc:AlternateContent xmlns:mc="http://schemas.openxmlformats.org/markup-compatibility/2006">
-    <mc:Choice xmlns:p14="http://schemas.microsoft.com/office/powerpoint/2010/main" Requires="p14">
-      <p:transition spd="med" p14:dur="700">
-        <p:fade/>
-      </p:transition>
-    </mc:Choice>
-    <mc:Fallback>
-      <p:transition spd="med">
-        <p:fade/>
-      </p:transition>
-    </mc:Fallback>
-  </mc:AlternateContent>
-</p:sld>
-</file>
-
-<file path=ppt/slides/slide29.xml><?xml version="1.0" encoding="utf-8"?>
-<p:sld xmlns:a="http://schemas.openxmlformats.org/drawingml/2006/main" xmlns:r="http://schemas.openxmlformats.org/officeDocument/2006/relationships" xmlns:p="http://schemas.openxmlformats.org/presentationml/2006/main">
-  <p:cSld>
-    <p:spTree>
-      <p:nvGrpSpPr>
-        <p:cNvPr id="1" name="Shape 368"/>
-        <p:cNvGrpSpPr/>
-        <p:nvPr/>
-      </p:nvGrpSpPr>
-      <p:grpSpPr>
-        <a:xfrm>
-          <a:off x="0" y="0"/>
-          <a:ext cx="0" cy="0"/>
-          <a:chOff x="0" y="0"/>
-          <a:chExt cx="0" cy="0"/>
-        </a:xfrm>
-      </p:grpSpPr>
-      <p:sp>
-        <p:nvSpPr>
-          <p:cNvPr id="369" name="Shape 369"/>
-          <p:cNvSpPr txBox="1">
-            <a:spLocks noGrp="1"/>
-          </p:cNvSpPr>
-          <p:nvPr>
-            <p:ph type="title"/>
-          </p:nvPr>
-        </p:nvSpPr>
-        <p:spPr>
-          <a:xfrm>
-            <a:off x="1065212" y="533400"/>
-            <a:ext cx="8686800" cy="1066800"/>
-          </a:xfrm>
-          <a:prstGeom prst="rect">
-            <a:avLst/>
-          </a:prstGeom>
-          <a:noFill/>
-          <a:ln>
-            <a:noFill/>
-          </a:ln>
-        </p:spPr>
-        <p:txBody>
-          <a:bodyPr lIns="91425" tIns="45700" rIns="91425" bIns="45700" anchor="b" anchorCtr="0">
-            <a:noAutofit/>
-          </a:bodyPr>
-          <a:lstStyle/>
-          <a:p>
-            <a:pPr marL="0" marR="0" lvl="0" indent="0" algn="l" rtl="0">
-              <a:lnSpc>
-                <a:spcPct val="80000"/>
-              </a:lnSpc>
-              <a:spcBef>
-                <a:spcPts val="0"/>
-              </a:spcBef>
-              <a:buClr>
-                <a:srgbClr val="0082B3"/>
-              </a:buClr>
-              <a:buSzPct val="25000"/>
-              <a:buFont typeface="Source Sans Pro"/>
-              <a:buNone/>
-            </a:pPr>
-            <a:r>
-              <a:rPr lang="en-US"/>
-              <a:t>5. Connect MySQL with Node.js</a:t>
-            </a:r>
-          </a:p>
-        </p:txBody>
-      </p:sp>
-      <p:sp>
-        <p:nvSpPr>
-          <p:cNvPr id="370" name="Shape 370"/>
-          <p:cNvSpPr txBox="1">
-            <a:spLocks noGrp="1"/>
-          </p:cNvSpPr>
-          <p:nvPr>
-            <p:ph type="sldNum" idx="12"/>
-          </p:nvPr>
-        </p:nvSpPr>
-        <p:spPr>
-          <a:xfrm>
-            <a:off x="11130844" y="260350"/>
-            <a:ext cx="506906" cy="588000"/>
-          </a:xfrm>
-          <a:prstGeom prst="rect">
-            <a:avLst/>
-          </a:prstGeom>
-          <a:noFill/>
-          <a:ln>
-            <a:noFill/>
-          </a:ln>
-        </p:spPr>
-        <p:txBody>
-          <a:bodyPr lIns="91425" tIns="45700" rIns="91425" bIns="45700" anchor="ctr" anchorCtr="0">
-            <a:noAutofit/>
-          </a:bodyPr>
-          <a:lstStyle/>
-          <a:p>
-            <a:pPr lvl="0" rtl="0">
-              <a:spcBef>
-                <a:spcPts val="0"/>
-              </a:spcBef>
-              <a:buClr>
-                <a:srgbClr val="000000"/>
-              </a:buClr>
-              <a:buSzPct val="25000"/>
-              <a:buFont typeface="Arial"/>
-              <a:buNone/>
-            </a:pPr>
-            <a:fld id="{00000000-1234-1234-1234-123412341234}" type="slidenum">
-              <a:rPr lang="en-US"/>
-              <a:t>29</a:t>
-            </a:fld>
-            <a:endParaRPr lang="en-US" dirty="0"/>
-          </a:p>
-        </p:txBody>
-      </p:sp>
-      <p:pic>
-        <p:nvPicPr>
-          <p:cNvPr id="371" name="Shape 371"/>
-          <p:cNvPicPr preferRelativeResize="0"/>
-          <p:nvPr/>
-        </p:nvPicPr>
-        <p:blipFill>
-          <a:blip r:embed="rId3">
-            <a:alphaModFix/>
-          </a:blip>
-          <a:stretch>
-            <a:fillRect/>
-          </a:stretch>
-        </p:blipFill>
-        <p:spPr>
-          <a:xfrm>
-            <a:off x="1566800" y="1797550"/>
-            <a:ext cx="6235548" cy="4953000"/>
-          </a:xfrm>
-          <a:prstGeom prst="rect">
-            <a:avLst/>
-          </a:prstGeom>
-          <a:noFill/>
-          <a:ln>
-            <a:noFill/>
-          </a:ln>
-        </p:spPr>
-      </p:pic>
-    </p:spTree>
-  </p:cSld>
-  <p:clrMapOvr>
-    <a:masterClrMapping/>
-  </p:clrMapOvr>
-  <mc:AlternateContent xmlns:mc="http://schemas.openxmlformats.org/markup-compatibility/2006">
-    <mc:Choice xmlns:p14="http://schemas.microsoft.com/office/powerpoint/2010/main" Requires="p14">
-      <p:transition spd="med" p14:dur="700">
-        <p:fade/>
-      </p:transition>
-    </mc:Choice>
-    <mc:Fallback>
+    <mc:Fallback xmlns="">
       <p:transition spd="med">
         <p:fade/>
       </p:transition>
@@ -21436,8 +21966,8 @@
         </p:nvSpPr>
         <p:spPr>
           <a:xfrm>
-            <a:off x="1065198" y="1828800"/>
-            <a:ext cx="9445500" cy="4191000"/>
+            <a:off x="1065197" y="1828800"/>
+            <a:ext cx="9591513" cy="4191000"/>
           </a:xfrm>
           <a:prstGeom prst="rect">
             <a:avLst/>
@@ -21453,6 +21983,240 @@
           </a:bodyPr>
           <a:lstStyle/>
           <a:p>
+            <a:pPr marL="457200" lvl="0" indent="-381000">
+              <a:lnSpc>
+                <a:spcPct val="115000"/>
+              </a:lnSpc>
+              <a:spcBef>
+                <a:spcPts val="0"/>
+              </a:spcBef>
+              <a:buSzPct val="100000"/>
+              <a:buFont typeface="Roboto"/>
+            </a:pPr>
+            <a:r>
+              <a:rPr lang="en-US" sz="2400" dirty="0">
+                <a:highlight>
+                  <a:srgbClr val="FFFFFF"/>
+                </a:highlight>
+                <a:latin typeface="+mn-lt"/>
+                <a:ea typeface="Roboto"/>
+                <a:cs typeface="Roboto"/>
+                <a:sym typeface="Roboto"/>
+              </a:rPr>
+              <a:t>Node.js </a:t>
+            </a:r>
+            <a:r>
+              <a:rPr lang="en-US" sz="2400" dirty="0" err="1">
+                <a:highlight>
+                  <a:srgbClr val="FFFFFF"/>
+                </a:highlight>
+                <a:latin typeface="+mn-lt"/>
+                <a:ea typeface="Roboto"/>
+                <a:cs typeface="Roboto"/>
+                <a:sym typeface="Roboto"/>
+              </a:rPr>
+              <a:t>là</a:t>
+            </a:r>
+            <a:r>
+              <a:rPr lang="en-US" sz="2400" dirty="0">
+                <a:highlight>
+                  <a:srgbClr val="FFFFFF"/>
+                </a:highlight>
+                <a:latin typeface="+mn-lt"/>
+                <a:ea typeface="Roboto"/>
+                <a:cs typeface="Roboto"/>
+                <a:sym typeface="Roboto"/>
+              </a:rPr>
+              <a:t> </a:t>
+            </a:r>
+            <a:r>
+              <a:rPr lang="en-US" sz="2400" dirty="0" err="1">
+                <a:highlight>
+                  <a:srgbClr val="FFFFFF"/>
+                </a:highlight>
+                <a:latin typeface="+mn-lt"/>
+                <a:ea typeface="Roboto"/>
+                <a:cs typeface="Roboto"/>
+                <a:sym typeface="Roboto"/>
+              </a:rPr>
+              <a:t>một</a:t>
+            </a:r>
+            <a:r>
+              <a:rPr lang="en-US" sz="2400" dirty="0">
+                <a:highlight>
+                  <a:srgbClr val="FFFFFF"/>
+                </a:highlight>
+                <a:latin typeface="+mn-lt"/>
+                <a:ea typeface="Roboto"/>
+                <a:cs typeface="Roboto"/>
+                <a:sym typeface="Roboto"/>
+              </a:rPr>
+              <a:t> platform, </a:t>
+            </a:r>
+            <a:r>
+              <a:rPr lang="en-US" sz="2400" dirty="0" err="1">
+                <a:highlight>
+                  <a:srgbClr val="FFFFFF"/>
+                </a:highlight>
+                <a:latin typeface="+mn-lt"/>
+                <a:ea typeface="Roboto"/>
+                <a:cs typeface="Roboto"/>
+                <a:sym typeface="Roboto"/>
+              </a:rPr>
+              <a:t>được</a:t>
+            </a:r>
+            <a:r>
+              <a:rPr lang="en-US" sz="2400" dirty="0">
+                <a:highlight>
+                  <a:srgbClr val="FFFFFF"/>
+                </a:highlight>
+                <a:latin typeface="+mn-lt"/>
+                <a:ea typeface="Roboto"/>
+                <a:cs typeface="Roboto"/>
+                <a:sym typeface="Roboto"/>
+              </a:rPr>
+              <a:t> </a:t>
+            </a:r>
+            <a:r>
+              <a:rPr lang="en-US" sz="2400" dirty="0" err="1">
+                <a:highlight>
+                  <a:srgbClr val="FFFFFF"/>
+                </a:highlight>
+                <a:latin typeface="+mn-lt"/>
+                <a:ea typeface="Roboto"/>
+                <a:cs typeface="Roboto"/>
+                <a:sym typeface="Roboto"/>
+              </a:rPr>
+              <a:t>xây</a:t>
+            </a:r>
+            <a:r>
+              <a:rPr lang="en-US" sz="2400" dirty="0">
+                <a:highlight>
+                  <a:srgbClr val="FFFFFF"/>
+                </a:highlight>
+                <a:latin typeface="+mn-lt"/>
+                <a:ea typeface="Roboto"/>
+                <a:cs typeface="Roboto"/>
+                <a:sym typeface="Roboto"/>
+              </a:rPr>
+              <a:t> </a:t>
+            </a:r>
+            <a:r>
+              <a:rPr lang="en-US" sz="2400" dirty="0" err="1">
+                <a:highlight>
+                  <a:srgbClr val="FFFFFF"/>
+                </a:highlight>
+                <a:latin typeface="+mn-lt"/>
+                <a:ea typeface="Roboto"/>
+                <a:cs typeface="Roboto"/>
+                <a:sym typeface="Roboto"/>
+              </a:rPr>
+              <a:t>dựng</a:t>
+            </a:r>
+            <a:r>
+              <a:rPr lang="en-US" sz="2400" dirty="0">
+                <a:highlight>
+                  <a:srgbClr val="FFFFFF"/>
+                </a:highlight>
+                <a:latin typeface="+mn-lt"/>
+                <a:ea typeface="Roboto"/>
+                <a:cs typeface="Roboto"/>
+                <a:sym typeface="Roboto"/>
+              </a:rPr>
+              <a:t> </a:t>
+            </a:r>
+            <a:r>
+              <a:rPr lang="en-US" sz="2400" dirty="0" err="1">
+                <a:highlight>
+                  <a:srgbClr val="FFFFFF"/>
+                </a:highlight>
+                <a:latin typeface="+mn-lt"/>
+                <a:ea typeface="Roboto"/>
+                <a:cs typeface="Roboto"/>
+                <a:sym typeface="Roboto"/>
+              </a:rPr>
+              <a:t>dựa</a:t>
+            </a:r>
+            <a:r>
+              <a:rPr lang="en-US" sz="2400" dirty="0">
+                <a:highlight>
+                  <a:srgbClr val="FFFFFF"/>
+                </a:highlight>
+                <a:latin typeface="+mn-lt"/>
+                <a:ea typeface="Roboto"/>
+                <a:cs typeface="Roboto"/>
+                <a:sym typeface="Roboto"/>
+              </a:rPr>
+              <a:t> </a:t>
+            </a:r>
+            <a:r>
+              <a:rPr lang="en-US" sz="2400" dirty="0" err="1">
+                <a:highlight>
+                  <a:srgbClr val="FFFFFF"/>
+                </a:highlight>
+                <a:latin typeface="+mn-lt"/>
+                <a:ea typeface="Roboto"/>
+                <a:cs typeface="Roboto"/>
+                <a:sym typeface="Roboto"/>
+              </a:rPr>
+              <a:t>trên</a:t>
+            </a:r>
+            <a:r>
+              <a:rPr lang="en-US" sz="2400" dirty="0">
+                <a:highlight>
+                  <a:srgbClr val="FFFFFF"/>
+                </a:highlight>
+                <a:latin typeface="+mn-lt"/>
+                <a:ea typeface="Roboto"/>
+                <a:cs typeface="Roboto"/>
+                <a:sym typeface="Roboto"/>
+              </a:rPr>
+              <a:t> </a:t>
+            </a:r>
+            <a:r>
+              <a:rPr lang="vi-VN" sz="2400" dirty="0">
+                <a:highlight>
+                  <a:srgbClr val="FFFFFF"/>
+                </a:highlight>
+                <a:latin typeface="+mn-lt"/>
+                <a:ea typeface="Roboto"/>
+                <a:cs typeface="Roboto"/>
+                <a:sym typeface="Roboto"/>
+              </a:rPr>
+              <a:t>trình biên dịch Google’s Chrome V8 Javascript, được viết chính bằng Javascript.</a:t>
+            </a:r>
+            <a:endParaRPr lang="en-US" sz="2400" dirty="0">
+              <a:highlight>
+                <a:srgbClr val="FFFFFF"/>
+              </a:highlight>
+              <a:latin typeface="+mn-lt"/>
+              <a:ea typeface="Roboto"/>
+              <a:cs typeface="Roboto"/>
+              <a:sym typeface="Roboto"/>
+            </a:endParaRPr>
+          </a:p>
+          <a:p>
+            <a:pPr marL="457200" lvl="0" indent="-381000">
+              <a:lnSpc>
+                <a:spcPct val="115000"/>
+              </a:lnSpc>
+              <a:spcBef>
+                <a:spcPts val="0"/>
+              </a:spcBef>
+              <a:buSzPct val="100000"/>
+              <a:buFont typeface="Roboto"/>
+            </a:pPr>
+            <a:endParaRPr sz="2400" dirty="0">
+              <a:highlight>
+                <a:srgbClr val="FFFFFF"/>
+              </a:highlight>
+              <a:latin typeface="+mn-lt"/>
+              <a:ea typeface="Roboto"/>
+              <a:cs typeface="Roboto"/>
+              <a:sym typeface="Roboto"/>
+            </a:endParaRPr>
+          </a:p>
+          <a:p>
             <a:pPr marL="457200" lvl="0" indent="-381000" rtl="0">
               <a:lnSpc>
                 <a:spcPct val="115000"/>
@@ -21464,17 +22228,432 @@
               <a:buFont typeface="Roboto"/>
             </a:pPr>
             <a:r>
-              <a:rPr lang="en-US" sz="2400">
+              <a:rPr lang="en-US" sz="2400" dirty="0" err="1">
                 <a:highlight>
                   <a:srgbClr val="FFFFFF"/>
                 </a:highlight>
-                <a:latin typeface="Roboto"/>
+                <a:latin typeface="+mn-lt"/>
                 <a:ea typeface="Roboto"/>
                 <a:cs typeface="Roboto"/>
                 <a:sym typeface="Roboto"/>
               </a:rPr>
-              <a:t>Node.js là một mã nguồn được xây dựng dựa trên nền tảng Javascript V8 Engine. </a:t>
-            </a:r>
+              <a:t>NodeJS</a:t>
+            </a:r>
+            <a:r>
+              <a:rPr lang="en-US" sz="2400" dirty="0">
+                <a:highlight>
+                  <a:srgbClr val="FFFFFF"/>
+                </a:highlight>
+                <a:latin typeface="+mn-lt"/>
+                <a:ea typeface="Roboto"/>
+                <a:cs typeface="Roboto"/>
+                <a:sym typeface="Roboto"/>
+              </a:rPr>
+              <a:t> </a:t>
+            </a:r>
+            <a:r>
+              <a:rPr lang="en-US" sz="2400" dirty="0" err="1">
+                <a:highlight>
+                  <a:srgbClr val="FFFFFF"/>
+                </a:highlight>
+                <a:latin typeface="+mn-lt"/>
+                <a:ea typeface="Roboto"/>
+                <a:cs typeface="Roboto"/>
+                <a:sym typeface="Roboto"/>
+              </a:rPr>
+              <a:t>là</a:t>
+            </a:r>
+            <a:r>
+              <a:rPr lang="en-US" sz="2400" dirty="0">
+                <a:highlight>
+                  <a:srgbClr val="FFFFFF"/>
+                </a:highlight>
+                <a:latin typeface="+mn-lt"/>
+                <a:ea typeface="Roboto"/>
+                <a:cs typeface="Roboto"/>
+                <a:sym typeface="Roboto"/>
+              </a:rPr>
+              <a:t> </a:t>
+            </a:r>
+            <a:r>
+              <a:rPr lang="en-US" sz="2400" dirty="0" err="1">
+                <a:highlight>
+                  <a:srgbClr val="FFFFFF"/>
+                </a:highlight>
+                <a:latin typeface="+mn-lt"/>
+                <a:ea typeface="Roboto"/>
+                <a:cs typeface="Roboto"/>
+                <a:sym typeface="Roboto"/>
+              </a:rPr>
+              <a:t>sử</a:t>
+            </a:r>
+            <a:r>
+              <a:rPr lang="en-US" sz="2400" dirty="0">
+                <a:highlight>
+                  <a:srgbClr val="FFFFFF"/>
+                </a:highlight>
+                <a:latin typeface="+mn-lt"/>
+                <a:ea typeface="Roboto"/>
+                <a:cs typeface="Roboto"/>
+                <a:sym typeface="Roboto"/>
+              </a:rPr>
+              <a:t> </a:t>
+            </a:r>
+            <a:r>
+              <a:rPr lang="en-US" sz="2400" dirty="0" err="1">
+                <a:highlight>
+                  <a:srgbClr val="FFFFFF"/>
+                </a:highlight>
+                <a:latin typeface="+mn-lt"/>
+                <a:ea typeface="Roboto"/>
+                <a:cs typeface="Roboto"/>
+                <a:sym typeface="Roboto"/>
+              </a:rPr>
+              <a:t>dụng</a:t>
+            </a:r>
+            <a:r>
+              <a:rPr lang="en-US" sz="2400" dirty="0">
+                <a:highlight>
+                  <a:srgbClr val="FFFFFF"/>
+                </a:highlight>
+                <a:latin typeface="+mn-lt"/>
+                <a:ea typeface="Roboto"/>
+                <a:cs typeface="Roboto"/>
+                <a:sym typeface="Roboto"/>
+              </a:rPr>
+              <a:t> </a:t>
+            </a:r>
+            <a:r>
+              <a:rPr lang="en-US" sz="2400" dirty="0" err="1">
+                <a:highlight>
+                  <a:srgbClr val="FFFFFF"/>
+                </a:highlight>
+                <a:latin typeface="+mn-lt"/>
+                <a:ea typeface="Roboto"/>
+                <a:cs typeface="Roboto"/>
+                <a:sym typeface="Roboto"/>
+              </a:rPr>
+              <a:t>các</a:t>
+            </a:r>
+            <a:r>
+              <a:rPr lang="en-US" sz="2400" dirty="0">
+                <a:highlight>
+                  <a:srgbClr val="FFFFFF"/>
+                </a:highlight>
+                <a:latin typeface="+mn-lt"/>
+                <a:ea typeface="Roboto"/>
+                <a:cs typeface="Roboto"/>
+                <a:sym typeface="Roboto"/>
+              </a:rPr>
+              <a:t> </a:t>
+            </a:r>
+            <a:r>
+              <a:rPr lang="en-US" sz="2400" dirty="0" err="1">
+                <a:highlight>
+                  <a:srgbClr val="FFFFFF"/>
+                </a:highlight>
+                <a:latin typeface="+mn-lt"/>
+                <a:ea typeface="Roboto"/>
+                <a:cs typeface="Roboto"/>
+                <a:sym typeface="Roboto"/>
+              </a:rPr>
+              <a:t>mô</a:t>
+            </a:r>
+            <a:r>
+              <a:rPr lang="en-US" sz="2400" dirty="0">
+                <a:highlight>
+                  <a:srgbClr val="FFFFFF"/>
+                </a:highlight>
+                <a:latin typeface="+mn-lt"/>
+                <a:ea typeface="Roboto"/>
+                <a:cs typeface="Roboto"/>
+                <a:sym typeface="Roboto"/>
+              </a:rPr>
+              <a:t> </a:t>
+            </a:r>
+            <a:r>
+              <a:rPr lang="en-US" sz="2400" dirty="0" err="1">
+                <a:highlight>
+                  <a:srgbClr val="FFFFFF"/>
+                </a:highlight>
+                <a:latin typeface="+mn-lt"/>
+                <a:ea typeface="Roboto"/>
+                <a:cs typeface="Roboto"/>
+                <a:sym typeface="Roboto"/>
+              </a:rPr>
+              <a:t>hình</a:t>
+            </a:r>
+            <a:r>
+              <a:rPr lang="en-US" sz="2400" dirty="0">
+                <a:highlight>
+                  <a:srgbClr val="FFFFFF"/>
+                </a:highlight>
+                <a:latin typeface="+mn-lt"/>
+                <a:ea typeface="Roboto"/>
+                <a:cs typeface="Roboto"/>
+                <a:sym typeface="Roboto"/>
+              </a:rPr>
+              <a:t> </a:t>
+            </a:r>
+            <a:r>
+              <a:rPr lang="en-US" sz="2400" dirty="0" err="1">
+                <a:highlight>
+                  <a:srgbClr val="FFFFFF"/>
+                </a:highlight>
+                <a:latin typeface="+mn-lt"/>
+                <a:ea typeface="Roboto"/>
+                <a:cs typeface="Roboto"/>
+                <a:sym typeface="Roboto"/>
+              </a:rPr>
+              <a:t>lập</a:t>
+            </a:r>
+            <a:r>
+              <a:rPr lang="en-US" sz="2400" dirty="0">
+                <a:highlight>
+                  <a:srgbClr val="FFFFFF"/>
+                </a:highlight>
+                <a:latin typeface="+mn-lt"/>
+                <a:ea typeface="Roboto"/>
+                <a:cs typeface="Roboto"/>
+                <a:sym typeface="Roboto"/>
+              </a:rPr>
+              <a:t> </a:t>
+            </a:r>
+            <a:r>
+              <a:rPr lang="en-US" sz="2400" dirty="0" err="1">
+                <a:highlight>
+                  <a:srgbClr val="FFFFFF"/>
+                </a:highlight>
+                <a:latin typeface="+mn-lt"/>
+                <a:ea typeface="Roboto"/>
+                <a:cs typeface="Roboto"/>
+                <a:sym typeface="Roboto"/>
+              </a:rPr>
+              <a:t>trình</a:t>
+            </a:r>
+            <a:r>
+              <a:rPr lang="en-US" sz="2400" dirty="0">
+                <a:highlight>
+                  <a:srgbClr val="FFFFFF"/>
+                </a:highlight>
+                <a:latin typeface="+mn-lt"/>
+                <a:ea typeface="Roboto"/>
+                <a:cs typeface="Roboto"/>
+                <a:sym typeface="Roboto"/>
+              </a:rPr>
+              <a:t> </a:t>
+            </a:r>
+            <a:r>
+              <a:rPr lang="en-US" sz="2400" dirty="0" err="1">
+                <a:highlight>
+                  <a:srgbClr val="FFFFFF"/>
+                </a:highlight>
+                <a:latin typeface="+mn-lt"/>
+                <a:ea typeface="Roboto"/>
+                <a:cs typeface="Roboto"/>
+                <a:sym typeface="Roboto"/>
+              </a:rPr>
+              <a:t>như</a:t>
+            </a:r>
+            <a:r>
+              <a:rPr lang="en-US" sz="2400" dirty="0">
+                <a:highlight>
+                  <a:srgbClr val="FFFFFF"/>
+                </a:highlight>
+                <a:latin typeface="+mn-lt"/>
+                <a:ea typeface="Roboto"/>
+                <a:cs typeface="Roboto"/>
+                <a:sym typeface="Roboto"/>
+              </a:rPr>
+              <a:t> </a:t>
+            </a:r>
+            <a:r>
+              <a:rPr lang="en-US" sz="2400" dirty="0" err="1">
+                <a:highlight>
+                  <a:srgbClr val="FFFFFF"/>
+                </a:highlight>
+                <a:latin typeface="+mn-lt"/>
+                <a:ea typeface="Roboto"/>
+                <a:cs typeface="Roboto"/>
+                <a:sym typeface="Roboto"/>
+              </a:rPr>
+              <a:t>hướng</a:t>
+            </a:r>
+            <a:r>
+              <a:rPr lang="en-US" sz="2400" dirty="0">
+                <a:highlight>
+                  <a:srgbClr val="FFFFFF"/>
+                </a:highlight>
+                <a:latin typeface="+mn-lt"/>
+                <a:ea typeface="Roboto"/>
+                <a:cs typeface="Roboto"/>
+                <a:sym typeface="Roboto"/>
+              </a:rPr>
+              <a:t> </a:t>
+            </a:r>
+            <a:r>
+              <a:rPr lang="en-US" sz="2400" dirty="0" err="1">
+                <a:highlight>
+                  <a:srgbClr val="FFFFFF"/>
+                </a:highlight>
+                <a:latin typeface="+mn-lt"/>
+                <a:ea typeface="Roboto"/>
+                <a:cs typeface="Roboto"/>
+                <a:sym typeface="Roboto"/>
+              </a:rPr>
+              <a:t>sự</a:t>
+            </a:r>
+            <a:r>
+              <a:rPr lang="en-US" sz="2400" dirty="0">
+                <a:highlight>
+                  <a:srgbClr val="FFFFFF"/>
+                </a:highlight>
+                <a:latin typeface="+mn-lt"/>
+                <a:ea typeface="Roboto"/>
+                <a:cs typeface="Roboto"/>
+                <a:sym typeface="Roboto"/>
+              </a:rPr>
+              <a:t> </a:t>
+            </a:r>
+            <a:r>
+              <a:rPr lang="en-US" sz="2400" dirty="0" err="1">
+                <a:highlight>
+                  <a:srgbClr val="FFFFFF"/>
+                </a:highlight>
+                <a:latin typeface="+mn-lt"/>
+                <a:ea typeface="Roboto"/>
+                <a:cs typeface="Roboto"/>
+                <a:sym typeface="Roboto"/>
+              </a:rPr>
+              <a:t>kiện</a:t>
+            </a:r>
+            <a:r>
+              <a:rPr lang="en-US" sz="2400" dirty="0">
+                <a:highlight>
+                  <a:srgbClr val="FFFFFF"/>
+                </a:highlight>
+                <a:latin typeface="+mn-lt"/>
+                <a:ea typeface="Roboto"/>
+                <a:cs typeface="Roboto"/>
+                <a:sym typeface="Roboto"/>
+              </a:rPr>
+              <a:t> (event-driven), </a:t>
+            </a:r>
+            <a:r>
+              <a:rPr lang="en-US" sz="2400" dirty="0" err="1">
+                <a:highlight>
+                  <a:srgbClr val="FFFFFF"/>
+                </a:highlight>
+                <a:latin typeface="+mn-lt"/>
+                <a:ea typeface="Roboto"/>
+                <a:cs typeface="Roboto"/>
+                <a:sym typeface="Roboto"/>
+              </a:rPr>
+              <a:t>không</a:t>
+            </a:r>
+            <a:r>
+              <a:rPr lang="en-US" sz="2400" dirty="0">
+                <a:highlight>
+                  <a:srgbClr val="FFFFFF"/>
+                </a:highlight>
+                <a:latin typeface="+mn-lt"/>
+                <a:ea typeface="Roboto"/>
+                <a:cs typeface="Roboto"/>
+                <a:sym typeface="Roboto"/>
+              </a:rPr>
+              <a:t> </a:t>
+            </a:r>
+            <a:r>
+              <a:rPr lang="en-US" sz="2400" dirty="0" err="1">
+                <a:highlight>
+                  <a:srgbClr val="FFFFFF"/>
+                </a:highlight>
+                <a:latin typeface="+mn-lt"/>
+                <a:ea typeface="Roboto"/>
+                <a:cs typeface="Roboto"/>
+                <a:sym typeface="Roboto"/>
+              </a:rPr>
+              <a:t>chặn</a:t>
+            </a:r>
+            <a:r>
+              <a:rPr lang="en-US" sz="2400" dirty="0">
+                <a:highlight>
+                  <a:srgbClr val="FFFFFF"/>
+                </a:highlight>
+                <a:latin typeface="+mn-lt"/>
+                <a:ea typeface="Roboto"/>
+                <a:cs typeface="Roboto"/>
+                <a:sym typeface="Roboto"/>
+              </a:rPr>
+              <a:t> I/O (Non-blocking I/O)</a:t>
+            </a:r>
+          </a:p>
+          <a:p>
+            <a:pPr marL="76200" lvl="0" indent="0" rtl="0">
+              <a:lnSpc>
+                <a:spcPct val="115000"/>
+              </a:lnSpc>
+              <a:spcBef>
+                <a:spcPts val="0"/>
+              </a:spcBef>
+              <a:buSzPct val="100000"/>
+              <a:buNone/>
+            </a:pPr>
+            <a:endParaRPr lang="en-US" sz="2400" dirty="0">
+              <a:highlight>
+                <a:srgbClr val="FFFFFF"/>
+              </a:highlight>
+              <a:latin typeface="+mn-lt"/>
+              <a:ea typeface="Roboto"/>
+              <a:cs typeface="Roboto"/>
+              <a:sym typeface="Roboto"/>
+            </a:endParaRPr>
+          </a:p>
+          <a:p>
+            <a:pPr marL="457200" lvl="0" indent="-381000">
+              <a:lnSpc>
+                <a:spcPct val="115000"/>
+              </a:lnSpc>
+              <a:spcBef>
+                <a:spcPts val="0"/>
+              </a:spcBef>
+              <a:buSzPct val="100000"/>
+              <a:buFont typeface="Roboto"/>
+            </a:pPr>
+            <a:r>
+              <a:rPr lang="vi-VN" sz="2400" dirty="0">
+                <a:highlight>
+                  <a:srgbClr val="FFFFFF"/>
+                </a:highlight>
+              </a:rPr>
+              <a:t>Node.js hướng đến việc tạo nên những </a:t>
+            </a:r>
+            <a:r>
+              <a:rPr lang="vi-VN" sz="2400" b="1" dirty="0">
+                <a:highlight>
+                  <a:srgbClr val="FFFFFF"/>
+                </a:highlight>
+              </a:rPr>
+              <a:t>realtime websites</a:t>
+            </a:r>
+            <a:r>
+              <a:rPr lang="vi-VN" sz="2400" dirty="0">
+                <a:latin typeface="+mn-lt"/>
+                <a:ea typeface="Roboto"/>
+                <a:cs typeface="Roboto"/>
+                <a:sym typeface="Roboto"/>
+              </a:rPr>
+              <a:t> thông qua cơ chế websocket.</a:t>
+            </a:r>
+            <a:endParaRPr lang="en-US" sz="2400" dirty="0">
+              <a:highlight>
+                <a:srgbClr val="FFFFFF"/>
+              </a:highlight>
+              <a:latin typeface="+mn-lt"/>
+              <a:ea typeface="Roboto"/>
+              <a:cs typeface="Roboto"/>
+              <a:sym typeface="Roboto"/>
+            </a:endParaRPr>
           </a:p>
           <a:p>
             <a:pPr marL="0" lvl="0" indent="0" rtl="0">
@@ -21486,61 +22665,17 @@
               </a:spcBef>
               <a:buNone/>
             </a:pPr>
-            <a:endParaRPr sz="2400">
+            <a:endParaRPr sz="2400" dirty="0">
               <a:highlight>
                 <a:srgbClr val="FFFFFF"/>
               </a:highlight>
-              <a:latin typeface="Roboto"/>
+              <a:latin typeface="+mn-lt"/>
               <a:ea typeface="Roboto"/>
               <a:cs typeface="Roboto"/>
               <a:sym typeface="Roboto"/>
             </a:endParaRPr>
           </a:p>
           <a:p>
-            <a:pPr marL="457200" lvl="0" indent="-381000" rtl="0">
-              <a:lnSpc>
-                <a:spcPct val="115000"/>
-              </a:lnSpc>
-              <a:spcBef>
-                <a:spcPts val="0"/>
-              </a:spcBef>
-              <a:buSzPct val="100000"/>
-              <a:buFont typeface="Roboto"/>
-            </a:pPr>
-            <a:r>
-              <a:rPr lang="en-US" sz="2400">
-                <a:highlight>
-                  <a:srgbClr val="FFFFFF"/>
-                </a:highlight>
-                <a:latin typeface="Roboto"/>
-                <a:ea typeface="Roboto"/>
-                <a:cs typeface="Roboto"/>
-                <a:sym typeface="Roboto"/>
-              </a:rPr>
-              <a:t>NodeJS là sử dụng các mô hình lập trình như hướng sự kiện (event-driven), không chặn I/O (Non-blocking I/O) nhằm mục đích cung cấp một platform gọn nhẹ và hiệu quả, thích hợp cho các web-app thời gian thực</a:t>
-            </a:r>
-          </a:p>
-          <a:p>
-            <a:pPr marL="0" lvl="0" indent="0" rtl="0">
-              <a:lnSpc>
-                <a:spcPct val="115000"/>
-              </a:lnSpc>
-              <a:spcBef>
-                <a:spcPts val="0"/>
-              </a:spcBef>
-              <a:buNone/>
-            </a:pPr>
-            <a:endParaRPr sz="2400">
-              <a:highlight>
-                <a:srgbClr val="FFFFFF"/>
-              </a:highlight>
-              <a:latin typeface="Roboto"/>
-              <a:ea typeface="Roboto"/>
-              <a:cs typeface="Roboto"/>
-              <a:sym typeface="Roboto"/>
-            </a:endParaRPr>
-          </a:p>
-          <a:p>
             <a:pPr marL="457200" marR="0" lvl="0" indent="-381000" rtl="0">
               <a:lnSpc>
                 <a:spcPct val="90000"/>
@@ -21552,14 +22687,38 @@
               <a:buFont typeface="Source Sans Pro"/>
             </a:pPr>
             <a:r>
-              <a:rPr lang="en-US" sz="2400">
-                <a:latin typeface="Source Sans Pro"/>
-                <a:ea typeface="Source Sans Pro"/>
-                <a:cs typeface="Source Sans Pro"/>
+              <a:rPr lang="en-US" sz="2400" dirty="0">
+                <a:highlight>
+                  <a:srgbClr val="FFFFFF"/>
+                </a:highlight>
+                <a:latin typeface="+mn-lt"/>
+                <a:ea typeface="Roboto"/>
+                <a:cs typeface="Roboto"/>
                 <a:sym typeface="Source Sans Pro"/>
               </a:rPr>
-              <a:t>Node.js' package ecosystem, npm</a:t>
-            </a:r>
+              <a:t>Node.js' package ecosystem: </a:t>
+            </a:r>
+            <a:r>
+              <a:rPr lang="en-US" sz="2400" dirty="0" err="1">
+                <a:highlight>
+                  <a:srgbClr val="FFFFFF"/>
+                </a:highlight>
+                <a:latin typeface="+mn-lt"/>
+                <a:ea typeface="Roboto"/>
+                <a:cs typeface="Roboto"/>
+                <a:sym typeface="Source Sans Pro"/>
+              </a:rPr>
+              <a:t>npm</a:t>
+            </a:r>
+            <a:endParaRPr lang="en-US" sz="2400" dirty="0">
+              <a:highlight>
+                <a:srgbClr val="FFFFFF"/>
+              </a:highlight>
+              <a:latin typeface="+mn-lt"/>
+              <a:ea typeface="Roboto"/>
+              <a:cs typeface="Roboto"/>
+              <a:sym typeface="Source Sans Pro"/>
+            </a:endParaRPr>
           </a:p>
         </p:txBody>
       </p:sp>
@@ -21612,13 +22771,13 @@
   <p:clrMapOvr>
     <a:masterClrMapping/>
   </p:clrMapOvr>
-  <mc:AlternateContent xmlns:mc="http://schemas.openxmlformats.org/markup-compatibility/2006">
-    <mc:Choice xmlns:p14="http://schemas.microsoft.com/office/powerpoint/2010/main" Requires="p14">
+  <mc:AlternateContent xmlns:mc="http://schemas.openxmlformats.org/markup-compatibility/2006" xmlns:p14="http://schemas.microsoft.com/office/powerpoint/2010/main">
+    <mc:Choice Requires="p14">
       <p:transition spd="med" p14:dur="700">
         <p:fade/>
       </p:transition>
     </mc:Choice>
-    <mc:Fallback>
+    <mc:Fallback xmlns="">
       <p:transition spd="med">
         <p:fade/>
       </p:transition>
@@ -21628,6 +22787,487 @@
 </file>
 
 <file path=ppt/slides/slide30.xml><?xml version="1.0" encoding="utf-8"?>
+<p:sld xmlns:a="http://schemas.openxmlformats.org/drawingml/2006/main" xmlns:r="http://schemas.openxmlformats.org/officeDocument/2006/relationships" xmlns:p="http://schemas.openxmlformats.org/presentationml/2006/main">
+  <p:cSld>
+    <p:spTree>
+      <p:nvGrpSpPr>
+        <p:cNvPr id="1" name="Shape 360"/>
+        <p:cNvGrpSpPr/>
+        <p:nvPr/>
+      </p:nvGrpSpPr>
+      <p:grpSpPr>
+        <a:xfrm>
+          <a:off x="0" y="0"/>
+          <a:ext cx="0" cy="0"/>
+          <a:chOff x="0" y="0"/>
+          <a:chExt cx="0" cy="0"/>
+        </a:xfrm>
+      </p:grpSpPr>
+      <p:sp>
+        <p:nvSpPr>
+          <p:cNvPr id="361" name="Shape 361"/>
+          <p:cNvSpPr txBox="1">
+            <a:spLocks noGrp="1"/>
+          </p:cNvSpPr>
+          <p:nvPr>
+            <p:ph type="title"/>
+          </p:nvPr>
+        </p:nvSpPr>
+        <p:spPr>
+          <a:xfrm>
+            <a:off x="1065212" y="533400"/>
+            <a:ext cx="8686800" cy="1066800"/>
+          </a:xfrm>
+          <a:prstGeom prst="rect">
+            <a:avLst/>
+          </a:prstGeom>
+          <a:noFill/>
+          <a:ln>
+            <a:noFill/>
+          </a:ln>
+        </p:spPr>
+        <p:txBody>
+          <a:bodyPr lIns="91425" tIns="45700" rIns="91425" bIns="45700" anchor="b" anchorCtr="0">
+            <a:noAutofit/>
+          </a:bodyPr>
+          <a:lstStyle/>
+          <a:p>
+            <a:pPr marL="0" marR="0" lvl="0" indent="0" algn="l" rtl="0">
+              <a:lnSpc>
+                <a:spcPct val="80000"/>
+              </a:lnSpc>
+              <a:spcBef>
+                <a:spcPts val="0"/>
+              </a:spcBef>
+              <a:buClr>
+                <a:srgbClr val="0082B3"/>
+              </a:buClr>
+              <a:buSzPct val="25000"/>
+              <a:buFont typeface="Source Sans Pro"/>
+              <a:buNone/>
+            </a:pPr>
+            <a:r>
+              <a:rPr lang="en-US"/>
+              <a:t>5. Connect MySQL with Node.js</a:t>
+            </a:r>
+          </a:p>
+        </p:txBody>
+      </p:sp>
+      <p:sp>
+        <p:nvSpPr>
+          <p:cNvPr id="362" name="Shape 362"/>
+          <p:cNvSpPr txBox="1">
+            <a:spLocks noGrp="1"/>
+          </p:cNvSpPr>
+          <p:nvPr>
+            <p:ph type="sldNum" idx="12"/>
+          </p:nvPr>
+        </p:nvSpPr>
+        <p:spPr>
+          <a:xfrm>
+            <a:off x="11119556" y="260350"/>
+            <a:ext cx="518194" cy="588000"/>
+          </a:xfrm>
+          <a:prstGeom prst="rect">
+            <a:avLst/>
+          </a:prstGeom>
+          <a:noFill/>
+          <a:ln>
+            <a:noFill/>
+          </a:ln>
+        </p:spPr>
+        <p:txBody>
+          <a:bodyPr lIns="91425" tIns="45700" rIns="91425" bIns="45700" anchor="ctr" anchorCtr="0">
+            <a:noAutofit/>
+          </a:bodyPr>
+          <a:lstStyle/>
+          <a:p>
+            <a:pPr lvl="0" rtl="0">
+              <a:spcBef>
+                <a:spcPts val="0"/>
+              </a:spcBef>
+              <a:buNone/>
+            </a:pPr>
+            <a:fld id="{00000000-1234-1234-1234-123412341234}" type="slidenum">
+              <a:rPr lang="en-US"/>
+              <a:t>30</a:t>
+            </a:fld>
+            <a:endParaRPr lang="en-US" dirty="0"/>
+          </a:p>
+        </p:txBody>
+      </p:sp>
+      <p:sp>
+        <p:nvSpPr>
+          <p:cNvPr id="363" name="Shape 363"/>
+          <p:cNvSpPr txBox="1">
+            <a:spLocks noGrp="1"/>
+          </p:cNvSpPr>
+          <p:nvPr>
+            <p:ph type="body" idx="1"/>
+          </p:nvPr>
+        </p:nvSpPr>
+        <p:spPr>
+          <a:xfrm>
+            <a:off x="1065212" y="1828800"/>
+            <a:ext cx="8686800" cy="4191000"/>
+          </a:xfrm>
+          <a:prstGeom prst="rect">
+            <a:avLst/>
+          </a:prstGeom>
+          <a:noFill/>
+          <a:ln>
+            <a:noFill/>
+          </a:ln>
+        </p:spPr>
+        <p:txBody>
+          <a:bodyPr lIns="91425" tIns="45700" rIns="91425" bIns="45700" anchor="t" anchorCtr="0">
+            <a:noAutofit/>
+          </a:bodyPr>
+          <a:lstStyle/>
+          <a:p>
+            <a:pPr marL="274320" marR="0" lvl="0" indent="-236220" algn="l" rtl="0">
+              <a:lnSpc>
+                <a:spcPct val="90000"/>
+              </a:lnSpc>
+              <a:spcBef>
+                <a:spcPts val="0"/>
+              </a:spcBef>
+              <a:buClr>
+                <a:srgbClr val="595959"/>
+              </a:buClr>
+              <a:buSzPct val="66666"/>
+              <a:buFont typeface="Arial"/>
+              <a:buNone/>
+            </a:pPr>
+            <a:r>
+              <a:rPr lang="en-US" sz="2400"/>
+              <a:t>Đóng kết nối</a:t>
+            </a:r>
+          </a:p>
+          <a:p>
+            <a:pPr marL="731520" marR="0" lvl="0" indent="-204469" algn="l" rtl="0">
+              <a:lnSpc>
+                <a:spcPct val="90000"/>
+              </a:lnSpc>
+              <a:spcBef>
+                <a:spcPts val="0"/>
+              </a:spcBef>
+              <a:buClr>
+                <a:schemeClr val="dk1"/>
+              </a:buClr>
+              <a:buSzPct val="45833"/>
+              <a:buFont typeface="Arial"/>
+              <a:buNone/>
+            </a:pPr>
+            <a:endParaRPr sz="2400">
+              <a:latin typeface="Source Sans Pro"/>
+              <a:ea typeface="Source Sans Pro"/>
+              <a:cs typeface="Source Sans Pro"/>
+              <a:sym typeface="Source Sans Pro"/>
+            </a:endParaRPr>
+          </a:p>
+          <a:p>
+            <a:pPr marL="731520" marR="0" lvl="0" indent="-204469" algn="l" rtl="0">
+              <a:lnSpc>
+                <a:spcPct val="90000"/>
+              </a:lnSpc>
+              <a:spcBef>
+                <a:spcPts val="0"/>
+              </a:spcBef>
+              <a:buClr>
+                <a:schemeClr val="dk1"/>
+              </a:buClr>
+              <a:buSzPct val="45833"/>
+              <a:buFont typeface="Arial"/>
+              <a:buNone/>
+            </a:pPr>
+            <a:endParaRPr sz="2400">
+              <a:latin typeface="Source Sans Pro"/>
+              <a:ea typeface="Source Sans Pro"/>
+              <a:cs typeface="Source Sans Pro"/>
+              <a:sym typeface="Source Sans Pro"/>
+            </a:endParaRPr>
+          </a:p>
+          <a:p>
+            <a:pPr marL="274320" marR="0" lvl="0" indent="-236220" algn="l" rtl="0">
+              <a:lnSpc>
+                <a:spcPct val="90000"/>
+              </a:lnSpc>
+              <a:spcBef>
+                <a:spcPts val="0"/>
+              </a:spcBef>
+              <a:buClr>
+                <a:srgbClr val="595959"/>
+              </a:buClr>
+              <a:buSzPct val="66666"/>
+              <a:buFont typeface="Arial"/>
+              <a:buNone/>
+            </a:pPr>
+            <a:endParaRPr sz="2400">
+              <a:latin typeface="Source Sans Pro"/>
+              <a:ea typeface="Source Sans Pro"/>
+              <a:cs typeface="Source Sans Pro"/>
+              <a:sym typeface="Source Sans Pro"/>
+            </a:endParaRPr>
+          </a:p>
+          <a:p>
+            <a:pPr marL="274320" marR="0" lvl="0" indent="-236220" algn="l" rtl="0">
+              <a:lnSpc>
+                <a:spcPct val="90000"/>
+              </a:lnSpc>
+              <a:spcBef>
+                <a:spcPts val="0"/>
+              </a:spcBef>
+              <a:buClr>
+                <a:srgbClr val="595959"/>
+              </a:buClr>
+              <a:buSzPct val="66666"/>
+              <a:buFont typeface="Arial"/>
+              <a:buNone/>
+            </a:pPr>
+            <a:endParaRPr sz="2400">
+              <a:latin typeface="Source Sans Pro"/>
+              <a:ea typeface="Source Sans Pro"/>
+              <a:cs typeface="Source Sans Pro"/>
+              <a:sym typeface="Source Sans Pro"/>
+            </a:endParaRPr>
+          </a:p>
+          <a:p>
+            <a:pPr marL="274320" marR="0" lvl="0" indent="-236220" algn="l" rtl="0">
+              <a:lnSpc>
+                <a:spcPct val="90000"/>
+              </a:lnSpc>
+              <a:spcBef>
+                <a:spcPts val="0"/>
+              </a:spcBef>
+              <a:buClr>
+                <a:srgbClr val="595959"/>
+              </a:buClr>
+              <a:buSzPct val="66666"/>
+              <a:buFont typeface="Arial"/>
+              <a:buNone/>
+            </a:pPr>
+            <a:endParaRPr sz="2400">
+              <a:latin typeface="Source Sans Pro"/>
+              <a:ea typeface="Source Sans Pro"/>
+              <a:cs typeface="Source Sans Pro"/>
+              <a:sym typeface="Source Sans Pro"/>
+            </a:endParaRPr>
+          </a:p>
+        </p:txBody>
+      </p:sp>
+      <p:pic>
+        <p:nvPicPr>
+          <p:cNvPr id="364" name="Shape 364"/>
+          <p:cNvPicPr preferRelativeResize="0"/>
+          <p:nvPr/>
+        </p:nvPicPr>
+        <p:blipFill>
+          <a:blip r:embed="rId3">
+            <a:alphaModFix/>
+          </a:blip>
+          <a:stretch>
+            <a:fillRect/>
+          </a:stretch>
+        </p:blipFill>
+        <p:spPr>
+          <a:xfrm>
+            <a:off x="1664901" y="2694700"/>
+            <a:ext cx="3570224" cy="857650"/>
+          </a:xfrm>
+          <a:prstGeom prst="rect">
+            <a:avLst/>
+          </a:prstGeom>
+          <a:noFill/>
+          <a:ln>
+            <a:noFill/>
+          </a:ln>
+        </p:spPr>
+      </p:pic>
+    </p:spTree>
+  </p:cSld>
+  <p:clrMapOvr>
+    <a:masterClrMapping/>
+  </p:clrMapOvr>
+  <mc:AlternateContent xmlns:mc="http://schemas.openxmlformats.org/markup-compatibility/2006" xmlns:p14="http://schemas.microsoft.com/office/powerpoint/2010/main">
+    <mc:Choice Requires="p14">
+      <p:transition spd="med" p14:dur="700">
+        <p:fade/>
+      </p:transition>
+    </mc:Choice>
+    <mc:Fallback xmlns="">
+      <p:transition spd="med">
+        <p:fade/>
+      </p:transition>
+    </mc:Fallback>
+  </mc:AlternateContent>
+</p:sld>
+</file>
+
+<file path=ppt/slides/slide31.xml><?xml version="1.0" encoding="utf-8"?>
+<p:sld xmlns:a="http://schemas.openxmlformats.org/drawingml/2006/main" xmlns:r="http://schemas.openxmlformats.org/officeDocument/2006/relationships" xmlns:p="http://schemas.openxmlformats.org/presentationml/2006/main">
+  <p:cSld>
+    <p:spTree>
+      <p:nvGrpSpPr>
+        <p:cNvPr id="1" name="Shape 368"/>
+        <p:cNvGrpSpPr/>
+        <p:nvPr/>
+      </p:nvGrpSpPr>
+      <p:grpSpPr>
+        <a:xfrm>
+          <a:off x="0" y="0"/>
+          <a:ext cx="0" cy="0"/>
+          <a:chOff x="0" y="0"/>
+          <a:chExt cx="0" cy="0"/>
+        </a:xfrm>
+      </p:grpSpPr>
+      <p:sp>
+        <p:nvSpPr>
+          <p:cNvPr id="369" name="Shape 369"/>
+          <p:cNvSpPr txBox="1">
+            <a:spLocks noGrp="1"/>
+          </p:cNvSpPr>
+          <p:nvPr>
+            <p:ph type="title"/>
+          </p:nvPr>
+        </p:nvSpPr>
+        <p:spPr>
+          <a:xfrm>
+            <a:off x="1065212" y="533400"/>
+            <a:ext cx="8686800" cy="1066800"/>
+          </a:xfrm>
+          <a:prstGeom prst="rect">
+            <a:avLst/>
+          </a:prstGeom>
+          <a:noFill/>
+          <a:ln>
+            <a:noFill/>
+          </a:ln>
+        </p:spPr>
+        <p:txBody>
+          <a:bodyPr lIns="91425" tIns="45700" rIns="91425" bIns="45700" anchor="b" anchorCtr="0">
+            <a:noAutofit/>
+          </a:bodyPr>
+          <a:lstStyle/>
+          <a:p>
+            <a:pPr marL="0" marR="0" lvl="0" indent="0" algn="l" rtl="0">
+              <a:lnSpc>
+                <a:spcPct val="80000"/>
+              </a:lnSpc>
+              <a:spcBef>
+                <a:spcPts val="0"/>
+              </a:spcBef>
+              <a:buClr>
+                <a:srgbClr val="0082B3"/>
+              </a:buClr>
+              <a:buSzPct val="25000"/>
+              <a:buFont typeface="Source Sans Pro"/>
+              <a:buNone/>
+            </a:pPr>
+            <a:r>
+              <a:rPr lang="en-US"/>
+              <a:t>5. Connect MySQL with Node.js</a:t>
+            </a:r>
+          </a:p>
+        </p:txBody>
+      </p:sp>
+      <p:sp>
+        <p:nvSpPr>
+          <p:cNvPr id="370" name="Shape 370"/>
+          <p:cNvSpPr txBox="1">
+            <a:spLocks noGrp="1"/>
+          </p:cNvSpPr>
+          <p:nvPr>
+            <p:ph type="sldNum" idx="12"/>
+          </p:nvPr>
+        </p:nvSpPr>
+        <p:spPr>
+          <a:xfrm>
+            <a:off x="11130844" y="260350"/>
+            <a:ext cx="506906" cy="588000"/>
+          </a:xfrm>
+          <a:prstGeom prst="rect">
+            <a:avLst/>
+          </a:prstGeom>
+          <a:noFill/>
+          <a:ln>
+            <a:noFill/>
+          </a:ln>
+        </p:spPr>
+        <p:txBody>
+          <a:bodyPr lIns="91425" tIns="45700" rIns="91425" bIns="45700" anchor="ctr" anchorCtr="0">
+            <a:noAutofit/>
+          </a:bodyPr>
+          <a:lstStyle/>
+          <a:p>
+            <a:pPr lvl="0" rtl="0">
+              <a:spcBef>
+                <a:spcPts val="0"/>
+              </a:spcBef>
+              <a:buClr>
+                <a:srgbClr val="000000"/>
+              </a:buClr>
+              <a:buSzPct val="25000"/>
+              <a:buFont typeface="Arial"/>
+              <a:buNone/>
+            </a:pPr>
+            <a:fld id="{00000000-1234-1234-1234-123412341234}" type="slidenum">
+              <a:rPr lang="en-US"/>
+              <a:t>31</a:t>
+            </a:fld>
+            <a:endParaRPr lang="en-US" dirty="0"/>
+          </a:p>
+        </p:txBody>
+      </p:sp>
+      <p:pic>
+        <p:nvPicPr>
+          <p:cNvPr id="371" name="Shape 371"/>
+          <p:cNvPicPr preferRelativeResize="0"/>
+          <p:nvPr/>
+        </p:nvPicPr>
+        <p:blipFill>
+          <a:blip r:embed="rId3">
+            <a:alphaModFix/>
+          </a:blip>
+          <a:stretch>
+            <a:fillRect/>
+          </a:stretch>
+        </p:blipFill>
+        <p:spPr>
+          <a:xfrm>
+            <a:off x="1566800" y="1797550"/>
+            <a:ext cx="6235548" cy="4953000"/>
+          </a:xfrm>
+          <a:prstGeom prst="rect">
+            <a:avLst/>
+          </a:prstGeom>
+          <a:noFill/>
+          <a:ln>
+            <a:noFill/>
+          </a:ln>
+        </p:spPr>
+      </p:pic>
+    </p:spTree>
+  </p:cSld>
+  <p:clrMapOvr>
+    <a:masterClrMapping/>
+  </p:clrMapOvr>
+  <mc:AlternateContent xmlns:mc="http://schemas.openxmlformats.org/markup-compatibility/2006" xmlns:p14="http://schemas.microsoft.com/office/powerpoint/2010/main">
+    <mc:Choice Requires="p14">
+      <p:transition spd="med" p14:dur="700">
+        <p:fade/>
+      </p:transition>
+    </mc:Choice>
+    <mc:Fallback xmlns="">
+      <p:transition spd="med">
+        <p:fade/>
+      </p:transition>
+    </mc:Fallback>
+  </mc:AlternateContent>
+</p:sld>
+</file>
+
+<file path=ppt/slides/slide32.xml><?xml version="1.0" encoding="utf-8"?>
 <p:sld xmlns:a="http://schemas.openxmlformats.org/drawingml/2006/main" xmlns:r="http://schemas.openxmlformats.org/officeDocument/2006/relationships" xmlns:p="http://schemas.openxmlformats.org/presentationml/2006/main">
   <p:cSld>
     <p:spTree>
@@ -21731,7 +23371,7 @@
             </a:pPr>
             <a:fld id="{00000000-1234-1234-1234-123412341234}" type="slidenum">
               <a:rPr lang="en-US"/>
-              <a:t>30</a:t>
+              <a:t>32</a:t>
             </a:fld>
             <a:endParaRPr lang="en-US" dirty="0"/>
           </a:p>
@@ -21956,13 +23596,13 @@
   <p:clrMapOvr>
     <a:masterClrMapping/>
   </p:clrMapOvr>
-  <mc:AlternateContent xmlns:mc="http://schemas.openxmlformats.org/markup-compatibility/2006">
-    <mc:Choice xmlns:p14="http://schemas.microsoft.com/office/powerpoint/2010/main" Requires="p14">
+  <mc:AlternateContent xmlns:mc="http://schemas.openxmlformats.org/markup-compatibility/2006" xmlns:p14="http://schemas.microsoft.com/office/powerpoint/2010/main">
+    <mc:Choice Requires="p14">
       <p:transition spd="med" p14:dur="700">
         <p:fade/>
       </p:transition>
     </mc:Choice>
-    <mc:Fallback>
+    <mc:Fallback xmlns="">
       <p:transition spd="med">
         <p:fade/>
       </p:transition>
@@ -21971,7 +23611,7 @@
 </p:sld>
 </file>
 
-<file path=ppt/slides/slide31.xml><?xml version="1.0" encoding="utf-8"?>
+<file path=ppt/slides/slide33.xml><?xml version="1.0" encoding="utf-8"?>
 <p:sld xmlns:a="http://schemas.openxmlformats.org/drawingml/2006/main" xmlns:r="http://schemas.openxmlformats.org/officeDocument/2006/relationships" xmlns:p="http://schemas.openxmlformats.org/presentationml/2006/main">
   <p:cSld>
     <p:spTree>
@@ -22080,7 +23720,7 @@
             </a:pPr>
             <a:fld id="{00000000-1234-1234-1234-123412341234}" type="slidenum">
               <a:rPr lang="en-US"/>
-              <a:t>31</a:t>
+              <a:t>33</a:t>
             </a:fld>
             <a:endParaRPr lang="en-US" dirty="0"/>
           </a:p>
@@ -22279,13 +23919,13 @@
   <p:clrMapOvr>
     <a:masterClrMapping/>
   </p:clrMapOvr>
-  <mc:AlternateContent xmlns:mc="http://schemas.openxmlformats.org/markup-compatibility/2006">
-    <mc:Choice xmlns:p14="http://schemas.microsoft.com/office/powerpoint/2010/main" Requires="p14">
+  <mc:AlternateContent xmlns:mc="http://schemas.openxmlformats.org/markup-compatibility/2006" xmlns:p14="http://schemas.microsoft.com/office/powerpoint/2010/main">
+    <mc:Choice Requires="p14">
       <p:transition spd="med" p14:dur="700">
         <p:fade/>
       </p:transition>
     </mc:Choice>
-    <mc:Fallback>
+    <mc:Fallback xmlns="">
       <p:transition spd="med">
         <p:fade/>
       </p:transition>
@@ -22294,7 +23934,7 @@
 </p:sld>
 </file>
 
-<file path=ppt/slides/slide32.xml><?xml version="1.0" encoding="utf-8"?>
+<file path=ppt/slides/slide34.xml><?xml version="1.0" encoding="utf-8"?>
 <p:sld xmlns:a="http://schemas.openxmlformats.org/drawingml/2006/main" xmlns:r="http://schemas.openxmlformats.org/officeDocument/2006/relationships" xmlns:p="http://schemas.openxmlformats.org/presentationml/2006/main">
   <p:cSld>
     <p:spTree>
@@ -22403,7 +24043,7 @@
             </a:pPr>
             <a:fld id="{00000000-1234-1234-1234-123412341234}" type="slidenum">
               <a:rPr lang="en-US"/>
-              <a:t>32</a:t>
+              <a:t>34</a:t>
             </a:fld>
             <a:endParaRPr lang="en-US" dirty="0"/>
           </a:p>
@@ -22496,13 +24136,13 @@
   <p:clrMapOvr>
     <a:masterClrMapping/>
   </p:clrMapOvr>
-  <mc:AlternateContent xmlns:mc="http://schemas.openxmlformats.org/markup-compatibility/2006">
-    <mc:Choice xmlns:p14="http://schemas.microsoft.com/office/powerpoint/2010/main" Requires="p14">
+  <mc:AlternateContent xmlns:mc="http://schemas.openxmlformats.org/markup-compatibility/2006" xmlns:p14="http://schemas.microsoft.com/office/powerpoint/2010/main">
+    <mc:Choice Requires="p14">
       <p:transition spd="med" p14:dur="700">
         <p:fade/>
       </p:transition>
     </mc:Choice>
-    <mc:Fallback>
+    <mc:Fallback xmlns="">
       <p:transition spd="med">
         <p:fade/>
       </p:transition>
@@ -22511,7 +24151,7 @@
 </p:sld>
 </file>
 
-<file path=ppt/slides/slide33.xml><?xml version="1.0" encoding="utf-8"?>
+<file path=ppt/slides/slide35.xml><?xml version="1.0" encoding="utf-8"?>
 <p:sld xmlns:a="http://schemas.openxmlformats.org/drawingml/2006/main" xmlns:r="http://schemas.openxmlformats.org/officeDocument/2006/relationships" xmlns:p="http://schemas.openxmlformats.org/presentationml/2006/main">
   <p:cSld>
     <p:spTree>
@@ -22620,7 +24260,7 @@
             </a:pPr>
             <a:fld id="{00000000-1234-1234-1234-123412341234}" type="slidenum">
               <a:rPr lang="en-US"/>
-              <a:t>33</a:t>
+              <a:t>35</a:t>
             </a:fld>
             <a:endParaRPr lang="en-US" dirty="0"/>
           </a:p>
@@ -22740,13 +24380,13 @@
   <p:clrMapOvr>
     <a:masterClrMapping/>
   </p:clrMapOvr>
-  <mc:AlternateContent xmlns:mc="http://schemas.openxmlformats.org/markup-compatibility/2006">
-    <mc:Choice xmlns:p14="http://schemas.microsoft.com/office/powerpoint/2010/main" Requires="p14">
+  <mc:AlternateContent xmlns:mc="http://schemas.openxmlformats.org/markup-compatibility/2006" xmlns:p14="http://schemas.microsoft.com/office/powerpoint/2010/main">
+    <mc:Choice Requires="p14">
       <p:transition spd="med" p14:dur="700">
         <p:fade/>
       </p:transition>
     </mc:Choice>
-    <mc:Fallback>
+    <mc:Fallback xmlns="">
       <p:transition spd="med">
         <p:fade/>
       </p:transition>
@@ -22755,7 +24395,7 @@
 </p:sld>
 </file>
 
-<file path=ppt/slides/slide34.xml><?xml version="1.0" encoding="utf-8"?>
+<file path=ppt/slides/slide36.xml><?xml version="1.0" encoding="utf-8"?>
 <p:sld xmlns:a="http://schemas.openxmlformats.org/drawingml/2006/main" xmlns:r="http://schemas.openxmlformats.org/officeDocument/2006/relationships" xmlns:p="http://schemas.openxmlformats.org/presentationml/2006/main">
   <p:cSld>
     <p:spTree>
@@ -22864,7 +24504,7 @@
             </a:pPr>
             <a:fld id="{00000000-1234-1234-1234-123412341234}" type="slidenum">
               <a:rPr lang="en-US"/>
-              <a:t>34</a:t>
+              <a:t>36</a:t>
             </a:fld>
             <a:endParaRPr lang="en-US"/>
           </a:p>
@@ -23031,13 +24671,13 @@
   <p:clrMapOvr>
     <a:masterClrMapping/>
   </p:clrMapOvr>
-  <mc:AlternateContent xmlns:mc="http://schemas.openxmlformats.org/markup-compatibility/2006">
-    <mc:Choice xmlns:p14="http://schemas.microsoft.com/office/powerpoint/2010/main" Requires="p14">
+  <mc:AlternateContent xmlns:mc="http://schemas.openxmlformats.org/markup-compatibility/2006" xmlns:p14="http://schemas.microsoft.com/office/powerpoint/2010/main">
+    <mc:Choice Requires="p14">
       <p:transition spd="med" p14:dur="700">
         <p:fade/>
       </p:transition>
     </mc:Choice>
-    <mc:Fallback>
+    <mc:Fallback xmlns="">
       <p:transition spd="med">
         <p:fade/>
       </p:transition>
@@ -23046,7 +24686,7 @@
 </p:sld>
 </file>
 
-<file path=ppt/slides/slide35.xml><?xml version="1.0" encoding="utf-8"?>
+<file path=ppt/slides/slide37.xml><?xml version="1.0" encoding="utf-8"?>
 <p:sld xmlns:a="http://schemas.openxmlformats.org/drawingml/2006/main" xmlns:r="http://schemas.openxmlformats.org/officeDocument/2006/relationships" xmlns:p="http://schemas.openxmlformats.org/presentationml/2006/main">
   <p:cSld>
     <p:spTree>
@@ -23155,7 +24795,7 @@
             </a:pPr>
             <a:fld id="{00000000-1234-1234-1234-123412341234}" type="slidenum">
               <a:rPr lang="en-US"/>
-              <a:t>35</a:t>
+              <a:t>37</a:t>
             </a:fld>
             <a:endParaRPr lang="en-US" dirty="0"/>
           </a:p>
@@ -23268,13 +24908,13 @@
   <p:clrMapOvr>
     <a:masterClrMapping/>
   </p:clrMapOvr>
-  <mc:AlternateContent xmlns:mc="http://schemas.openxmlformats.org/markup-compatibility/2006">
-    <mc:Choice xmlns:p14="http://schemas.microsoft.com/office/powerpoint/2010/main" Requires="p14">
+  <mc:AlternateContent xmlns:mc="http://schemas.openxmlformats.org/markup-compatibility/2006" xmlns:p14="http://schemas.microsoft.com/office/powerpoint/2010/main">
+    <mc:Choice Requires="p14">
       <p:transition spd="med" p14:dur="700">
         <p:fade/>
       </p:transition>
     </mc:Choice>
-    <mc:Fallback>
+    <mc:Fallback xmlns="">
       <p:transition spd="med">
         <p:fade/>
       </p:transition>
@@ -23283,7 +24923,7 @@
 </p:sld>
 </file>
 
-<file path=ppt/slides/slide36.xml><?xml version="1.0" encoding="utf-8"?>
+<file path=ppt/slides/slide38.xml><?xml version="1.0" encoding="utf-8"?>
 <p:sld xmlns:a="http://schemas.openxmlformats.org/drawingml/2006/main" xmlns:r="http://schemas.openxmlformats.org/officeDocument/2006/relationships" xmlns:p="http://schemas.openxmlformats.org/presentationml/2006/main">
   <p:cSld>
     <p:spTree>
@@ -23392,7 +25032,7 @@
             </a:pPr>
             <a:fld id="{00000000-1234-1234-1234-123412341234}" type="slidenum">
               <a:rPr lang="en-US"/>
-              <a:t>36</a:t>
+              <a:t>38</a:t>
             </a:fld>
             <a:endParaRPr lang="en-US" dirty="0"/>
           </a:p>
@@ -23590,13 +25230,13 @@
   <p:clrMapOvr>
     <a:masterClrMapping/>
   </p:clrMapOvr>
-  <mc:AlternateContent xmlns:mc="http://schemas.openxmlformats.org/markup-compatibility/2006">
-    <mc:Choice xmlns:p14="http://schemas.microsoft.com/office/powerpoint/2010/main" Requires="p14">
+  <mc:AlternateContent xmlns:mc="http://schemas.openxmlformats.org/markup-compatibility/2006" xmlns:p14="http://schemas.microsoft.com/office/powerpoint/2010/main">
+    <mc:Choice Requires="p14">
       <p:transition spd="med" p14:dur="700">
         <p:fade/>
       </p:transition>
     </mc:Choice>
-    <mc:Fallback>
+    <mc:Fallback xmlns="">
       <p:transition spd="med">
         <p:fade/>
       </p:transition>
@@ -23605,7 +25245,7 @@
 </p:sld>
 </file>
 
-<file path=ppt/slides/slide37.xml><?xml version="1.0" encoding="utf-8"?>
+<file path=ppt/slides/slide39.xml><?xml version="1.0" encoding="utf-8"?>
 <p:sld xmlns:a="http://schemas.openxmlformats.org/drawingml/2006/main" xmlns:r="http://schemas.openxmlformats.org/officeDocument/2006/relationships" xmlns:p="http://schemas.openxmlformats.org/presentationml/2006/main">
   <p:cSld>
     <p:spTree>
@@ -23714,7 +25354,7 @@
             </a:pPr>
             <a:fld id="{00000000-1234-1234-1234-123412341234}" type="slidenum">
               <a:rPr lang="en-US"/>
-              <a:t>37</a:t>
+              <a:t>39</a:t>
             </a:fld>
             <a:endParaRPr lang="en-US" dirty="0"/>
           </a:p>
@@ -23764,8 +25404,52 @@
               <a:buNone/>
             </a:pPr>
             <a:r>
-              <a:rPr lang="en-US" sz="2400"/>
-              <a:t>Dùng git để tiến hành deploy lên server Heroku</a:t>
+              <a:rPr lang="en-US" sz="2400" dirty="0" err="1"/>
+              <a:t>Dùng</a:t>
+            </a:r>
+            <a:r>
+              <a:rPr lang="en-US" sz="2400" dirty="0"/>
+              <a:t> </a:t>
+            </a:r>
+            <a:r>
+              <a:rPr lang="en-US" sz="2400" dirty="0" err="1"/>
+              <a:t>git</a:t>
+            </a:r>
+            <a:r>
+              <a:rPr lang="en-US" sz="2400" dirty="0"/>
+              <a:t> </a:t>
+            </a:r>
+            <a:r>
+              <a:rPr lang="en-US" sz="2400" dirty="0" err="1"/>
+              <a:t>để</a:t>
+            </a:r>
+            <a:r>
+              <a:rPr lang="en-US" sz="2400" dirty="0"/>
+              <a:t> </a:t>
+            </a:r>
+            <a:r>
+              <a:rPr lang="en-US" sz="2400" dirty="0" err="1"/>
+              <a:t>tiến</a:t>
+            </a:r>
+            <a:r>
+              <a:rPr lang="en-US" sz="2400" dirty="0"/>
+              <a:t> </a:t>
+            </a:r>
+            <a:r>
+              <a:rPr lang="en-US" sz="2400" dirty="0" err="1"/>
+              <a:t>hành</a:t>
+            </a:r>
+            <a:r>
+              <a:rPr lang="en-US" sz="2400" dirty="0"/>
+              <a:t> deploy </a:t>
+            </a:r>
+            <a:r>
+              <a:rPr lang="en-US" sz="2400" dirty="0" err="1"/>
+              <a:t>lên</a:t>
+            </a:r>
+            <a:r>
+              <a:rPr lang="en-US" sz="2400" dirty="0"/>
+              <a:t> server Heroku</a:t>
             </a:r>
           </a:p>
         </p:txBody>
@@ -23802,303 +25486,13 @@
   <p:clrMapOvr>
     <a:masterClrMapping/>
   </p:clrMapOvr>
-  <mc:AlternateContent xmlns:mc="http://schemas.openxmlformats.org/markup-compatibility/2006">
-    <mc:Choice xmlns:p14="http://schemas.microsoft.com/office/powerpoint/2010/main" Requires="p14">
+  <mc:AlternateContent xmlns:mc="http://schemas.openxmlformats.org/markup-compatibility/2006" xmlns:p14="http://schemas.microsoft.com/office/powerpoint/2010/main">
+    <mc:Choice Requires="p14">
       <p:transition spd="med" p14:dur="700">
         <p:fade/>
       </p:transition>
     </mc:Choice>
-    <mc:Fallback>
-      <p:transition spd="med">
-        <p:fade/>
-      </p:transition>
-    </mc:Fallback>
-  </mc:AlternateContent>
-</p:sld>
-</file>
-
-<file path=ppt/slides/slide38.xml><?xml version="1.0" encoding="utf-8"?>
-<p:sld xmlns:a="http://schemas.openxmlformats.org/drawingml/2006/main" xmlns:r="http://schemas.openxmlformats.org/officeDocument/2006/relationships" xmlns:p="http://schemas.openxmlformats.org/presentationml/2006/main">
-  <p:cSld>
-    <p:spTree>
-      <p:nvGrpSpPr>
-        <p:cNvPr id="1" name="Shape 444"/>
-        <p:cNvGrpSpPr/>
-        <p:nvPr/>
-      </p:nvGrpSpPr>
-      <p:grpSpPr>
-        <a:xfrm>
-          <a:off x="0" y="0"/>
-          <a:ext cx="0" cy="0"/>
-          <a:chOff x="0" y="0"/>
-          <a:chExt cx="0" cy="0"/>
-        </a:xfrm>
-      </p:grpSpPr>
-      <p:sp>
-        <p:nvSpPr>
-          <p:cNvPr id="445" name="Shape 445"/>
-          <p:cNvSpPr txBox="1">
-            <a:spLocks noGrp="1"/>
-          </p:cNvSpPr>
-          <p:nvPr>
-            <p:ph type="title"/>
-          </p:nvPr>
-        </p:nvSpPr>
-        <p:spPr>
-          <a:xfrm>
-            <a:off x="1065212" y="533400"/>
-            <a:ext cx="4114800" cy="1524000"/>
-          </a:xfrm>
-          <a:prstGeom prst="rect">
-            <a:avLst/>
-          </a:prstGeom>
-          <a:noFill/>
-          <a:ln>
-            <a:noFill/>
-          </a:ln>
-        </p:spPr>
-        <p:txBody>
-          <a:bodyPr lIns="91425" tIns="45700" rIns="91425" bIns="45700" anchor="b" anchorCtr="0">
-            <a:noAutofit/>
-          </a:bodyPr>
-          <a:lstStyle/>
-          <a:p>
-            <a:pPr marL="0" marR="0" lvl="0" indent="0" algn="l" rtl="0">
-              <a:lnSpc>
-                <a:spcPct val="80000"/>
-              </a:lnSpc>
-              <a:spcBef>
-                <a:spcPts val="0"/>
-              </a:spcBef>
-              <a:buClr>
-                <a:srgbClr val="0082B3"/>
-              </a:buClr>
-              <a:buSzPct val="25000"/>
-              <a:buFont typeface="Source Sans Pro"/>
-              <a:buNone/>
-            </a:pPr>
-            <a:r>
-              <a:rPr lang="en-US"/>
-              <a:t>Kết quả</a:t>
-            </a:r>
-          </a:p>
-        </p:txBody>
-      </p:sp>
-      <p:sp>
-        <p:nvSpPr>
-          <p:cNvPr id="446" name="Shape 446"/>
-          <p:cNvSpPr txBox="1">
-            <a:spLocks noGrp="1"/>
-          </p:cNvSpPr>
-          <p:nvPr>
-            <p:ph type="sldNum" idx="12"/>
-          </p:nvPr>
-        </p:nvSpPr>
-        <p:spPr>
-          <a:xfrm>
-            <a:off x="8532811" y="6155267"/>
-            <a:ext cx="1219200" cy="273048"/>
-          </a:xfrm>
-          <a:prstGeom prst="rect">
-            <a:avLst/>
-          </a:prstGeom>
-          <a:noFill/>
-          <a:ln>
-            <a:noFill/>
-          </a:ln>
-        </p:spPr>
-        <p:txBody>
-          <a:bodyPr lIns="91425" tIns="45700" rIns="91425" bIns="45700" anchor="ctr" anchorCtr="0">
-            <a:noAutofit/>
-          </a:bodyPr>
-          <a:lstStyle/>
-          <a:p>
-            <a:pPr marL="0" marR="0" lvl="0" indent="0" algn="r" rtl="0">
-              <a:spcBef>
-                <a:spcPts val="0"/>
-              </a:spcBef>
-              <a:buSzPct val="25000"/>
-              <a:buNone/>
-            </a:pPr>
-            <a:fld id="{00000000-1234-1234-1234-123412341234}" type="slidenum">
-              <a:rPr lang="en-US" sz="1200" b="0" i="0" u="none" strike="noStrike" cap="none">
-                <a:solidFill>
-                  <a:srgbClr val="595959"/>
-                </a:solidFill>
-                <a:latin typeface="Source Sans Pro"/>
-                <a:ea typeface="Source Sans Pro"/>
-                <a:cs typeface="Source Sans Pro"/>
-                <a:sym typeface="Source Sans Pro"/>
-              </a:rPr>
-              <a:t>38</a:t>
-            </a:fld>
-            <a:endParaRPr lang="en-US" sz="1200" b="0" i="0" u="none" strike="noStrike" cap="none">
-              <a:solidFill>
-                <a:srgbClr val="595959"/>
-              </a:solidFill>
-              <a:latin typeface="Source Sans Pro"/>
-              <a:ea typeface="Source Sans Pro"/>
-              <a:cs typeface="Source Sans Pro"/>
-              <a:sym typeface="Source Sans Pro"/>
-            </a:endParaRPr>
-          </a:p>
-        </p:txBody>
-      </p:sp>
-      <p:pic>
-        <p:nvPicPr>
-          <p:cNvPr id="447" name="Shape 447"/>
-          <p:cNvPicPr preferRelativeResize="0"/>
-          <p:nvPr/>
-        </p:nvPicPr>
-        <p:blipFill>
-          <a:blip r:embed="rId3">
-            <a:alphaModFix/>
-          </a:blip>
-          <a:stretch>
-            <a:fillRect/>
-          </a:stretch>
-        </p:blipFill>
-        <p:spPr>
-          <a:xfrm>
-            <a:off x="3453673" y="1189012"/>
-            <a:ext cx="8019499" cy="5170675"/>
-          </a:xfrm>
-          <a:prstGeom prst="rect">
-            <a:avLst/>
-          </a:prstGeom>
-          <a:noFill/>
-          <a:ln>
-            <a:noFill/>
-          </a:ln>
-        </p:spPr>
-      </p:pic>
-    </p:spTree>
-  </p:cSld>
-  <p:clrMapOvr>
-    <a:masterClrMapping/>
-  </p:clrMapOvr>
-  <mc:AlternateContent xmlns:mc="http://schemas.openxmlformats.org/markup-compatibility/2006">
-    <mc:Choice xmlns:p14="http://schemas.microsoft.com/office/powerpoint/2010/main" Requires="p14">
-      <p:transition spd="med" p14:dur="700">
-        <p:fade/>
-      </p:transition>
-    </mc:Choice>
-    <mc:Fallback>
-      <p:transition spd="med">
-        <p:fade/>
-      </p:transition>
-    </mc:Fallback>
-  </mc:AlternateContent>
-</p:sld>
-</file>
-
-<file path=ppt/slides/slide39.xml><?xml version="1.0" encoding="utf-8"?>
-<p:sld xmlns:a="http://schemas.openxmlformats.org/drawingml/2006/main" xmlns:r="http://schemas.openxmlformats.org/officeDocument/2006/relationships" xmlns:p="http://schemas.openxmlformats.org/presentationml/2006/main">
-  <p:cSld>
-    <p:spTree>
-      <p:nvGrpSpPr>
-        <p:cNvPr id="1" name="Shape 451"/>
-        <p:cNvGrpSpPr/>
-        <p:nvPr/>
-      </p:nvGrpSpPr>
-      <p:grpSpPr>
-        <a:xfrm>
-          <a:off x="0" y="0"/>
-          <a:ext cx="0" cy="0"/>
-          <a:chOff x="0" y="0"/>
-          <a:chExt cx="0" cy="0"/>
-        </a:xfrm>
-      </p:grpSpPr>
-      <p:sp>
-        <p:nvSpPr>
-          <p:cNvPr id="452" name="Shape 452"/>
-          <p:cNvSpPr txBox="1">
-            <a:spLocks noGrp="1"/>
-          </p:cNvSpPr>
-          <p:nvPr>
-            <p:ph type="title"/>
-          </p:nvPr>
-        </p:nvSpPr>
-        <p:spPr>
-          <a:xfrm>
-            <a:off x="1065212" y="533400"/>
-            <a:ext cx="4114800" cy="1524000"/>
-          </a:xfrm>
-          <a:prstGeom prst="rect">
-            <a:avLst/>
-          </a:prstGeom>
-          <a:noFill/>
-          <a:ln>
-            <a:noFill/>
-          </a:ln>
-        </p:spPr>
-        <p:txBody>
-          <a:bodyPr lIns="91425" tIns="45700" rIns="91425" bIns="45700" anchor="b" anchorCtr="0">
-            <a:noAutofit/>
-          </a:bodyPr>
-          <a:lstStyle/>
-          <a:p>
-            <a:pPr marL="0" marR="0" lvl="0" indent="0" algn="l" rtl="0">
-              <a:lnSpc>
-                <a:spcPct val="80000"/>
-              </a:lnSpc>
-              <a:spcBef>
-                <a:spcPts val="0"/>
-              </a:spcBef>
-              <a:buClr>
-                <a:srgbClr val="0082B3"/>
-              </a:buClr>
-              <a:buSzPct val="25000"/>
-              <a:buFont typeface="Source Sans Pro"/>
-              <a:buNone/>
-            </a:pPr>
-            <a:r>
-              <a:rPr lang="en-US"/>
-              <a:t>Q &amp; A</a:t>
-            </a:r>
-          </a:p>
-        </p:txBody>
-      </p:sp>
-      <p:pic>
-        <p:nvPicPr>
-          <p:cNvPr id="453" name="Shape 453"/>
-          <p:cNvPicPr preferRelativeResize="0"/>
-          <p:nvPr/>
-        </p:nvPicPr>
-        <p:blipFill>
-          <a:blip r:embed="rId3">
-            <a:alphaModFix/>
-          </a:blip>
-          <a:stretch>
-            <a:fillRect/>
-          </a:stretch>
-        </p:blipFill>
-        <p:spPr>
-          <a:xfrm>
-            <a:off x="6594799" y="1574800"/>
-            <a:ext cx="2781300" cy="3708400"/>
-          </a:xfrm>
-          <a:prstGeom prst="rect">
-            <a:avLst/>
-          </a:prstGeom>
-          <a:noFill/>
-          <a:ln>
-            <a:noFill/>
-          </a:ln>
-        </p:spPr>
-      </p:pic>
-    </p:spTree>
-  </p:cSld>
-  <p:clrMapOvr>
-    <a:masterClrMapping/>
-  </p:clrMapOvr>
-  <mc:AlternateContent xmlns:mc="http://schemas.openxmlformats.org/markup-compatibility/2006">
-    <mc:Choice xmlns:p14="http://schemas.microsoft.com/office/powerpoint/2010/main" Requires="p14">
-      <p:transition spd="med" p14:dur="700">
-        <p:fade/>
-      </p:transition>
-    </mc:Choice>
-    <mc:Fallback>
+    <mc:Fallback xmlns="">
       <p:transition spd="med">
         <p:fade/>
       </p:transition>
@@ -24268,13 +25662,13 @@
   <p:clrMapOvr>
     <a:masterClrMapping/>
   </p:clrMapOvr>
-  <mc:AlternateContent xmlns:mc="http://schemas.openxmlformats.org/markup-compatibility/2006">
-    <mc:Choice xmlns:p14="http://schemas.microsoft.com/office/powerpoint/2010/main" Requires="p14">
+  <mc:AlternateContent xmlns:mc="http://schemas.openxmlformats.org/markup-compatibility/2006" xmlns:p14="http://schemas.microsoft.com/office/powerpoint/2010/main">
+    <mc:Choice Requires="p14">
       <p:transition spd="med" p14:dur="700">
         <p:fade/>
       </p:transition>
     </mc:Choice>
-    <mc:Fallback>
+    <mc:Fallback xmlns="">
       <p:transition spd="med">
         <p:fade/>
       </p:transition>
@@ -24284,6 +25678,296 @@
 </file>
 
 <file path=ppt/slides/slide40.xml><?xml version="1.0" encoding="utf-8"?>
+<p:sld xmlns:a="http://schemas.openxmlformats.org/drawingml/2006/main" xmlns:r="http://schemas.openxmlformats.org/officeDocument/2006/relationships" xmlns:p="http://schemas.openxmlformats.org/presentationml/2006/main">
+  <p:cSld>
+    <p:spTree>
+      <p:nvGrpSpPr>
+        <p:cNvPr id="1" name="Shape 444"/>
+        <p:cNvGrpSpPr/>
+        <p:nvPr/>
+      </p:nvGrpSpPr>
+      <p:grpSpPr>
+        <a:xfrm>
+          <a:off x="0" y="0"/>
+          <a:ext cx="0" cy="0"/>
+          <a:chOff x="0" y="0"/>
+          <a:chExt cx="0" cy="0"/>
+        </a:xfrm>
+      </p:grpSpPr>
+      <p:sp>
+        <p:nvSpPr>
+          <p:cNvPr id="445" name="Shape 445"/>
+          <p:cNvSpPr txBox="1">
+            <a:spLocks noGrp="1"/>
+          </p:cNvSpPr>
+          <p:nvPr>
+            <p:ph type="title"/>
+          </p:nvPr>
+        </p:nvSpPr>
+        <p:spPr>
+          <a:xfrm>
+            <a:off x="1065212" y="533400"/>
+            <a:ext cx="4114800" cy="1524000"/>
+          </a:xfrm>
+          <a:prstGeom prst="rect">
+            <a:avLst/>
+          </a:prstGeom>
+          <a:noFill/>
+          <a:ln>
+            <a:noFill/>
+          </a:ln>
+        </p:spPr>
+        <p:txBody>
+          <a:bodyPr lIns="91425" tIns="45700" rIns="91425" bIns="45700" anchor="b" anchorCtr="0">
+            <a:noAutofit/>
+          </a:bodyPr>
+          <a:lstStyle/>
+          <a:p>
+            <a:pPr marL="0" marR="0" lvl="0" indent="0" algn="l" rtl="0">
+              <a:lnSpc>
+                <a:spcPct val="80000"/>
+              </a:lnSpc>
+              <a:spcBef>
+                <a:spcPts val="0"/>
+              </a:spcBef>
+              <a:buClr>
+                <a:srgbClr val="0082B3"/>
+              </a:buClr>
+              <a:buSzPct val="25000"/>
+              <a:buFont typeface="Source Sans Pro"/>
+              <a:buNone/>
+            </a:pPr>
+            <a:r>
+              <a:rPr lang="en-US"/>
+              <a:t>Kết quả</a:t>
+            </a:r>
+          </a:p>
+        </p:txBody>
+      </p:sp>
+      <p:sp>
+        <p:nvSpPr>
+          <p:cNvPr id="446" name="Shape 446"/>
+          <p:cNvSpPr txBox="1">
+            <a:spLocks noGrp="1"/>
+          </p:cNvSpPr>
+          <p:nvPr>
+            <p:ph type="sldNum" idx="12"/>
+          </p:nvPr>
+        </p:nvSpPr>
+        <p:spPr>
+          <a:xfrm>
+            <a:off x="8532811" y="6155267"/>
+            <a:ext cx="1219200" cy="273048"/>
+          </a:xfrm>
+          <a:prstGeom prst="rect">
+            <a:avLst/>
+          </a:prstGeom>
+          <a:noFill/>
+          <a:ln>
+            <a:noFill/>
+          </a:ln>
+        </p:spPr>
+        <p:txBody>
+          <a:bodyPr lIns="91425" tIns="45700" rIns="91425" bIns="45700" anchor="ctr" anchorCtr="0">
+            <a:noAutofit/>
+          </a:bodyPr>
+          <a:lstStyle/>
+          <a:p>
+            <a:pPr marL="0" marR="0" lvl="0" indent="0" algn="r" rtl="0">
+              <a:spcBef>
+                <a:spcPts val="0"/>
+              </a:spcBef>
+              <a:buSzPct val="25000"/>
+              <a:buNone/>
+            </a:pPr>
+            <a:fld id="{00000000-1234-1234-1234-123412341234}" type="slidenum">
+              <a:rPr lang="en-US" sz="1200" b="0" i="0" u="none" strike="noStrike" cap="none">
+                <a:solidFill>
+                  <a:srgbClr val="595959"/>
+                </a:solidFill>
+                <a:latin typeface="Source Sans Pro"/>
+                <a:ea typeface="Source Sans Pro"/>
+                <a:cs typeface="Source Sans Pro"/>
+                <a:sym typeface="Source Sans Pro"/>
+              </a:rPr>
+              <a:t>40</a:t>
+            </a:fld>
+            <a:endParaRPr lang="en-US" sz="1200" b="0" i="0" u="none" strike="noStrike" cap="none">
+              <a:solidFill>
+                <a:srgbClr val="595959"/>
+              </a:solidFill>
+              <a:latin typeface="Source Sans Pro"/>
+              <a:ea typeface="Source Sans Pro"/>
+              <a:cs typeface="Source Sans Pro"/>
+              <a:sym typeface="Source Sans Pro"/>
+            </a:endParaRPr>
+          </a:p>
+        </p:txBody>
+      </p:sp>
+      <p:pic>
+        <p:nvPicPr>
+          <p:cNvPr id="447" name="Shape 447"/>
+          <p:cNvPicPr preferRelativeResize="0"/>
+          <p:nvPr/>
+        </p:nvPicPr>
+        <p:blipFill>
+          <a:blip r:embed="rId3">
+            <a:alphaModFix/>
+          </a:blip>
+          <a:stretch>
+            <a:fillRect/>
+          </a:stretch>
+        </p:blipFill>
+        <p:spPr>
+          <a:xfrm>
+            <a:off x="3453673" y="1189012"/>
+            <a:ext cx="8019499" cy="5170675"/>
+          </a:xfrm>
+          <a:prstGeom prst="rect">
+            <a:avLst/>
+          </a:prstGeom>
+          <a:noFill/>
+          <a:ln>
+            <a:noFill/>
+          </a:ln>
+        </p:spPr>
+      </p:pic>
+    </p:spTree>
+  </p:cSld>
+  <p:clrMapOvr>
+    <a:masterClrMapping/>
+  </p:clrMapOvr>
+  <mc:AlternateContent xmlns:mc="http://schemas.openxmlformats.org/markup-compatibility/2006" xmlns:p14="http://schemas.microsoft.com/office/powerpoint/2010/main">
+    <mc:Choice Requires="p14">
+      <p:transition spd="med" p14:dur="700">
+        <p:fade/>
+      </p:transition>
+    </mc:Choice>
+    <mc:Fallback xmlns="">
+      <p:transition spd="med">
+        <p:fade/>
+      </p:transition>
+    </mc:Fallback>
+  </mc:AlternateContent>
+</p:sld>
+</file>
+
+<file path=ppt/slides/slide41.xml><?xml version="1.0" encoding="utf-8"?>
+<p:sld xmlns:a="http://schemas.openxmlformats.org/drawingml/2006/main" xmlns:r="http://schemas.openxmlformats.org/officeDocument/2006/relationships" xmlns:p="http://schemas.openxmlformats.org/presentationml/2006/main">
+  <p:cSld>
+    <p:spTree>
+      <p:nvGrpSpPr>
+        <p:cNvPr id="1" name="Shape 451"/>
+        <p:cNvGrpSpPr/>
+        <p:nvPr/>
+      </p:nvGrpSpPr>
+      <p:grpSpPr>
+        <a:xfrm>
+          <a:off x="0" y="0"/>
+          <a:ext cx="0" cy="0"/>
+          <a:chOff x="0" y="0"/>
+          <a:chExt cx="0" cy="0"/>
+        </a:xfrm>
+      </p:grpSpPr>
+      <p:sp>
+        <p:nvSpPr>
+          <p:cNvPr id="452" name="Shape 452"/>
+          <p:cNvSpPr txBox="1">
+            <a:spLocks noGrp="1"/>
+          </p:cNvSpPr>
+          <p:nvPr>
+            <p:ph type="title"/>
+          </p:nvPr>
+        </p:nvSpPr>
+        <p:spPr>
+          <a:xfrm>
+            <a:off x="1065212" y="533400"/>
+            <a:ext cx="4114800" cy="1524000"/>
+          </a:xfrm>
+          <a:prstGeom prst="rect">
+            <a:avLst/>
+          </a:prstGeom>
+          <a:noFill/>
+          <a:ln>
+            <a:noFill/>
+          </a:ln>
+        </p:spPr>
+        <p:txBody>
+          <a:bodyPr lIns="91425" tIns="45700" rIns="91425" bIns="45700" anchor="b" anchorCtr="0">
+            <a:noAutofit/>
+          </a:bodyPr>
+          <a:lstStyle/>
+          <a:p>
+            <a:pPr marL="0" marR="0" lvl="0" indent="0" algn="l" rtl="0">
+              <a:lnSpc>
+                <a:spcPct val="80000"/>
+              </a:lnSpc>
+              <a:spcBef>
+                <a:spcPts val="0"/>
+              </a:spcBef>
+              <a:buClr>
+                <a:srgbClr val="0082B3"/>
+              </a:buClr>
+              <a:buSzPct val="25000"/>
+              <a:buFont typeface="Source Sans Pro"/>
+              <a:buNone/>
+            </a:pPr>
+            <a:r>
+              <a:rPr lang="en-US"/>
+              <a:t>Q &amp; A</a:t>
+            </a:r>
+          </a:p>
+        </p:txBody>
+      </p:sp>
+      <p:pic>
+        <p:nvPicPr>
+          <p:cNvPr id="453" name="Shape 453"/>
+          <p:cNvPicPr preferRelativeResize="0"/>
+          <p:nvPr/>
+        </p:nvPicPr>
+        <p:blipFill>
+          <a:blip r:embed="rId3">
+            <a:alphaModFix/>
+          </a:blip>
+          <a:stretch>
+            <a:fillRect/>
+          </a:stretch>
+        </p:blipFill>
+        <p:spPr>
+          <a:xfrm>
+            <a:off x="6594799" y="1574800"/>
+            <a:ext cx="2781300" cy="3708400"/>
+          </a:xfrm>
+          <a:prstGeom prst="rect">
+            <a:avLst/>
+          </a:prstGeom>
+          <a:noFill/>
+          <a:ln>
+            <a:noFill/>
+          </a:ln>
+        </p:spPr>
+      </p:pic>
+    </p:spTree>
+  </p:cSld>
+  <p:clrMapOvr>
+    <a:masterClrMapping/>
+  </p:clrMapOvr>
+  <mc:AlternateContent xmlns:mc="http://schemas.openxmlformats.org/markup-compatibility/2006" xmlns:p14="http://schemas.microsoft.com/office/powerpoint/2010/main">
+    <mc:Choice Requires="p14">
+      <p:transition spd="med" p14:dur="700">
+        <p:fade/>
+      </p:transition>
+    </mc:Choice>
+    <mc:Fallback xmlns="">
+      <p:transition spd="med">
+        <p:fade/>
+      </p:transition>
+    </mc:Fallback>
+  </mc:AlternateContent>
+</p:sld>
+</file>
+
+<file path=ppt/slides/slide42.xml><?xml version="1.0" encoding="utf-8"?>
 <p:sld xmlns:a="http://schemas.openxmlformats.org/drawingml/2006/main" xmlns:r="http://schemas.openxmlformats.org/officeDocument/2006/relationships" xmlns:p="http://schemas.openxmlformats.org/presentationml/2006/main">
   <p:cSld>
     <p:spTree>
@@ -24362,7 +26046,7 @@
         </p:nvSpPr>
         <p:spPr>
           <a:xfrm>
-            <a:off x="1065188" y="1875000"/>
+            <a:off x="1065200" y="2055623"/>
             <a:ext cx="8686800" cy="1371600"/>
           </a:xfrm>
           <a:prstGeom prst="rect">
@@ -24394,7 +26078,7 @@
               <a:buNone/>
             </a:pPr>
             <a:r>
-              <a:rPr lang="en-US" sz="2400" u="sng">
+              <a:rPr lang="en-US" sz="2400" u="sng" dirty="0">
                 <a:solidFill>
                   <a:schemeClr val="accent1"/>
                 </a:solidFill>
@@ -24419,7 +26103,7 @@
               <a:buNone/>
             </a:pPr>
             <a:r>
-              <a:rPr lang="en-US" sz="2400" u="sng">
+              <a:rPr lang="en-US" sz="2400" u="sng" dirty="0">
                 <a:solidFill>
                   <a:schemeClr val="accent1"/>
                 </a:solidFill>
@@ -24428,7 +26112,7 @@
               <a:t>https://nodejs.org</a:t>
             </a:r>
             <a:r>
-              <a:rPr lang="en-US" sz="2400"/>
+              <a:rPr lang="en-US" sz="2400" dirty="0"/>
               <a:t> </a:t>
             </a:r>
           </a:p>
@@ -24448,7 +26132,7 @@
               <a:buNone/>
             </a:pPr>
             <a:r>
-              <a:rPr lang="en-US" sz="2400" u="sng">
+              <a:rPr lang="en-US" sz="2400" u="sng" dirty="0">
                 <a:solidFill>
                   <a:schemeClr val="accent1"/>
                 </a:solidFill>
@@ -24457,7 +26141,7 @@
               <a:t>https://cleardb.com</a:t>
             </a:r>
             <a:r>
-              <a:rPr lang="en-US" sz="2400"/>
+              <a:rPr lang="en-US" sz="2400" dirty="0"/>
               <a:t> </a:t>
             </a:r>
           </a:p>
@@ -24477,7 +26161,7 @@
               <a:buNone/>
             </a:pPr>
             <a:r>
-              <a:rPr lang="en-US" sz="2400" u="sng">
+              <a:rPr lang="en-US" sz="2400" u="sng" dirty="0">
                 <a:solidFill>
                   <a:schemeClr val="accent1"/>
                 </a:solidFill>
@@ -24502,7 +26186,7 @@
               <a:buNone/>
             </a:pPr>
             <a:r>
-              <a:rPr lang="en-US" sz="2400" u="sng">
+              <a:rPr lang="en-US" sz="2400" u="sng" dirty="0">
                 <a:solidFill>
                   <a:schemeClr val="accent1"/>
                 </a:solidFill>
@@ -24511,9 +26195,31 @@
               <a:t>https://viblo.asia/nguyen.the.linh/posts/DZrGNQjMvVB</a:t>
             </a:r>
             <a:r>
-              <a:rPr lang="en-US" sz="2400"/>
+              <a:rPr lang="en-US" sz="2400" dirty="0"/>
               <a:t>  </a:t>
             </a:r>
+          </a:p>
+          <a:p>
+            <a:pPr lvl="0">
+              <a:spcBef>
+                <a:spcPts val="1800"/>
+              </a:spcBef>
+              <a:buClr>
+                <a:schemeClr val="dk1"/>
+              </a:buClr>
+              <a:buSzPct val="45833"/>
+            </a:pPr>
+            <a:r>
+              <a:rPr lang="en-US" dirty="0">
+                <a:hlinkClick r:id="rId8"/>
+              </a:rPr>
+              <a:t>https://techmaster.vn/posts/34075/tai-sao-ban-nen-hoc-nodejs</a:t>
+            </a:r>
+            <a:r>
+              <a:rPr lang="en-US" dirty="0"/>
+              <a:t> </a:t>
+            </a:r>
+            <a:endParaRPr lang="en-US" sz="2400" dirty="0"/>
           </a:p>
           <a:p>
             <a:pPr marL="0" marR="0" lvl="0" indent="0" algn="l" rtl="0">
@@ -24530,7 +26236,7 @@
               <a:buFont typeface="Arial"/>
               <a:buNone/>
             </a:pPr>
-            <a:endParaRPr/>
+            <a:endParaRPr dirty="0"/>
           </a:p>
         </p:txBody>
       </p:sp>
@@ -24572,7 +26278,7 @@
             </a:pPr>
             <a:fld id="{00000000-1234-1234-1234-123412341234}" type="slidenum">
               <a:rPr lang="en-US"/>
-              <a:t>40</a:t>
+              <a:t>42</a:t>
             </a:fld>
             <a:endParaRPr lang="en-US"/>
           </a:p>
@@ -24583,13 +26289,13 @@
   <p:clrMapOvr>
     <a:masterClrMapping/>
   </p:clrMapOvr>
-  <mc:AlternateContent xmlns:mc="http://schemas.openxmlformats.org/markup-compatibility/2006">
-    <mc:Choice xmlns:p14="http://schemas.microsoft.com/office/powerpoint/2010/main" Requires="p14">
+  <mc:AlternateContent xmlns:mc="http://schemas.openxmlformats.org/markup-compatibility/2006" xmlns:p14="http://schemas.microsoft.com/office/powerpoint/2010/main">
+    <mc:Choice Requires="p14">
       <p:transition spd="med" p14:dur="700">
         <p:fade/>
       </p:transition>
     </mc:Choice>
-    <mc:Fallback>
+    <mc:Fallback xmlns="">
       <p:transition spd="med">
         <p:fade/>
       </p:transition>
@@ -24598,7 +26304,7 @@
 </p:sld>
 </file>
 
-<file path=ppt/slides/slide41.xml><?xml version="1.0" encoding="utf-8"?>
+<file path=ppt/slides/slide43.xml><?xml version="1.0" encoding="utf-8"?>
 <p:sld xmlns:a="http://schemas.openxmlformats.org/drawingml/2006/main" xmlns:r="http://schemas.openxmlformats.org/officeDocument/2006/relationships" xmlns:p="http://schemas.openxmlformats.org/presentationml/2006/main">
   <p:cSld>
     <p:spTree>
@@ -24667,13 +26373,13 @@
   <p:clrMapOvr>
     <a:masterClrMapping/>
   </p:clrMapOvr>
-  <mc:AlternateContent xmlns:mc="http://schemas.openxmlformats.org/markup-compatibility/2006">
-    <mc:Choice xmlns:p14="http://schemas.microsoft.com/office/powerpoint/2010/main" Requires="p14">
+  <mc:AlternateContent xmlns:mc="http://schemas.openxmlformats.org/markup-compatibility/2006" xmlns:p14="http://schemas.microsoft.com/office/powerpoint/2010/main">
+    <mc:Choice Requires="p14">
       <p:transition spd="med" p14:dur="700">
         <p:fade/>
       </p:transition>
     </mc:Choice>
-    <mc:Fallback>
+    <mc:Fallback xmlns="">
       <p:transition spd="med">
         <p:fade/>
       </p:transition>
@@ -24683,6 +26389,1361 @@
 </file>
 
 <file path=ppt/slides/slide5.xml><?xml version="1.0" encoding="utf-8"?>
+<p:sld xmlns:a="http://schemas.openxmlformats.org/drawingml/2006/main" xmlns:r="http://schemas.openxmlformats.org/officeDocument/2006/relationships" xmlns:p="http://schemas.openxmlformats.org/presentationml/2006/main">
+  <p:cSld>
+    <p:spTree>
+      <p:nvGrpSpPr>
+        <p:cNvPr id="1" name="Shape 107"/>
+        <p:cNvGrpSpPr/>
+        <p:nvPr/>
+      </p:nvGrpSpPr>
+      <p:grpSpPr>
+        <a:xfrm>
+          <a:off x="0" y="0"/>
+          <a:ext cx="0" cy="0"/>
+          <a:chOff x="0" y="0"/>
+          <a:chExt cx="0" cy="0"/>
+        </a:xfrm>
+      </p:grpSpPr>
+      <p:sp>
+        <p:nvSpPr>
+          <p:cNvPr id="108" name="Shape 108"/>
+          <p:cNvSpPr txBox="1">
+            <a:spLocks noGrp="1"/>
+          </p:cNvSpPr>
+          <p:nvPr>
+            <p:ph type="title"/>
+          </p:nvPr>
+        </p:nvSpPr>
+        <p:spPr>
+          <a:xfrm>
+            <a:off x="1065212" y="533400"/>
+            <a:ext cx="8686800" cy="1066800"/>
+          </a:xfrm>
+          <a:prstGeom prst="rect">
+            <a:avLst/>
+          </a:prstGeom>
+          <a:noFill/>
+          <a:ln>
+            <a:noFill/>
+          </a:ln>
+        </p:spPr>
+        <p:txBody>
+          <a:bodyPr lIns="91425" tIns="45700" rIns="91425" bIns="45700" anchor="b" anchorCtr="0">
+            <a:noAutofit/>
+          </a:bodyPr>
+          <a:lstStyle/>
+          <a:p>
+            <a:pPr marL="0" marR="0" lvl="0" indent="0" algn="l" rtl="0">
+              <a:lnSpc>
+                <a:spcPct val="80000"/>
+              </a:lnSpc>
+              <a:spcBef>
+                <a:spcPts val="0"/>
+              </a:spcBef>
+              <a:buClr>
+                <a:srgbClr val="0082B3"/>
+              </a:buClr>
+              <a:buSzPct val="25000"/>
+              <a:buFont typeface="Source Sans Pro"/>
+              <a:buNone/>
+            </a:pPr>
+            <a:r>
+              <a:rPr lang="en-US" dirty="0" err="1">
+                <a:latin typeface="Source Sans Pro"/>
+                <a:ea typeface="Source Sans Pro"/>
+                <a:cs typeface="Source Sans Pro"/>
+                <a:sym typeface="Source Sans Pro"/>
+              </a:rPr>
+              <a:t>Ưu</a:t>
+            </a:r>
+            <a:r>
+              <a:rPr lang="en-US" dirty="0">
+                <a:latin typeface="Source Sans Pro"/>
+                <a:ea typeface="Source Sans Pro"/>
+                <a:cs typeface="Source Sans Pro"/>
+                <a:sym typeface="Source Sans Pro"/>
+              </a:rPr>
+              <a:t> </a:t>
+            </a:r>
+            <a:r>
+              <a:rPr lang="en-US" dirty="0" err="1">
+                <a:latin typeface="Source Sans Pro"/>
+                <a:ea typeface="Source Sans Pro"/>
+                <a:cs typeface="Source Sans Pro"/>
+                <a:sym typeface="Source Sans Pro"/>
+              </a:rPr>
+              <a:t>điểm</a:t>
+            </a:r>
+            <a:endParaRPr lang="en-US" dirty="0">
+              <a:latin typeface="Source Sans Pro"/>
+              <a:ea typeface="Source Sans Pro"/>
+              <a:cs typeface="Source Sans Pro"/>
+              <a:sym typeface="Source Sans Pro"/>
+            </a:endParaRPr>
+          </a:p>
+        </p:txBody>
+      </p:sp>
+      <p:sp>
+        <p:nvSpPr>
+          <p:cNvPr id="110" name="Shape 110"/>
+          <p:cNvSpPr txBox="1">
+            <a:spLocks noGrp="1"/>
+          </p:cNvSpPr>
+          <p:nvPr>
+            <p:ph type="sldNum" idx="12"/>
+          </p:nvPr>
+        </p:nvSpPr>
+        <p:spPr>
+          <a:xfrm>
+            <a:off x="11187288" y="260350"/>
+            <a:ext cx="450461" cy="588000"/>
+          </a:xfrm>
+          <a:prstGeom prst="rect">
+            <a:avLst/>
+          </a:prstGeom>
+        </p:spPr>
+        <p:txBody>
+          <a:bodyPr lIns="91425" tIns="45700" rIns="91425" bIns="45700" anchor="ctr" anchorCtr="0">
+            <a:noAutofit/>
+          </a:bodyPr>
+          <a:lstStyle/>
+          <a:p>
+            <a:pPr lvl="0" rtl="0">
+              <a:spcBef>
+                <a:spcPts val="0"/>
+              </a:spcBef>
+              <a:buClr>
+                <a:srgbClr val="000000"/>
+              </a:buClr>
+              <a:buSzPct val="25000"/>
+              <a:buFont typeface="Arial"/>
+              <a:buNone/>
+            </a:pPr>
+            <a:fld id="{00000000-1234-1234-1234-123412341234}" type="slidenum">
+              <a:rPr lang="en-US"/>
+              <a:t>5</a:t>
+            </a:fld>
+            <a:endParaRPr lang="en-US" dirty="0"/>
+          </a:p>
+        </p:txBody>
+      </p:sp>
+      <p:sp>
+        <p:nvSpPr>
+          <p:cNvPr id="5" name="Shape 102"/>
+          <p:cNvSpPr txBox="1">
+            <a:spLocks noGrp="1"/>
+          </p:cNvSpPr>
+          <p:nvPr>
+            <p:ph type="body" idx="1"/>
+          </p:nvPr>
+        </p:nvSpPr>
+        <p:spPr>
+          <a:xfrm>
+            <a:off x="1065198" y="1828800"/>
+            <a:ext cx="9445500" cy="4191000"/>
+          </a:xfrm>
+          <a:prstGeom prst="rect">
+            <a:avLst/>
+          </a:prstGeom>
+          <a:noFill/>
+          <a:ln>
+            <a:noFill/>
+          </a:ln>
+        </p:spPr>
+        <p:txBody>
+          <a:bodyPr lIns="91425" tIns="45700" rIns="91425" bIns="45700" anchor="t" anchorCtr="0">
+            <a:noAutofit/>
+          </a:bodyPr>
+          <a:lstStyle/>
+          <a:p>
+            <a:pPr marL="457200" lvl="0" indent="-381000">
+              <a:lnSpc>
+                <a:spcPct val="115000"/>
+              </a:lnSpc>
+              <a:spcBef>
+                <a:spcPts val="0"/>
+              </a:spcBef>
+              <a:buSzPct val="100000"/>
+              <a:buFont typeface="Roboto"/>
+            </a:pPr>
+            <a:r>
+              <a:rPr lang="en-US" sz="2400" dirty="0">
+                <a:highlight>
+                  <a:srgbClr val="FFFFFF"/>
+                </a:highlight>
+              </a:rPr>
+              <a:t>T</a:t>
+            </a:r>
+            <a:r>
+              <a:rPr lang="vi-VN" sz="2400" dirty="0">
+                <a:highlight>
+                  <a:srgbClr val="FFFFFF"/>
+                </a:highlight>
+              </a:rPr>
+              <a:t>ốc độ thực thi và khả năng mở rộng.</a:t>
+            </a:r>
+            <a:endParaRPr lang="en-US" sz="2400" dirty="0">
+              <a:highlight>
+                <a:srgbClr val="FFFFFF"/>
+              </a:highlight>
+            </a:endParaRPr>
+          </a:p>
+          <a:p>
+            <a:pPr marL="457200" lvl="0" indent="-381000">
+              <a:lnSpc>
+                <a:spcPct val="115000"/>
+              </a:lnSpc>
+              <a:spcBef>
+                <a:spcPts val="0"/>
+              </a:spcBef>
+              <a:buSzPct val="100000"/>
+              <a:buFont typeface="Roboto"/>
+            </a:pPr>
+            <a:r>
+              <a:rPr lang="en-US" sz="2400" dirty="0">
+                <a:highlight>
+                  <a:srgbClr val="FFFFFF"/>
+                </a:highlight>
+              </a:rPr>
+              <a:t>Node.js </a:t>
+            </a:r>
+            <a:r>
+              <a:rPr lang="en-US" sz="2400" dirty="0" err="1">
+                <a:highlight>
+                  <a:srgbClr val="FFFFFF"/>
+                </a:highlight>
+              </a:rPr>
+              <a:t>có</a:t>
+            </a:r>
+            <a:r>
+              <a:rPr lang="en-US" sz="2400" dirty="0">
+                <a:highlight>
+                  <a:srgbClr val="FFFFFF"/>
+                </a:highlight>
+              </a:rPr>
+              <a:t> </a:t>
+            </a:r>
+            <a:r>
+              <a:rPr lang="en-US" sz="2400" dirty="0" err="1">
+                <a:highlight>
+                  <a:srgbClr val="FFFFFF"/>
+                </a:highlight>
+              </a:rPr>
+              <a:t>thể</a:t>
+            </a:r>
+            <a:r>
+              <a:rPr lang="en-US" sz="2400" dirty="0">
+                <a:highlight>
+                  <a:srgbClr val="FFFFFF"/>
+                </a:highlight>
+              </a:rPr>
+              <a:t> </a:t>
+            </a:r>
+            <a:r>
+              <a:rPr lang="en-US" sz="2400" dirty="0" err="1">
+                <a:highlight>
+                  <a:srgbClr val="FFFFFF"/>
+                </a:highlight>
+              </a:rPr>
+              <a:t>xử</a:t>
+            </a:r>
+            <a:r>
+              <a:rPr lang="en-US" sz="2400" dirty="0">
+                <a:highlight>
+                  <a:srgbClr val="FFFFFF"/>
+                </a:highlight>
+              </a:rPr>
+              <a:t> </a:t>
+            </a:r>
+            <a:r>
+              <a:rPr lang="en-US" sz="2400" dirty="0" err="1">
+                <a:highlight>
+                  <a:srgbClr val="FFFFFF"/>
+                </a:highlight>
+              </a:rPr>
+              <a:t>lý</a:t>
+            </a:r>
+            <a:r>
+              <a:rPr lang="en-US" sz="2400" dirty="0">
+                <a:highlight>
+                  <a:srgbClr val="FFFFFF"/>
+                </a:highlight>
+              </a:rPr>
+              <a:t> </a:t>
+            </a:r>
+            <a:r>
+              <a:rPr lang="en-US" sz="2400" dirty="0" err="1">
+                <a:highlight>
+                  <a:srgbClr val="FFFFFF"/>
+                </a:highlight>
+              </a:rPr>
+              <a:t>hàng</a:t>
+            </a:r>
+            <a:r>
+              <a:rPr lang="en-US" sz="2400" dirty="0">
+                <a:highlight>
+                  <a:srgbClr val="FFFFFF"/>
+                </a:highlight>
+              </a:rPr>
+              <a:t> </a:t>
+            </a:r>
+            <a:r>
+              <a:rPr lang="en-US" sz="2400" dirty="0" err="1">
+                <a:highlight>
+                  <a:srgbClr val="FFFFFF"/>
+                </a:highlight>
+              </a:rPr>
+              <a:t>ngàn</a:t>
+            </a:r>
+            <a:r>
+              <a:rPr lang="en-US" sz="2400" dirty="0">
+                <a:highlight>
+                  <a:srgbClr val="FFFFFF"/>
+                </a:highlight>
+              </a:rPr>
+              <a:t> </a:t>
+            </a:r>
+            <a:r>
+              <a:rPr lang="en-US" sz="2400" dirty="0" err="1">
+                <a:highlight>
+                  <a:srgbClr val="FFFFFF"/>
+                </a:highlight>
+              </a:rPr>
+              <a:t>kết</a:t>
+            </a:r>
+            <a:r>
+              <a:rPr lang="en-US" sz="2400" dirty="0">
+                <a:highlight>
+                  <a:srgbClr val="FFFFFF"/>
+                </a:highlight>
+              </a:rPr>
+              <a:t> </a:t>
+            </a:r>
+            <a:r>
+              <a:rPr lang="en-US" sz="2400" dirty="0" err="1">
+                <a:highlight>
+                  <a:srgbClr val="FFFFFF"/>
+                </a:highlight>
+              </a:rPr>
+              <a:t>nối</a:t>
+            </a:r>
+            <a:r>
+              <a:rPr lang="en-US" sz="2400" dirty="0">
+                <a:highlight>
+                  <a:srgbClr val="FFFFFF"/>
+                </a:highlight>
+              </a:rPr>
+              <a:t> </a:t>
+            </a:r>
+            <a:r>
+              <a:rPr lang="en-US" sz="2400" dirty="0" err="1">
+                <a:highlight>
+                  <a:srgbClr val="FFFFFF"/>
+                </a:highlight>
+              </a:rPr>
+              <a:t>đồng</a:t>
+            </a:r>
+            <a:r>
+              <a:rPr lang="en-US" sz="2400" dirty="0">
+                <a:highlight>
+                  <a:srgbClr val="FFFFFF"/>
+                </a:highlight>
+              </a:rPr>
+              <a:t> </a:t>
+            </a:r>
+            <a:r>
+              <a:rPr lang="en-US" sz="2400" dirty="0" err="1">
+                <a:highlight>
+                  <a:srgbClr val="FFFFFF"/>
+                </a:highlight>
+              </a:rPr>
+              <a:t>thời</a:t>
+            </a:r>
+            <a:r>
+              <a:rPr lang="en-US" sz="2400" dirty="0">
+                <a:highlight>
+                  <a:srgbClr val="FFFFFF"/>
+                </a:highlight>
+              </a:rPr>
+              <a:t> </a:t>
+            </a:r>
+          </a:p>
+          <a:p>
+            <a:pPr marL="457200" lvl="0" indent="-381000">
+              <a:lnSpc>
+                <a:spcPct val="115000"/>
+              </a:lnSpc>
+              <a:spcBef>
+                <a:spcPts val="0"/>
+              </a:spcBef>
+              <a:buSzPct val="100000"/>
+              <a:buFont typeface="Roboto"/>
+            </a:pPr>
+            <a:r>
+              <a:rPr lang="en-US" sz="2400" dirty="0" err="1">
+                <a:highlight>
+                  <a:srgbClr val="FFFFFF"/>
+                </a:highlight>
+                <a:sym typeface="Source Sans Pro"/>
+              </a:rPr>
+              <a:t>Javascript</a:t>
+            </a:r>
+            <a:r>
+              <a:rPr lang="en-US" sz="2400" dirty="0">
+                <a:highlight>
+                  <a:srgbClr val="FFFFFF"/>
+                </a:highlight>
+                <a:sym typeface="Source Sans Pro"/>
+              </a:rPr>
+              <a:t> </a:t>
+            </a:r>
+            <a:r>
+              <a:rPr lang="en-US" sz="2400" dirty="0" err="1">
+                <a:highlight>
+                  <a:srgbClr val="FFFFFF"/>
+                </a:highlight>
+                <a:sym typeface="Source Sans Pro"/>
+              </a:rPr>
+              <a:t>bây</a:t>
+            </a:r>
+            <a:r>
+              <a:rPr lang="en-US" sz="2400" dirty="0">
+                <a:highlight>
+                  <a:srgbClr val="FFFFFF"/>
+                </a:highlight>
+                <a:sym typeface="Source Sans Pro"/>
+              </a:rPr>
+              <a:t> </a:t>
+            </a:r>
+            <a:r>
+              <a:rPr lang="en-US" sz="2400" dirty="0" err="1">
+                <a:highlight>
+                  <a:srgbClr val="FFFFFF"/>
+                </a:highlight>
+                <a:sym typeface="Source Sans Pro"/>
+              </a:rPr>
+              <a:t>giờ</a:t>
+            </a:r>
+            <a:r>
+              <a:rPr lang="en-US" sz="2400" dirty="0">
+                <a:highlight>
+                  <a:srgbClr val="FFFFFF"/>
+                </a:highlight>
+                <a:sym typeface="Source Sans Pro"/>
+              </a:rPr>
+              <a:t> </a:t>
+            </a:r>
+            <a:r>
+              <a:rPr lang="en-US" sz="2400" dirty="0" err="1">
+                <a:highlight>
+                  <a:srgbClr val="FFFFFF"/>
+                </a:highlight>
+                <a:sym typeface="Source Sans Pro"/>
+              </a:rPr>
+              <a:t>đã</a:t>
+            </a:r>
+            <a:r>
+              <a:rPr lang="en-US" sz="2400" dirty="0">
+                <a:highlight>
+                  <a:srgbClr val="FFFFFF"/>
+                </a:highlight>
+                <a:sym typeface="Source Sans Pro"/>
+              </a:rPr>
+              <a:t> </a:t>
+            </a:r>
+            <a:r>
+              <a:rPr lang="en-US" sz="2400" dirty="0" err="1">
+                <a:highlight>
+                  <a:srgbClr val="FFFFFF"/>
+                </a:highlight>
+                <a:sym typeface="Source Sans Pro"/>
+              </a:rPr>
+              <a:t>xuất</a:t>
+            </a:r>
+            <a:r>
+              <a:rPr lang="en-US" sz="2400" dirty="0">
+                <a:highlight>
+                  <a:srgbClr val="FFFFFF"/>
+                </a:highlight>
+                <a:sym typeface="Source Sans Pro"/>
+              </a:rPr>
+              <a:t> </a:t>
+            </a:r>
+            <a:r>
+              <a:rPr lang="en-US" sz="2400" dirty="0" err="1">
+                <a:highlight>
+                  <a:srgbClr val="FFFFFF"/>
+                </a:highlight>
+                <a:sym typeface="Source Sans Pro"/>
+              </a:rPr>
+              <a:t>hiện</a:t>
+            </a:r>
+            <a:r>
+              <a:rPr lang="en-US" sz="2400" dirty="0">
+                <a:highlight>
+                  <a:srgbClr val="FFFFFF"/>
+                </a:highlight>
+                <a:sym typeface="Source Sans Pro"/>
+              </a:rPr>
+              <a:t> </a:t>
+            </a:r>
+            <a:r>
+              <a:rPr lang="en-US" sz="2400" dirty="0" err="1">
+                <a:highlight>
+                  <a:srgbClr val="FFFFFF"/>
+                </a:highlight>
+                <a:sym typeface="Source Sans Pro"/>
+              </a:rPr>
+              <a:t>trên</a:t>
+            </a:r>
+            <a:r>
+              <a:rPr lang="en-US" sz="2400" dirty="0">
+                <a:highlight>
+                  <a:srgbClr val="FFFFFF"/>
+                </a:highlight>
+                <a:sym typeface="Source Sans Pro"/>
+              </a:rPr>
+              <a:t> </a:t>
+            </a:r>
+            <a:r>
+              <a:rPr lang="en-US" sz="2400" dirty="0" err="1">
+                <a:highlight>
+                  <a:srgbClr val="FFFFFF"/>
+                </a:highlight>
+                <a:sym typeface="Source Sans Pro"/>
+              </a:rPr>
+              <a:t>cả</a:t>
+            </a:r>
+            <a:r>
+              <a:rPr lang="en-US" sz="2400" dirty="0">
+                <a:highlight>
+                  <a:srgbClr val="FFFFFF"/>
+                </a:highlight>
+                <a:sym typeface="Source Sans Pro"/>
+              </a:rPr>
+              <a:t> </a:t>
+            </a:r>
+            <a:r>
+              <a:rPr lang="en-US" sz="2400" dirty="0" err="1">
+                <a:highlight>
+                  <a:srgbClr val="FFFFFF"/>
+                </a:highlight>
+                <a:sym typeface="Source Sans Pro"/>
+              </a:rPr>
+              <a:t>phía</a:t>
+            </a:r>
+            <a:r>
+              <a:rPr lang="en-US" sz="2400" dirty="0">
+                <a:highlight>
+                  <a:srgbClr val="FFFFFF"/>
+                </a:highlight>
+                <a:sym typeface="Source Sans Pro"/>
+              </a:rPr>
+              <a:t> server-side, </a:t>
+            </a:r>
+            <a:r>
+              <a:rPr lang="en-US" sz="2400" dirty="0" err="1">
+                <a:highlight>
+                  <a:srgbClr val="FFFFFF"/>
+                </a:highlight>
+                <a:sym typeface="Source Sans Pro"/>
+              </a:rPr>
+              <a:t>cùng</a:t>
+            </a:r>
+            <a:r>
+              <a:rPr lang="en-US" sz="2400" dirty="0">
+                <a:highlight>
+                  <a:srgbClr val="FFFFFF"/>
+                </a:highlight>
+                <a:sym typeface="Source Sans Pro"/>
+              </a:rPr>
+              <a:t> </a:t>
+            </a:r>
+            <a:r>
+              <a:rPr lang="en-US" sz="2400" dirty="0" err="1">
+                <a:highlight>
+                  <a:srgbClr val="FFFFFF"/>
+                </a:highlight>
+                <a:sym typeface="Source Sans Pro"/>
+              </a:rPr>
+              <a:t>với</a:t>
+            </a:r>
+            <a:r>
+              <a:rPr lang="en-US" sz="2400" dirty="0">
+                <a:highlight>
+                  <a:srgbClr val="FFFFFF"/>
+                </a:highlight>
+                <a:sym typeface="Source Sans Pro"/>
+              </a:rPr>
+              <a:t> </a:t>
+            </a:r>
+            <a:r>
+              <a:rPr lang="en-US" sz="2400" dirty="0" err="1">
+                <a:highlight>
+                  <a:srgbClr val="FFFFFF"/>
+                </a:highlight>
+                <a:sym typeface="Source Sans Pro"/>
+              </a:rPr>
+              <a:t>sức</a:t>
+            </a:r>
+            <a:r>
+              <a:rPr lang="en-US" sz="2400" dirty="0">
+                <a:highlight>
+                  <a:srgbClr val="FFFFFF"/>
+                </a:highlight>
+                <a:sym typeface="Source Sans Pro"/>
+              </a:rPr>
+              <a:t> </a:t>
+            </a:r>
+            <a:r>
+              <a:rPr lang="en-US" sz="2400" dirty="0" err="1">
+                <a:highlight>
+                  <a:srgbClr val="FFFFFF"/>
+                </a:highlight>
+                <a:sym typeface="Source Sans Pro"/>
+              </a:rPr>
+              <a:t>mạnh</a:t>
+            </a:r>
+            <a:r>
+              <a:rPr lang="en-US" sz="2400" dirty="0">
+                <a:highlight>
+                  <a:srgbClr val="FFFFFF"/>
+                </a:highlight>
+                <a:sym typeface="Source Sans Pro"/>
+              </a:rPr>
+              <a:t> </a:t>
+            </a:r>
+            <a:r>
+              <a:rPr lang="en-US" sz="2400" dirty="0" err="1">
+                <a:highlight>
+                  <a:srgbClr val="FFFFFF"/>
+                </a:highlight>
+                <a:sym typeface="Source Sans Pro"/>
+              </a:rPr>
+              <a:t>của</a:t>
+            </a:r>
+            <a:r>
+              <a:rPr lang="en-US" sz="2400" dirty="0">
+                <a:highlight>
+                  <a:srgbClr val="FFFFFF"/>
+                </a:highlight>
+                <a:sym typeface="Source Sans Pro"/>
+              </a:rPr>
+              <a:t> </a:t>
+            </a:r>
+            <a:r>
+              <a:rPr lang="en-US" sz="2400" dirty="0" err="1">
+                <a:highlight>
+                  <a:srgbClr val="FFFFFF"/>
+                </a:highlight>
+                <a:sym typeface="Source Sans Pro"/>
+              </a:rPr>
+              <a:t>nó</a:t>
+            </a:r>
+            <a:r>
+              <a:rPr lang="en-US" sz="2400" dirty="0">
+                <a:highlight>
+                  <a:srgbClr val="FFFFFF"/>
+                </a:highlight>
+                <a:sym typeface="Source Sans Pro"/>
+              </a:rPr>
+              <a:t> ở </a:t>
+            </a:r>
+            <a:r>
+              <a:rPr lang="en-US" sz="2400" dirty="0" err="1">
+                <a:highlight>
+                  <a:srgbClr val="FFFFFF"/>
+                </a:highlight>
+                <a:sym typeface="Source Sans Pro"/>
+              </a:rPr>
+              <a:t>phía</a:t>
+            </a:r>
+            <a:r>
+              <a:rPr lang="en-US" sz="2400" dirty="0">
+                <a:highlight>
+                  <a:srgbClr val="FFFFFF"/>
+                </a:highlight>
+                <a:sym typeface="Source Sans Pro"/>
+              </a:rPr>
+              <a:t> client-side </a:t>
+            </a:r>
+          </a:p>
+          <a:p>
+            <a:pPr marL="457200" lvl="0" indent="-381000">
+              <a:lnSpc>
+                <a:spcPct val="115000"/>
+              </a:lnSpc>
+              <a:spcBef>
+                <a:spcPts val="0"/>
+              </a:spcBef>
+              <a:buSzPct val="100000"/>
+              <a:buFont typeface="Roboto"/>
+            </a:pPr>
+            <a:r>
+              <a:rPr lang="en-US" sz="2400" dirty="0" err="1">
+                <a:sym typeface="Source Sans Pro"/>
+              </a:rPr>
+              <a:t>Dễ</a:t>
+            </a:r>
+            <a:r>
+              <a:rPr lang="en-US" sz="2400" dirty="0">
+                <a:sym typeface="Source Sans Pro"/>
+              </a:rPr>
+              <a:t> </a:t>
+            </a:r>
+            <a:r>
+              <a:rPr lang="en-US" sz="2400" dirty="0" err="1">
+                <a:sym typeface="Source Sans Pro"/>
+              </a:rPr>
+              <a:t>dàng</a:t>
+            </a:r>
+            <a:r>
+              <a:rPr lang="en-US" sz="2400" dirty="0">
+                <a:sym typeface="Source Sans Pro"/>
+              </a:rPr>
+              <a:t> </a:t>
+            </a:r>
+            <a:r>
+              <a:rPr lang="en-US" sz="2400" dirty="0" err="1">
+                <a:sym typeface="Source Sans Pro"/>
+              </a:rPr>
+              <a:t>cài</a:t>
+            </a:r>
+            <a:r>
+              <a:rPr lang="en-US" sz="2400" dirty="0">
+                <a:sym typeface="Source Sans Pro"/>
+              </a:rPr>
+              <a:t> </a:t>
+            </a:r>
+            <a:r>
+              <a:rPr lang="en-US" sz="2400" dirty="0" err="1">
+                <a:sym typeface="Source Sans Pro"/>
+              </a:rPr>
+              <a:t>đặt</a:t>
+            </a:r>
+            <a:r>
+              <a:rPr lang="en-US" sz="2400" dirty="0">
+                <a:sym typeface="Source Sans Pro"/>
+              </a:rPr>
+              <a:t> </a:t>
+            </a:r>
+            <a:r>
+              <a:rPr lang="en-US" sz="2400" dirty="0" err="1">
+                <a:sym typeface="Source Sans Pro"/>
+              </a:rPr>
+              <a:t>và</a:t>
+            </a:r>
+            <a:r>
+              <a:rPr lang="en-US" sz="2400" dirty="0">
+                <a:sym typeface="Source Sans Pro"/>
+              </a:rPr>
+              <a:t> </a:t>
+            </a:r>
+            <a:r>
+              <a:rPr lang="en-US" sz="2400" dirty="0" err="1">
+                <a:sym typeface="Source Sans Pro"/>
+              </a:rPr>
+              <a:t>chạy</a:t>
+            </a:r>
+            <a:r>
+              <a:rPr lang="en-US" sz="2400" dirty="0">
+                <a:sym typeface="Source Sans Pro"/>
+              </a:rPr>
+              <a:t> </a:t>
+            </a:r>
+            <a:r>
+              <a:rPr lang="en-US" sz="2400" dirty="0" err="1">
+                <a:sym typeface="Source Sans Pro"/>
+              </a:rPr>
+              <a:t>cục</a:t>
+            </a:r>
+            <a:r>
+              <a:rPr lang="en-US" sz="2400" dirty="0">
+                <a:sym typeface="Source Sans Pro"/>
+              </a:rPr>
+              <a:t> </a:t>
+            </a:r>
+            <a:r>
+              <a:rPr lang="en-US" sz="2400" dirty="0" err="1">
+                <a:sym typeface="Source Sans Pro"/>
+              </a:rPr>
+              <a:t>bộ</a:t>
+            </a:r>
+            <a:r>
+              <a:rPr lang="en-US" sz="2400" dirty="0">
+                <a:sym typeface="Source Sans Pro"/>
+              </a:rPr>
+              <a:t> </a:t>
+            </a:r>
+            <a:r>
+              <a:rPr lang="en-US" sz="2400" dirty="0" err="1">
+                <a:sym typeface="Source Sans Pro"/>
+              </a:rPr>
+              <a:t>trên</a:t>
+            </a:r>
+            <a:r>
+              <a:rPr lang="en-US" sz="2400" dirty="0">
+                <a:sym typeface="Source Sans Pro"/>
+              </a:rPr>
+              <a:t> </a:t>
+            </a:r>
+            <a:r>
+              <a:rPr lang="en-US" sz="2400" dirty="0" err="1">
+                <a:sym typeface="Source Sans Pro"/>
+              </a:rPr>
+              <a:t>máy</a:t>
+            </a:r>
+            <a:r>
+              <a:rPr lang="en-US" sz="2400" dirty="0">
+                <a:sym typeface="Source Sans Pro"/>
+              </a:rPr>
+              <a:t> </a:t>
+            </a:r>
+            <a:r>
+              <a:rPr lang="en-US" sz="2400" dirty="0" err="1">
+                <a:sym typeface="Source Sans Pro"/>
+              </a:rPr>
+              <a:t>tính</a:t>
+            </a:r>
+            <a:r>
+              <a:rPr lang="en-US" sz="2400" dirty="0">
+                <a:sym typeface="Source Sans Pro"/>
+              </a:rPr>
+              <a:t> Windows/Mac/Linux</a:t>
+            </a:r>
+            <a:endParaRPr lang="en-US" sz="2400" dirty="0">
+              <a:highlight>
+                <a:srgbClr val="FFFFFF"/>
+              </a:highlight>
+              <a:sym typeface="Source Sans Pro"/>
+            </a:endParaRPr>
+          </a:p>
+        </p:txBody>
+      </p:sp>
+    </p:spTree>
+    <p:extLst>
+      <p:ext uri="{BB962C8B-B14F-4D97-AF65-F5344CB8AC3E}">
+        <p14:creationId xmlns:p14="http://schemas.microsoft.com/office/powerpoint/2010/main" val="3989866060"/>
+      </p:ext>
+    </p:extLst>
+  </p:cSld>
+  <p:clrMapOvr>
+    <a:masterClrMapping/>
+  </p:clrMapOvr>
+  <mc:AlternateContent xmlns:mc="http://schemas.openxmlformats.org/markup-compatibility/2006" xmlns:p14="http://schemas.microsoft.com/office/powerpoint/2010/main">
+    <mc:Choice Requires="p14">
+      <p:transition spd="med" p14:dur="700">
+        <p:fade/>
+      </p:transition>
+    </mc:Choice>
+    <mc:Fallback xmlns="">
+      <p:transition spd="med">
+        <p:fade/>
+      </p:transition>
+    </mc:Fallback>
+  </mc:AlternateContent>
+</p:sld>
+</file>
+
+<file path=ppt/slides/slide6.xml><?xml version="1.0" encoding="utf-8"?>
+<p:sld xmlns:a="http://schemas.openxmlformats.org/drawingml/2006/main" xmlns:r="http://schemas.openxmlformats.org/officeDocument/2006/relationships" xmlns:p="http://schemas.openxmlformats.org/presentationml/2006/main">
+  <p:cSld>
+    <p:spTree>
+      <p:nvGrpSpPr>
+        <p:cNvPr id="1" name="Shape 107"/>
+        <p:cNvGrpSpPr/>
+        <p:nvPr/>
+      </p:nvGrpSpPr>
+      <p:grpSpPr>
+        <a:xfrm>
+          <a:off x="0" y="0"/>
+          <a:ext cx="0" cy="0"/>
+          <a:chOff x="0" y="0"/>
+          <a:chExt cx="0" cy="0"/>
+        </a:xfrm>
+      </p:grpSpPr>
+      <p:sp>
+        <p:nvSpPr>
+          <p:cNvPr id="108" name="Shape 108"/>
+          <p:cNvSpPr txBox="1">
+            <a:spLocks noGrp="1"/>
+          </p:cNvSpPr>
+          <p:nvPr>
+            <p:ph type="title"/>
+          </p:nvPr>
+        </p:nvSpPr>
+        <p:spPr>
+          <a:xfrm>
+            <a:off x="1065212" y="533400"/>
+            <a:ext cx="8686800" cy="1066800"/>
+          </a:xfrm>
+          <a:prstGeom prst="rect">
+            <a:avLst/>
+          </a:prstGeom>
+          <a:noFill/>
+          <a:ln>
+            <a:noFill/>
+          </a:ln>
+        </p:spPr>
+        <p:txBody>
+          <a:bodyPr lIns="91425" tIns="45700" rIns="91425" bIns="45700" anchor="b" anchorCtr="0">
+            <a:noAutofit/>
+          </a:bodyPr>
+          <a:lstStyle/>
+          <a:p>
+            <a:pPr marL="0" marR="0" lvl="0" indent="0" algn="l" rtl="0">
+              <a:lnSpc>
+                <a:spcPct val="80000"/>
+              </a:lnSpc>
+              <a:spcBef>
+                <a:spcPts val="0"/>
+              </a:spcBef>
+              <a:buClr>
+                <a:srgbClr val="0082B3"/>
+              </a:buClr>
+              <a:buSzPct val="25000"/>
+              <a:buFont typeface="Source Sans Pro"/>
+              <a:buNone/>
+            </a:pPr>
+            <a:r>
+              <a:rPr lang="en-US" dirty="0" err="1">
+                <a:latin typeface="Source Sans Pro"/>
+                <a:ea typeface="Source Sans Pro"/>
+                <a:cs typeface="Source Sans Pro"/>
+                <a:sym typeface="Source Sans Pro"/>
+              </a:rPr>
+              <a:t>Nhược</a:t>
+            </a:r>
+            <a:r>
+              <a:rPr lang="en-US" dirty="0">
+                <a:latin typeface="Source Sans Pro"/>
+                <a:ea typeface="Source Sans Pro"/>
+                <a:cs typeface="Source Sans Pro"/>
+                <a:sym typeface="Source Sans Pro"/>
+              </a:rPr>
+              <a:t> </a:t>
+            </a:r>
+            <a:r>
+              <a:rPr lang="en-US" dirty="0" err="1">
+                <a:latin typeface="Source Sans Pro"/>
+                <a:ea typeface="Source Sans Pro"/>
+                <a:cs typeface="Source Sans Pro"/>
+                <a:sym typeface="Source Sans Pro"/>
+              </a:rPr>
+              <a:t>điểm</a:t>
+            </a:r>
+            <a:endParaRPr lang="en-US" dirty="0">
+              <a:latin typeface="Source Sans Pro"/>
+              <a:ea typeface="Source Sans Pro"/>
+              <a:cs typeface="Source Sans Pro"/>
+              <a:sym typeface="Source Sans Pro"/>
+            </a:endParaRPr>
+          </a:p>
+        </p:txBody>
+      </p:sp>
+      <p:sp>
+        <p:nvSpPr>
+          <p:cNvPr id="110" name="Shape 110"/>
+          <p:cNvSpPr txBox="1">
+            <a:spLocks noGrp="1"/>
+          </p:cNvSpPr>
+          <p:nvPr>
+            <p:ph type="sldNum" idx="12"/>
+          </p:nvPr>
+        </p:nvSpPr>
+        <p:spPr>
+          <a:xfrm>
+            <a:off x="11187288" y="260350"/>
+            <a:ext cx="450461" cy="588000"/>
+          </a:xfrm>
+          <a:prstGeom prst="rect">
+            <a:avLst/>
+          </a:prstGeom>
+        </p:spPr>
+        <p:txBody>
+          <a:bodyPr lIns="91425" tIns="45700" rIns="91425" bIns="45700" anchor="ctr" anchorCtr="0">
+            <a:noAutofit/>
+          </a:bodyPr>
+          <a:lstStyle/>
+          <a:p>
+            <a:pPr lvl="0" rtl="0">
+              <a:spcBef>
+                <a:spcPts val="0"/>
+              </a:spcBef>
+              <a:buClr>
+                <a:srgbClr val="000000"/>
+              </a:buClr>
+              <a:buSzPct val="25000"/>
+              <a:buFont typeface="Arial"/>
+              <a:buNone/>
+            </a:pPr>
+            <a:fld id="{00000000-1234-1234-1234-123412341234}" type="slidenum">
+              <a:rPr lang="en-US"/>
+              <a:t>6</a:t>
+            </a:fld>
+            <a:endParaRPr lang="en-US" dirty="0"/>
+          </a:p>
+        </p:txBody>
+      </p:sp>
+      <p:sp>
+        <p:nvSpPr>
+          <p:cNvPr id="5" name="Shape 102"/>
+          <p:cNvSpPr txBox="1">
+            <a:spLocks noGrp="1"/>
+          </p:cNvSpPr>
+          <p:nvPr>
+            <p:ph type="body" idx="1"/>
+          </p:nvPr>
+        </p:nvSpPr>
+        <p:spPr>
+          <a:xfrm>
+            <a:off x="1065198" y="1828800"/>
+            <a:ext cx="9445500" cy="4191000"/>
+          </a:xfrm>
+          <a:prstGeom prst="rect">
+            <a:avLst/>
+          </a:prstGeom>
+          <a:noFill/>
+          <a:ln>
+            <a:noFill/>
+          </a:ln>
+        </p:spPr>
+        <p:txBody>
+          <a:bodyPr lIns="91425" tIns="45700" rIns="91425" bIns="45700" anchor="t" anchorCtr="0">
+            <a:noAutofit/>
+          </a:bodyPr>
+          <a:lstStyle/>
+          <a:p>
+            <a:pPr marL="457200" lvl="0" indent="-381000">
+              <a:lnSpc>
+                <a:spcPct val="115000"/>
+              </a:lnSpc>
+              <a:spcBef>
+                <a:spcPts val="0"/>
+              </a:spcBef>
+              <a:buSzPct val="100000"/>
+              <a:buFont typeface="Roboto"/>
+            </a:pPr>
+            <a:r>
+              <a:rPr lang="en-US" sz="2400" dirty="0" err="1"/>
+              <a:t>Triển</a:t>
+            </a:r>
+            <a:r>
+              <a:rPr lang="en-US" sz="2400" dirty="0"/>
+              <a:t> </a:t>
+            </a:r>
+            <a:r>
+              <a:rPr lang="en-US" sz="2400" dirty="0" err="1"/>
+              <a:t>khai</a:t>
+            </a:r>
+            <a:r>
+              <a:rPr lang="en-US" sz="2400" dirty="0"/>
+              <a:t> Node.js </a:t>
+            </a:r>
+            <a:r>
+              <a:rPr lang="en-US" sz="2400" dirty="0" err="1"/>
+              <a:t>trên</a:t>
+            </a:r>
+            <a:r>
+              <a:rPr lang="en-US" sz="2400" dirty="0"/>
+              <a:t> host </a:t>
+            </a:r>
+            <a:r>
+              <a:rPr lang="en-US" sz="2400" dirty="0" err="1"/>
+              <a:t>không</a:t>
+            </a:r>
+            <a:r>
+              <a:rPr lang="en-US" sz="2400" dirty="0"/>
+              <a:t> </a:t>
+            </a:r>
+            <a:r>
+              <a:rPr lang="en-US" sz="2400" dirty="0" err="1"/>
+              <a:t>phải</a:t>
+            </a:r>
+            <a:r>
+              <a:rPr lang="en-US" sz="2400" dirty="0"/>
+              <a:t> </a:t>
+            </a:r>
+            <a:r>
+              <a:rPr lang="en-US" sz="2400" dirty="0" err="1"/>
+              <a:t>là</a:t>
+            </a:r>
+            <a:r>
+              <a:rPr lang="en-US" sz="2400" dirty="0"/>
+              <a:t> </a:t>
+            </a:r>
+            <a:r>
+              <a:rPr lang="en-US" sz="2400" dirty="0" err="1"/>
+              <a:t>điều</a:t>
+            </a:r>
+            <a:r>
+              <a:rPr lang="en-US" sz="2400" dirty="0"/>
+              <a:t> </a:t>
+            </a:r>
+            <a:r>
+              <a:rPr lang="en-US" sz="2400" dirty="0" err="1"/>
+              <a:t>dễ</a:t>
+            </a:r>
+            <a:r>
+              <a:rPr lang="en-US" sz="2400" dirty="0"/>
+              <a:t> </a:t>
+            </a:r>
+            <a:r>
+              <a:rPr lang="en-US" sz="2400" dirty="0" err="1"/>
+              <a:t>dàng</a:t>
+            </a:r>
+            <a:r>
+              <a:rPr lang="en-US" sz="2400" dirty="0"/>
+              <a:t> </a:t>
+            </a:r>
+            <a:r>
+              <a:rPr lang="en-US" sz="2400" dirty="0" err="1"/>
+              <a:t>nếu</a:t>
+            </a:r>
+            <a:r>
+              <a:rPr lang="en-US" sz="2400" dirty="0"/>
+              <a:t> </a:t>
+            </a:r>
+            <a:r>
+              <a:rPr lang="en-US" sz="2400" dirty="0" err="1"/>
+              <a:t>như</a:t>
+            </a:r>
+            <a:r>
+              <a:rPr lang="en-US" sz="2400" dirty="0"/>
+              <a:t> </a:t>
+            </a:r>
+            <a:r>
+              <a:rPr lang="en-US" sz="2400" dirty="0" err="1"/>
+              <a:t>không</a:t>
+            </a:r>
+            <a:r>
+              <a:rPr lang="en-US" sz="2400" dirty="0"/>
+              <a:t> </a:t>
+            </a:r>
+            <a:r>
+              <a:rPr lang="en-US" sz="2400" dirty="0" err="1"/>
+              <a:t>có</a:t>
+            </a:r>
+            <a:r>
+              <a:rPr lang="en-US" sz="2400" dirty="0"/>
+              <a:t> VPS hay Dedicate Server.</a:t>
+            </a:r>
+          </a:p>
+          <a:p>
+            <a:pPr marL="457200" lvl="0" indent="-381000">
+              <a:lnSpc>
+                <a:spcPct val="115000"/>
+              </a:lnSpc>
+              <a:spcBef>
+                <a:spcPts val="0"/>
+              </a:spcBef>
+              <a:buSzPct val="100000"/>
+              <a:buFont typeface="Roboto"/>
+            </a:pPr>
+            <a:r>
+              <a:rPr lang="en-US" sz="2400" dirty="0" err="1">
+                <a:sym typeface="Source Sans Pro"/>
+              </a:rPr>
+              <a:t>Vẫn</a:t>
+            </a:r>
+            <a:r>
+              <a:rPr lang="en-US" sz="2400" dirty="0">
+                <a:sym typeface="Source Sans Pro"/>
+              </a:rPr>
+              <a:t> </a:t>
+            </a:r>
+            <a:r>
+              <a:rPr lang="en-US" sz="2400" dirty="0" err="1">
+                <a:sym typeface="Source Sans Pro"/>
+              </a:rPr>
+              <a:t>đang</a:t>
+            </a:r>
+            <a:r>
+              <a:rPr lang="en-US" sz="2400" dirty="0">
+                <a:sym typeface="Source Sans Pro"/>
+              </a:rPr>
+              <a:t> </a:t>
+            </a:r>
+            <a:r>
+              <a:rPr lang="en-US" sz="2400" dirty="0" err="1">
+                <a:sym typeface="Source Sans Pro"/>
+              </a:rPr>
+              <a:t>trong</a:t>
+            </a:r>
+            <a:r>
+              <a:rPr lang="en-US" sz="2400" dirty="0">
+                <a:sym typeface="Source Sans Pro"/>
+              </a:rPr>
+              <a:t> </a:t>
+            </a:r>
+            <a:r>
+              <a:rPr lang="en-US" sz="2400" dirty="0" err="1">
+                <a:sym typeface="Source Sans Pro"/>
+              </a:rPr>
+              <a:t>giai</a:t>
+            </a:r>
+            <a:r>
+              <a:rPr lang="en-US" sz="2400" dirty="0">
+                <a:sym typeface="Source Sans Pro"/>
+              </a:rPr>
+              <a:t> </a:t>
+            </a:r>
+            <a:r>
+              <a:rPr lang="en-US" sz="2400" dirty="0" err="1">
+                <a:sym typeface="Source Sans Pro"/>
+              </a:rPr>
+              <a:t>đoạn</a:t>
+            </a:r>
+            <a:r>
+              <a:rPr lang="en-US" sz="2400" dirty="0">
+                <a:sym typeface="Source Sans Pro"/>
+              </a:rPr>
+              <a:t> </a:t>
+            </a:r>
+            <a:r>
+              <a:rPr lang="en-US" sz="2400" dirty="0" err="1">
+                <a:sym typeface="Source Sans Pro"/>
+              </a:rPr>
+              <a:t>phát</a:t>
+            </a:r>
+            <a:r>
+              <a:rPr lang="en-US" sz="2400" dirty="0">
+                <a:sym typeface="Source Sans Pro"/>
+              </a:rPr>
+              <a:t> </a:t>
+            </a:r>
+            <a:r>
+              <a:rPr lang="en-US" sz="2400" dirty="0" err="1">
+                <a:sym typeface="Source Sans Pro"/>
+              </a:rPr>
+              <a:t>triển</a:t>
+            </a:r>
+            <a:r>
+              <a:rPr lang="en-US" sz="2400" dirty="0">
+                <a:sym typeface="Source Sans Pro"/>
+              </a:rPr>
+              <a:t> </a:t>
+            </a:r>
+            <a:r>
+              <a:rPr lang="en-US" sz="2400" dirty="0" err="1">
+                <a:sym typeface="Source Sans Pro"/>
+              </a:rPr>
+              <a:t>nên</a:t>
+            </a:r>
+            <a:r>
+              <a:rPr lang="en-US" sz="2400" dirty="0">
+                <a:sym typeface="Source Sans Pro"/>
+              </a:rPr>
+              <a:t> </a:t>
+            </a:r>
+            <a:r>
+              <a:rPr lang="en-US" sz="2400" dirty="0" err="1">
+                <a:sym typeface="Source Sans Pro"/>
+              </a:rPr>
+              <a:t>sẽ</a:t>
+            </a:r>
+            <a:r>
+              <a:rPr lang="en-US" sz="2400" dirty="0">
+                <a:sym typeface="Source Sans Pro"/>
+              </a:rPr>
+              <a:t> </a:t>
+            </a:r>
+            <a:r>
+              <a:rPr lang="en-US" sz="2400" dirty="0" err="1">
+                <a:sym typeface="Source Sans Pro"/>
+              </a:rPr>
+              <a:t>có</a:t>
+            </a:r>
+            <a:r>
+              <a:rPr lang="en-US" sz="2400" dirty="0">
+                <a:sym typeface="Source Sans Pro"/>
+              </a:rPr>
+              <a:t> </a:t>
+            </a:r>
+            <a:r>
+              <a:rPr lang="en-US" sz="2400" dirty="0" err="1">
+                <a:sym typeface="Source Sans Pro"/>
+              </a:rPr>
+              <a:t>những</a:t>
+            </a:r>
+            <a:r>
+              <a:rPr lang="en-US" sz="2400" dirty="0">
+                <a:sym typeface="Source Sans Pro"/>
+              </a:rPr>
+              <a:t> </a:t>
+            </a:r>
+            <a:r>
+              <a:rPr lang="en-US" sz="2400" dirty="0" err="1">
+                <a:sym typeface="Source Sans Pro"/>
+              </a:rPr>
+              <a:t>thay</a:t>
+            </a:r>
+            <a:r>
+              <a:rPr lang="en-US" sz="2400" dirty="0">
+                <a:sym typeface="Source Sans Pro"/>
+              </a:rPr>
+              <a:t> </a:t>
+            </a:r>
+            <a:r>
+              <a:rPr lang="en-US" sz="2400" dirty="0" err="1">
+                <a:sym typeface="Source Sans Pro"/>
+              </a:rPr>
+              <a:t>đổi</a:t>
+            </a:r>
+            <a:r>
+              <a:rPr lang="en-US" sz="2400" dirty="0">
+                <a:sym typeface="Source Sans Pro"/>
+              </a:rPr>
+              <a:t>.</a:t>
+            </a:r>
+          </a:p>
+          <a:p>
+            <a:pPr marL="76200" lvl="0" indent="0">
+              <a:lnSpc>
+                <a:spcPct val="115000"/>
+              </a:lnSpc>
+              <a:spcBef>
+                <a:spcPts val="0"/>
+              </a:spcBef>
+              <a:buSzPct val="100000"/>
+              <a:buNone/>
+            </a:pPr>
+            <a:endParaRPr lang="en-US" sz="2400" dirty="0">
+              <a:highlight>
+                <a:srgbClr val="FFFFFF"/>
+              </a:highlight>
+              <a:sym typeface="Source Sans Pro"/>
+            </a:endParaRPr>
+          </a:p>
+        </p:txBody>
+      </p:sp>
+    </p:spTree>
+    <p:extLst>
+      <p:ext uri="{BB962C8B-B14F-4D97-AF65-F5344CB8AC3E}">
+        <p14:creationId xmlns:p14="http://schemas.microsoft.com/office/powerpoint/2010/main" val="1832219828"/>
+      </p:ext>
+    </p:extLst>
+  </p:cSld>
+  <p:clrMapOvr>
+    <a:masterClrMapping/>
+  </p:clrMapOvr>
+  <mc:AlternateContent xmlns:mc="http://schemas.openxmlformats.org/markup-compatibility/2006" xmlns:p14="http://schemas.microsoft.com/office/powerpoint/2010/main">
+    <mc:Choice Requires="p14">
+      <p:transition spd="med" p14:dur="700">
+        <p:fade/>
+      </p:transition>
+    </mc:Choice>
+    <mc:Fallback xmlns="">
+      <p:transition spd="med">
+        <p:fade/>
+      </p:transition>
+    </mc:Fallback>
+  </mc:AlternateContent>
+</p:sld>
+</file>
+
+<file path=ppt/slides/slide7.xml><?xml version="1.0" encoding="utf-8"?>
 <p:sld xmlns:a="http://schemas.openxmlformats.org/drawingml/2006/main" xmlns:r="http://schemas.openxmlformats.org/officeDocument/2006/relationships" xmlns:p="http://schemas.openxmlformats.org/presentationml/2006/main">
   <p:cSld>
     <p:spTree>
@@ -24810,20 +27871,83 @@
               <a:buNone/>
             </a:pPr>
             <a:r>
-              <a:rPr lang="en-US" sz="2400">
-                <a:latin typeface="Source Sans Pro"/>
+              <a:rPr lang="en-US" sz="2400" dirty="0" err="1">
+                <a:latin typeface="+mj-lt"/>
                 <a:ea typeface="Source Sans Pro"/>
                 <a:cs typeface="Source Sans Pro"/>
                 <a:sym typeface="Source Sans Pro"/>
               </a:rPr>
-              <a:t>Truy cập vào trang </a:t>
-            </a:r>
-            <a:r>
-              <a:rPr lang="en-US" sz="2400" u="sng">
+              <a:t>Truy</a:t>
+            </a:r>
+            <a:r>
+              <a:rPr lang="en-US" sz="2400" dirty="0">
+                <a:latin typeface="+mj-lt"/>
+                <a:ea typeface="Source Sans Pro"/>
+                <a:cs typeface="Source Sans Pro"/>
+                <a:sym typeface="Source Sans Pro"/>
+              </a:rPr>
+              <a:t> </a:t>
+            </a:r>
+            <a:r>
+              <a:rPr lang="en-US" sz="2400" dirty="0" err="1">
+                <a:latin typeface="+mj-lt"/>
+                <a:ea typeface="Source Sans Pro"/>
+                <a:cs typeface="Source Sans Pro"/>
+                <a:sym typeface="Source Sans Pro"/>
+              </a:rPr>
+              <a:t>cập</a:t>
+            </a:r>
+            <a:r>
+              <a:rPr lang="en-US" sz="2400" dirty="0">
+                <a:latin typeface="+mj-lt"/>
+                <a:ea typeface="Source Sans Pro"/>
+                <a:cs typeface="Source Sans Pro"/>
+                <a:sym typeface="Source Sans Pro"/>
+              </a:rPr>
+              <a:t> </a:t>
+            </a:r>
+            <a:r>
+              <a:rPr lang="en-US" sz="2400" dirty="0" err="1">
+                <a:latin typeface="+mj-lt"/>
+                <a:ea typeface="Source Sans Pro"/>
+                <a:cs typeface="Source Sans Pro"/>
+                <a:sym typeface="Source Sans Pro"/>
+              </a:rPr>
+              <a:t>vào</a:t>
+            </a:r>
+            <a:r>
+              <a:rPr lang="en-US" sz="2400" dirty="0">
+                <a:latin typeface="+mj-lt"/>
+                <a:ea typeface="Source Sans Pro"/>
+                <a:cs typeface="Source Sans Pro"/>
+                <a:sym typeface="Source Sans Pro"/>
+              </a:rPr>
+              <a:t> </a:t>
+            </a:r>
+            <a:r>
+              <a:rPr lang="en-US" sz="2400" dirty="0" err="1">
+                <a:latin typeface="+mj-lt"/>
+                <a:ea typeface="Source Sans Pro"/>
+                <a:cs typeface="Source Sans Pro"/>
+                <a:sym typeface="Source Sans Pro"/>
+              </a:rPr>
+              <a:t>trang</a:t>
+            </a:r>
+            <a:r>
+              <a:rPr lang="en-US" sz="2400" dirty="0">
+                <a:latin typeface="+mj-lt"/>
+                <a:ea typeface="Source Sans Pro"/>
+                <a:cs typeface="Source Sans Pro"/>
+                <a:sym typeface="Source Sans Pro"/>
+              </a:rPr>
+              <a:t> </a:t>
+            </a:r>
+            <a:r>
+              <a:rPr lang="en-US" sz="2400" u="sng" dirty="0">
                 <a:solidFill>
                   <a:schemeClr val="hlink"/>
                 </a:solidFill>
-                <a:latin typeface="Source Sans Pro"/>
+                <a:latin typeface="+mj-lt"/>
                 <a:ea typeface="Source Sans Pro"/>
                 <a:cs typeface="Source Sans Pro"/>
                 <a:sym typeface="Source Sans Pro"/>
@@ -24832,13 +27956,121 @@
               <a:t>https://nodejs.org</a:t>
             </a:r>
             <a:r>
-              <a:rPr lang="en-US" sz="2400">
-                <a:latin typeface="Source Sans Pro"/>
+              <a:rPr lang="en-US" sz="2400" dirty="0">
+                <a:latin typeface="+mj-lt"/>
                 <a:ea typeface="Source Sans Pro"/>
                 <a:cs typeface="Source Sans Pro"/>
                 <a:sym typeface="Source Sans Pro"/>
               </a:rPr>
-              <a:t> và chọn phiên bản cần thiết.</a:t>
+              <a:t> </a:t>
+            </a:r>
+            <a:r>
+              <a:rPr lang="en-US" sz="2400" dirty="0" err="1">
+                <a:latin typeface="+mj-lt"/>
+                <a:ea typeface="Source Sans Pro"/>
+                <a:cs typeface="Source Sans Pro"/>
+                <a:sym typeface="Source Sans Pro"/>
+              </a:rPr>
+              <a:t>và</a:t>
+            </a:r>
+            <a:r>
+              <a:rPr lang="en-US" sz="2400" dirty="0">
+                <a:latin typeface="+mj-lt"/>
+                <a:ea typeface="Source Sans Pro"/>
+                <a:cs typeface="Source Sans Pro"/>
+                <a:sym typeface="Source Sans Pro"/>
+              </a:rPr>
+              <a:t> </a:t>
+            </a:r>
+            <a:r>
+              <a:rPr lang="en-US" sz="2400" dirty="0" err="1">
+                <a:latin typeface="+mj-lt"/>
+                <a:ea typeface="Source Sans Pro"/>
+                <a:cs typeface="Source Sans Pro"/>
+                <a:sym typeface="Source Sans Pro"/>
+              </a:rPr>
+              <a:t>chọn</a:t>
+            </a:r>
+            <a:r>
+              <a:rPr lang="en-US" sz="2400" dirty="0">
+                <a:latin typeface="+mj-lt"/>
+                <a:ea typeface="Source Sans Pro"/>
+                <a:cs typeface="Source Sans Pro"/>
+                <a:sym typeface="Source Sans Pro"/>
+              </a:rPr>
+              <a:t> </a:t>
+            </a:r>
+            <a:r>
+              <a:rPr lang="en-US" sz="2400" dirty="0" err="1">
+                <a:latin typeface="+mj-lt"/>
+                <a:ea typeface="Source Sans Pro"/>
+                <a:cs typeface="Source Sans Pro"/>
+                <a:sym typeface="Source Sans Pro"/>
+              </a:rPr>
+              <a:t>phiên</a:t>
+            </a:r>
+            <a:r>
+              <a:rPr lang="en-US" sz="2400" dirty="0">
+                <a:latin typeface="+mj-lt"/>
+                <a:ea typeface="Source Sans Pro"/>
+                <a:cs typeface="Source Sans Pro"/>
+                <a:sym typeface="Source Sans Pro"/>
+              </a:rPr>
+              <a:t> </a:t>
+            </a:r>
+            <a:r>
+              <a:rPr lang="en-US" sz="2400" dirty="0" err="1">
+                <a:latin typeface="+mj-lt"/>
+                <a:ea typeface="Source Sans Pro"/>
+                <a:cs typeface="Source Sans Pro"/>
+                <a:sym typeface="Source Sans Pro"/>
+              </a:rPr>
+              <a:t>bản</a:t>
+            </a:r>
+            <a:r>
+              <a:rPr lang="en-US" sz="2400" dirty="0">
+                <a:latin typeface="+mj-lt"/>
+                <a:ea typeface="Source Sans Pro"/>
+                <a:cs typeface="Source Sans Pro"/>
+                <a:sym typeface="Source Sans Pro"/>
+              </a:rPr>
+              <a:t> </a:t>
+            </a:r>
+            <a:r>
+              <a:rPr lang="en-US" sz="2400" dirty="0" err="1">
+                <a:latin typeface="+mj-lt"/>
+                <a:ea typeface="Source Sans Pro"/>
+                <a:cs typeface="Source Sans Pro"/>
+                <a:sym typeface="Source Sans Pro"/>
+              </a:rPr>
+              <a:t>cần</a:t>
+            </a:r>
+            <a:r>
+              <a:rPr lang="en-US" sz="2400" dirty="0">
+                <a:latin typeface="+mj-lt"/>
+                <a:ea typeface="Source Sans Pro"/>
+                <a:cs typeface="Source Sans Pro"/>
+                <a:sym typeface="Source Sans Pro"/>
+              </a:rPr>
+              <a:t> </a:t>
+            </a:r>
+            <a:r>
+              <a:rPr lang="en-US" sz="2400" dirty="0" err="1">
+                <a:latin typeface="+mj-lt"/>
+                <a:ea typeface="Source Sans Pro"/>
+                <a:cs typeface="Source Sans Pro"/>
+                <a:sym typeface="Source Sans Pro"/>
+              </a:rPr>
+              <a:t>thiết</a:t>
+            </a:r>
+            <a:r>
+              <a:rPr lang="en-US" sz="2400" dirty="0">
+                <a:latin typeface="+mj-lt"/>
+                <a:ea typeface="Source Sans Pro"/>
+                <a:cs typeface="Source Sans Pro"/>
+                <a:sym typeface="Source Sans Pro"/>
+              </a:rPr>
+              <a:t>.</a:t>
             </a:r>
           </a:p>
           <a:p>
@@ -24856,7 +28088,7 @@
               <a:buFont typeface="Arial"/>
               <a:buNone/>
             </a:pPr>
-            <a:endParaRPr>
+            <a:endParaRPr dirty="0">
               <a:latin typeface="Source Sans Pro"/>
               <a:ea typeface="Source Sans Pro"/>
               <a:cs typeface="Source Sans Pro"/>
@@ -24878,7 +28110,7 @@
               <a:buFont typeface="Arial"/>
               <a:buNone/>
             </a:pPr>
-            <a:endParaRPr>
+            <a:endParaRPr dirty="0">
               <a:latin typeface="Source Sans Pro"/>
               <a:ea typeface="Source Sans Pro"/>
               <a:cs typeface="Source Sans Pro"/>
@@ -24953,7 +28185,7 @@
             </a:pPr>
             <a:fld id="{00000000-1234-1234-1234-123412341234}" type="slidenum">
               <a:rPr lang="en-US"/>
-              <a:t>5</a:t>
+              <a:t>7</a:t>
             </a:fld>
             <a:endParaRPr lang="en-US"/>
           </a:p>
@@ -24964,13 +28196,13 @@
   <p:clrMapOvr>
     <a:masterClrMapping/>
   </p:clrMapOvr>
-  <mc:AlternateContent xmlns:mc="http://schemas.openxmlformats.org/markup-compatibility/2006">
-    <mc:Choice xmlns:p14="http://schemas.microsoft.com/office/powerpoint/2010/main" Requires="p14">
+  <mc:AlternateContent xmlns:mc="http://schemas.openxmlformats.org/markup-compatibility/2006" xmlns:p14="http://schemas.microsoft.com/office/powerpoint/2010/main">
+    <mc:Choice Requires="p14">
       <p:transition spd="med" p14:dur="700">
         <p:fade/>
       </p:transition>
     </mc:Choice>
-    <mc:Fallback>
+    <mc:Fallback xmlns="">
       <p:transition spd="med">
         <p:fade/>
       </p:transition>
@@ -24979,7 +28211,7 @@
 </p:sld>
 </file>
 
-<file path=ppt/slides/slide6.xml><?xml version="1.0" encoding="utf-8"?>
+<file path=ppt/slides/slide8.xml><?xml version="1.0" encoding="utf-8"?>
 <p:sld xmlns:a="http://schemas.openxmlformats.org/drawingml/2006/main" xmlns:r="http://schemas.openxmlformats.org/officeDocument/2006/relationships" xmlns:p="http://schemas.openxmlformats.org/presentationml/2006/main">
   <p:cSld>
     <p:spTree>
@@ -25193,7 +28425,7 @@
             </a:pPr>
             <a:fld id="{00000000-1234-1234-1234-123412341234}" type="slidenum">
               <a:rPr lang="en-US"/>
-              <a:t>6</a:t>
+              <a:t>8</a:t>
             </a:fld>
             <a:endParaRPr lang="en-US" dirty="0"/>
           </a:p>
@@ -25204,13 +28436,13 @@
   <p:clrMapOvr>
     <a:masterClrMapping/>
   </p:clrMapOvr>
-  <mc:AlternateContent xmlns:mc="http://schemas.openxmlformats.org/markup-compatibility/2006">
-    <mc:Choice xmlns:p14="http://schemas.microsoft.com/office/powerpoint/2010/main" Requires="p14">
+  <mc:AlternateContent xmlns:mc="http://schemas.openxmlformats.org/markup-compatibility/2006" xmlns:p14="http://schemas.microsoft.com/office/powerpoint/2010/main">
+    <mc:Choice Requires="p14">
       <p:transition spd="med" p14:dur="700">
         <p:fade/>
       </p:transition>
     </mc:Choice>
-    <mc:Fallback>
+    <mc:Fallback xmlns="">
       <p:transition spd="med">
         <p:fade/>
       </p:transition>
@@ -25219,7 +28451,7 @@
 </p:sld>
 </file>
 
-<file path=ppt/slides/slide7.xml><?xml version="1.0" encoding="utf-8"?>
+<file path=ppt/slides/slide9.xml><?xml version="1.0" encoding="utf-8"?>
 <p:sld xmlns:a="http://schemas.openxmlformats.org/drawingml/2006/main" xmlns:r="http://schemas.openxmlformats.org/officeDocument/2006/relationships" xmlns:p="http://schemas.openxmlformats.org/presentationml/2006/main">
   <p:cSld>
     <p:spTree>
@@ -25433,7 +28665,7 @@
             </a:pPr>
             <a:fld id="{00000000-1234-1234-1234-123412341234}" type="slidenum">
               <a:rPr lang="en-US"/>
-              <a:t>7</a:t>
+              <a:t>9</a:t>
             </a:fld>
             <a:endParaRPr lang="en-US"/>
           </a:p>
@@ -25444,478 +28676,13 @@
   <p:clrMapOvr>
     <a:masterClrMapping/>
   </p:clrMapOvr>
-  <mc:AlternateContent xmlns:mc="http://schemas.openxmlformats.org/markup-compatibility/2006">
-    <mc:Choice xmlns:p14="http://schemas.microsoft.com/office/powerpoint/2010/main" Requires="p14">
+  <mc:AlternateContent xmlns:mc="http://schemas.openxmlformats.org/markup-compatibility/2006" xmlns:p14="http://schemas.microsoft.com/office/powerpoint/2010/main">
+    <mc:Choice Requires="p14">
       <p:transition spd="med" p14:dur="700">
         <p:fade/>
       </p:transition>
     </mc:Choice>
-    <mc:Fallback>
-      <p:transition spd="med">
-        <p:fade/>
-      </p:transition>
-    </mc:Fallback>
-  </mc:AlternateContent>
-</p:sld>
-</file>
-
-<file path=ppt/slides/slide8.xml><?xml version="1.0" encoding="utf-8"?>
-<p:sld xmlns:a="http://schemas.openxmlformats.org/drawingml/2006/main" xmlns:r="http://schemas.openxmlformats.org/officeDocument/2006/relationships" xmlns:p="http://schemas.openxmlformats.org/presentationml/2006/main">
-  <p:cSld>
-    <p:spTree>
-      <p:nvGrpSpPr>
-        <p:cNvPr id="1" name="Shape 140"/>
-        <p:cNvGrpSpPr/>
-        <p:nvPr/>
-      </p:nvGrpSpPr>
-      <p:grpSpPr>
-        <a:xfrm>
-          <a:off x="0" y="0"/>
-          <a:ext cx="0" cy="0"/>
-          <a:chOff x="0" y="0"/>
-          <a:chExt cx="0" cy="0"/>
-        </a:xfrm>
-      </p:grpSpPr>
-      <p:sp>
-        <p:nvSpPr>
-          <p:cNvPr id="141" name="Shape 141"/>
-          <p:cNvSpPr txBox="1">
-            <a:spLocks noGrp="1"/>
-          </p:cNvSpPr>
-          <p:nvPr>
-            <p:ph type="title"/>
-          </p:nvPr>
-        </p:nvSpPr>
-        <p:spPr>
-          <a:xfrm>
-            <a:off x="1065212" y="533400"/>
-            <a:ext cx="8686800" cy="1066800"/>
-          </a:xfrm>
-          <a:prstGeom prst="rect">
-            <a:avLst/>
-          </a:prstGeom>
-          <a:noFill/>
-          <a:ln>
-            <a:noFill/>
-          </a:ln>
-        </p:spPr>
-        <p:txBody>
-          <a:bodyPr lIns="91425" tIns="45700" rIns="91425" bIns="45700" anchor="b" anchorCtr="0">
-            <a:noAutofit/>
-          </a:bodyPr>
-          <a:lstStyle/>
-          <a:p>
-            <a:pPr lvl="0" rtl="0">
-              <a:spcBef>
-                <a:spcPts val="0"/>
-              </a:spcBef>
-              <a:buClr>
-                <a:schemeClr val="dk1"/>
-              </a:buClr>
-              <a:buSzPct val="30555"/>
-              <a:buFont typeface="Arial"/>
-              <a:buNone/>
-            </a:pPr>
-            <a:r>
-              <a:rPr lang="en-US">
-                <a:solidFill>
-                  <a:srgbClr val="4A86E8"/>
-                </a:solidFill>
-              </a:rPr>
-              <a:t>2.Node.js Syntax</a:t>
-            </a:r>
-          </a:p>
-        </p:txBody>
-      </p:sp>
-      <p:sp>
-        <p:nvSpPr>
-          <p:cNvPr id="142" name="Shape 142"/>
-          <p:cNvSpPr txBox="1">
-            <a:spLocks noGrp="1"/>
-          </p:cNvSpPr>
-          <p:nvPr>
-            <p:ph type="body" idx="1"/>
-          </p:nvPr>
-        </p:nvSpPr>
-        <p:spPr>
-          <a:xfrm>
-            <a:off x="1065198" y="1828800"/>
-            <a:ext cx="9445500" cy="4191000"/>
-          </a:xfrm>
-          <a:prstGeom prst="rect">
-            <a:avLst/>
-          </a:prstGeom>
-          <a:noFill/>
-          <a:ln>
-            <a:noFill/>
-          </a:ln>
-        </p:spPr>
-        <p:txBody>
-          <a:bodyPr lIns="91425" tIns="45700" rIns="91425" bIns="45700" anchor="t" anchorCtr="0">
-            <a:noAutofit/>
-          </a:bodyPr>
-          <a:lstStyle/>
-          <a:p>
-            <a:pPr marL="457200" marR="0" lvl="0" indent="-381000" rtl="0">
-              <a:lnSpc>
-                <a:spcPct val="90000"/>
-              </a:lnSpc>
-              <a:spcBef>
-                <a:spcPts val="0"/>
-              </a:spcBef>
-              <a:buClr>
-                <a:srgbClr val="333333"/>
-              </a:buClr>
-              <a:buSzPct val="100000"/>
-            </a:pPr>
-            <a:endParaRPr sz="2400">
-              <a:solidFill>
-                <a:srgbClr val="333333"/>
-              </a:solidFill>
-              <a:highlight>
-                <a:srgbClr val="FFFFFF"/>
-              </a:highlight>
-            </a:endParaRPr>
-          </a:p>
-        </p:txBody>
-      </p:sp>
-      <p:pic>
-        <p:nvPicPr>
-          <p:cNvPr id="143" name="Shape 143"/>
-          <p:cNvPicPr preferRelativeResize="0"/>
-          <p:nvPr/>
-        </p:nvPicPr>
-        <p:blipFill>
-          <a:blip r:embed="rId3">
-            <a:alphaModFix/>
-          </a:blip>
-          <a:stretch>
-            <a:fillRect/>
-          </a:stretch>
-        </p:blipFill>
-        <p:spPr>
-          <a:xfrm>
-            <a:off x="872075" y="1797599"/>
-            <a:ext cx="7204274" cy="4253399"/>
-          </a:xfrm>
-          <a:prstGeom prst="rect">
-            <a:avLst/>
-          </a:prstGeom>
-          <a:noFill/>
-          <a:ln>
-            <a:noFill/>
-          </a:ln>
-        </p:spPr>
-      </p:pic>
-      <p:pic>
-        <p:nvPicPr>
-          <p:cNvPr id="144" name="Shape 144"/>
-          <p:cNvPicPr preferRelativeResize="0"/>
-          <p:nvPr/>
-        </p:nvPicPr>
-        <p:blipFill>
-          <a:blip r:embed="rId4">
-            <a:alphaModFix/>
-          </a:blip>
-          <a:stretch>
-            <a:fillRect/>
-          </a:stretch>
-        </p:blipFill>
-        <p:spPr>
-          <a:xfrm>
-            <a:off x="3349875" y="1600200"/>
-            <a:ext cx="8176025" cy="4827125"/>
-          </a:xfrm>
-          <a:prstGeom prst="rect">
-            <a:avLst/>
-          </a:prstGeom>
-          <a:noFill/>
-          <a:ln>
-            <a:noFill/>
-          </a:ln>
-        </p:spPr>
-      </p:pic>
-      <p:sp>
-        <p:nvSpPr>
-          <p:cNvPr id="145" name="Shape 145"/>
-          <p:cNvSpPr txBox="1">
-            <a:spLocks noGrp="1"/>
-          </p:cNvSpPr>
-          <p:nvPr>
-            <p:ph type="sldNum" idx="12"/>
-          </p:nvPr>
-        </p:nvSpPr>
-        <p:spPr>
-          <a:xfrm>
-            <a:off x="11176000" y="260350"/>
-            <a:ext cx="461750" cy="588000"/>
-          </a:xfrm>
-          <a:prstGeom prst="rect">
-            <a:avLst/>
-          </a:prstGeom>
-        </p:spPr>
-        <p:txBody>
-          <a:bodyPr lIns="91425" tIns="45700" rIns="91425" bIns="45700" anchor="ctr" anchorCtr="0">
-            <a:noAutofit/>
-          </a:bodyPr>
-          <a:lstStyle/>
-          <a:p>
-            <a:pPr lvl="0" rtl="0">
-              <a:spcBef>
-                <a:spcPts val="0"/>
-              </a:spcBef>
-              <a:buClr>
-                <a:srgbClr val="000000"/>
-              </a:buClr>
-              <a:buSzPct val="25000"/>
-              <a:buFont typeface="Arial"/>
-              <a:buNone/>
-            </a:pPr>
-            <a:fld id="{00000000-1234-1234-1234-123412341234}" type="slidenum">
-              <a:rPr lang="en-US"/>
-              <a:t>8</a:t>
-            </a:fld>
-            <a:endParaRPr lang="en-US" dirty="0"/>
-          </a:p>
-        </p:txBody>
-      </p:sp>
-    </p:spTree>
-  </p:cSld>
-  <p:clrMapOvr>
-    <a:masterClrMapping/>
-  </p:clrMapOvr>
-  <mc:AlternateContent xmlns:mc="http://schemas.openxmlformats.org/markup-compatibility/2006">
-    <mc:Choice xmlns:p14="http://schemas.microsoft.com/office/powerpoint/2010/main" Requires="p14">
-      <p:transition spd="med" p14:dur="700">
-        <p:fade/>
-      </p:transition>
-    </mc:Choice>
-    <mc:Fallback>
-      <p:transition spd="med">
-        <p:fade/>
-      </p:transition>
-    </mc:Fallback>
-  </mc:AlternateContent>
-</p:sld>
-</file>
-
-<file path=ppt/slides/slide9.xml><?xml version="1.0" encoding="utf-8"?>
-<p:sld xmlns:a="http://schemas.openxmlformats.org/drawingml/2006/main" xmlns:r="http://schemas.openxmlformats.org/officeDocument/2006/relationships" xmlns:p="http://schemas.openxmlformats.org/presentationml/2006/main">
-  <p:cSld>
-    <p:spTree>
-      <p:nvGrpSpPr>
-        <p:cNvPr id="1" name="Shape 149"/>
-        <p:cNvGrpSpPr/>
-        <p:nvPr/>
-      </p:nvGrpSpPr>
-      <p:grpSpPr>
-        <a:xfrm>
-          <a:off x="0" y="0"/>
-          <a:ext cx="0" cy="0"/>
-          <a:chOff x="0" y="0"/>
-          <a:chExt cx="0" cy="0"/>
-        </a:xfrm>
-      </p:grpSpPr>
-      <p:sp>
-        <p:nvSpPr>
-          <p:cNvPr id="150" name="Shape 150"/>
-          <p:cNvSpPr txBox="1">
-            <a:spLocks noGrp="1"/>
-          </p:cNvSpPr>
-          <p:nvPr>
-            <p:ph type="title"/>
-          </p:nvPr>
-        </p:nvSpPr>
-        <p:spPr>
-          <a:xfrm>
-            <a:off x="1065212" y="533400"/>
-            <a:ext cx="8686800" cy="1066800"/>
-          </a:xfrm>
-          <a:prstGeom prst="rect">
-            <a:avLst/>
-          </a:prstGeom>
-          <a:noFill/>
-          <a:ln>
-            <a:noFill/>
-          </a:ln>
-        </p:spPr>
-        <p:txBody>
-          <a:bodyPr lIns="91425" tIns="45700" rIns="91425" bIns="45700" anchor="b" anchorCtr="0">
-            <a:noAutofit/>
-          </a:bodyPr>
-          <a:lstStyle/>
-          <a:p>
-            <a:pPr lvl="0" rtl="0">
-              <a:spcBef>
-                <a:spcPts val="0"/>
-              </a:spcBef>
-              <a:buClr>
-                <a:schemeClr val="dk1"/>
-              </a:buClr>
-              <a:buSzPct val="30555"/>
-              <a:buFont typeface="Arial"/>
-              <a:buNone/>
-            </a:pPr>
-            <a:r>
-              <a:rPr lang="en-US">
-                <a:solidFill>
-                  <a:srgbClr val="4A86E8"/>
-                </a:solidFill>
-              </a:rPr>
-              <a:t>2.Node.js Syntax</a:t>
-            </a:r>
-          </a:p>
-        </p:txBody>
-      </p:sp>
-      <p:sp>
-        <p:nvSpPr>
-          <p:cNvPr id="151" name="Shape 151"/>
-          <p:cNvSpPr txBox="1">
-            <a:spLocks noGrp="1"/>
-          </p:cNvSpPr>
-          <p:nvPr>
-            <p:ph type="body" idx="1"/>
-          </p:nvPr>
-        </p:nvSpPr>
-        <p:spPr>
-          <a:xfrm>
-            <a:off x="1065198" y="1828800"/>
-            <a:ext cx="9445500" cy="4191000"/>
-          </a:xfrm>
-          <a:prstGeom prst="rect">
-            <a:avLst/>
-          </a:prstGeom>
-          <a:noFill/>
-          <a:ln>
-            <a:noFill/>
-          </a:ln>
-        </p:spPr>
-        <p:txBody>
-          <a:bodyPr lIns="91425" tIns="45700" rIns="91425" bIns="45700" anchor="t" anchorCtr="0">
-            <a:noAutofit/>
-          </a:bodyPr>
-          <a:lstStyle/>
-          <a:p>
-            <a:pPr marL="0" marR="0" lvl="0" indent="0" rtl="0">
-              <a:lnSpc>
-                <a:spcPct val="90000"/>
-              </a:lnSpc>
-              <a:spcBef>
-                <a:spcPts val="0"/>
-              </a:spcBef>
-              <a:buNone/>
-            </a:pPr>
-            <a:r>
-              <a:rPr lang="en-US" sz="2400" b="1">
-                <a:solidFill>
-                  <a:srgbClr val="980000"/>
-                </a:solidFill>
-              </a:rPr>
-              <a:t>Đối tượng ‘global’ và ‘process’ hoạt động trong môi trường Node nhưng không hoạt động trong Chrome browser.</a:t>
-            </a:r>
-          </a:p>
-          <a:p>
-            <a:pPr marL="0" marR="0" lvl="0" indent="0" rtl="0">
-              <a:lnSpc>
-                <a:spcPct val="90000"/>
-              </a:lnSpc>
-              <a:spcBef>
-                <a:spcPts val="0"/>
-              </a:spcBef>
-              <a:buNone/>
-            </a:pPr>
-            <a:endParaRPr sz="2400" b="1">
-              <a:solidFill>
-                <a:srgbClr val="980000"/>
-              </a:solidFill>
-            </a:endParaRPr>
-          </a:p>
-        </p:txBody>
-      </p:sp>
-      <p:pic>
-        <p:nvPicPr>
-          <p:cNvPr id="152" name="Shape 152"/>
-          <p:cNvPicPr preferRelativeResize="0"/>
-          <p:nvPr/>
-        </p:nvPicPr>
-        <p:blipFill>
-          <a:blip r:embed="rId3">
-            <a:alphaModFix/>
-          </a:blip>
-          <a:stretch>
-            <a:fillRect/>
-          </a:stretch>
-        </p:blipFill>
-        <p:spPr>
-          <a:xfrm>
-            <a:off x="2310375" y="2792301"/>
-            <a:ext cx="5807249" cy="3448525"/>
-          </a:xfrm>
-          <a:prstGeom prst="rect">
-            <a:avLst/>
-          </a:prstGeom>
-          <a:noFill/>
-          <a:ln>
-            <a:noFill/>
-          </a:ln>
-        </p:spPr>
-      </p:pic>
-      <p:sp>
-        <p:nvSpPr>
-          <p:cNvPr id="153" name="Shape 153"/>
-          <p:cNvSpPr txBox="1">
-            <a:spLocks noGrp="1"/>
-          </p:cNvSpPr>
-          <p:nvPr>
-            <p:ph type="sldNum" idx="12"/>
-          </p:nvPr>
-        </p:nvSpPr>
-        <p:spPr>
-          <a:xfrm>
-            <a:off x="11176000" y="260350"/>
-            <a:ext cx="461750" cy="588000"/>
-          </a:xfrm>
-          <a:prstGeom prst="rect">
-            <a:avLst/>
-          </a:prstGeom>
-        </p:spPr>
-        <p:txBody>
-          <a:bodyPr lIns="91425" tIns="45700" rIns="91425" bIns="45700" anchor="ctr" anchorCtr="0">
-            <a:noAutofit/>
-          </a:bodyPr>
-          <a:lstStyle/>
-          <a:p>
-            <a:pPr lvl="0" rtl="0">
-              <a:spcBef>
-                <a:spcPts val="0"/>
-              </a:spcBef>
-              <a:buClr>
-                <a:srgbClr val="000000"/>
-              </a:buClr>
-              <a:buSzPct val="25000"/>
-              <a:buFont typeface="Arial"/>
-              <a:buNone/>
-            </a:pPr>
-            <a:fld id="{00000000-1234-1234-1234-123412341234}" type="slidenum">
-              <a:rPr lang="en-US"/>
-              <a:t>9</a:t>
-            </a:fld>
-            <a:endParaRPr lang="en-US"/>
-          </a:p>
-        </p:txBody>
-      </p:sp>
-    </p:spTree>
-  </p:cSld>
-  <p:clrMapOvr>
-    <a:masterClrMapping/>
-  </p:clrMapOvr>
-  <mc:AlternateContent xmlns:mc="http://schemas.openxmlformats.org/markup-compatibility/2006">
-    <mc:Choice xmlns:p14="http://schemas.microsoft.com/office/powerpoint/2010/main" Requires="p14">
-      <p:transition spd="med" p14:dur="700">
-        <p:fade/>
-      </p:transition>
-    </mc:Choice>
-    <mc:Fallback>
+    <mc:Fallback xmlns="">
       <p:transition spd="med">
         <p:fade/>
       </p:transition>
